--- a/Covid-presentation.pptx
+++ b/Covid-presentation.pptx
@@ -111,7 +111,3274 @@
       </a:defRPr>
     </a:lvl9pPr>
   </p:defaultTextStyle>
+  <p:extLst>
+    <p:ext uri="{EFAFB233-063F-42B5-8137-9DF3F51BA10A}">
+      <p15:sldGuideLst xmlns:p15="http://schemas.microsoft.com/office/powerpoint/2012/main"/>
+    </p:ext>
+  </p:extLst>
 </p:presentation>
+</file>
+
+<file path=ppt/diagrams/colors1.xml><?xml version="1.0" encoding="utf-8"?>
+<dgm:colorsDef xmlns:dgm="http://schemas.openxmlformats.org/drawingml/2006/diagram" xmlns:a="http://schemas.openxmlformats.org/drawingml/2006/main" uniqueId="urn:microsoft.com/office/officeart/2005/8/colors/accent1_2">
+  <dgm:title val=""/>
+  <dgm:desc val=""/>
+  <dgm:catLst>
+    <dgm:cat type="accent1" pri="11200"/>
+  </dgm:catLst>
+  <dgm:styleLbl name="node0">
+    <dgm:fillClrLst meth="repeat">
+      <a:schemeClr val="accent1"/>
+    </dgm:fillClrLst>
+    <dgm:linClrLst meth="repeat">
+      <a:schemeClr val="lt1"/>
+    </dgm:linClrLst>
+    <dgm:effectClrLst/>
+    <dgm:txLinClrLst/>
+    <dgm:txFillClrLst/>
+    <dgm:txEffectClrLst/>
+  </dgm:styleLbl>
+  <dgm:styleLbl name="alignNode1">
+    <dgm:fillClrLst meth="repeat">
+      <a:schemeClr val="accent1"/>
+    </dgm:fillClrLst>
+    <dgm:linClrLst meth="repeat">
+      <a:schemeClr val="accent1"/>
+    </dgm:linClrLst>
+    <dgm:effectClrLst/>
+    <dgm:txLinClrLst/>
+    <dgm:txFillClrLst/>
+    <dgm:txEffectClrLst/>
+  </dgm:styleLbl>
+  <dgm:styleLbl name="node1">
+    <dgm:fillClrLst meth="repeat">
+      <a:schemeClr val="accent1"/>
+    </dgm:fillClrLst>
+    <dgm:linClrLst meth="repeat">
+      <a:schemeClr val="lt1"/>
+    </dgm:linClrLst>
+    <dgm:effectClrLst/>
+    <dgm:txLinClrLst/>
+    <dgm:txFillClrLst/>
+    <dgm:txEffectClrLst/>
+  </dgm:styleLbl>
+  <dgm:styleLbl name="lnNode1">
+    <dgm:fillClrLst meth="repeat">
+      <a:schemeClr val="accent1"/>
+    </dgm:fillClrLst>
+    <dgm:linClrLst meth="repeat">
+      <a:schemeClr val="lt1"/>
+    </dgm:linClrLst>
+    <dgm:effectClrLst/>
+    <dgm:txLinClrLst/>
+    <dgm:txFillClrLst/>
+    <dgm:txEffectClrLst/>
+  </dgm:styleLbl>
+  <dgm:styleLbl name="vennNode1">
+    <dgm:fillClrLst meth="repeat">
+      <a:schemeClr val="accent1">
+        <a:alpha val="50000"/>
+      </a:schemeClr>
+    </dgm:fillClrLst>
+    <dgm:linClrLst meth="repeat">
+      <a:schemeClr val="lt1"/>
+    </dgm:linClrLst>
+    <dgm:effectClrLst/>
+    <dgm:txLinClrLst/>
+    <dgm:txFillClrLst/>
+    <dgm:txEffectClrLst/>
+  </dgm:styleLbl>
+  <dgm:styleLbl name="node2">
+    <dgm:fillClrLst meth="repeat">
+      <a:schemeClr val="accent1"/>
+    </dgm:fillClrLst>
+    <dgm:linClrLst meth="repeat">
+      <a:schemeClr val="lt1"/>
+    </dgm:linClrLst>
+    <dgm:effectClrLst/>
+    <dgm:txLinClrLst/>
+    <dgm:txFillClrLst/>
+    <dgm:txEffectClrLst/>
+  </dgm:styleLbl>
+  <dgm:styleLbl name="node3">
+    <dgm:fillClrLst meth="repeat">
+      <a:schemeClr val="accent1"/>
+    </dgm:fillClrLst>
+    <dgm:linClrLst meth="repeat">
+      <a:schemeClr val="lt1"/>
+    </dgm:linClrLst>
+    <dgm:effectClrLst/>
+    <dgm:txLinClrLst/>
+    <dgm:txFillClrLst/>
+    <dgm:txEffectClrLst/>
+  </dgm:styleLbl>
+  <dgm:styleLbl name="node4">
+    <dgm:fillClrLst meth="repeat">
+      <a:schemeClr val="accent1"/>
+    </dgm:fillClrLst>
+    <dgm:linClrLst meth="repeat">
+      <a:schemeClr val="lt1"/>
+    </dgm:linClrLst>
+    <dgm:effectClrLst/>
+    <dgm:txLinClrLst/>
+    <dgm:txFillClrLst/>
+    <dgm:txEffectClrLst/>
+  </dgm:styleLbl>
+  <dgm:styleLbl name="fgImgPlace1">
+    <dgm:fillClrLst meth="repeat">
+      <a:schemeClr val="accent1">
+        <a:tint val="50000"/>
+      </a:schemeClr>
+    </dgm:fillClrLst>
+    <dgm:linClrLst meth="repeat">
+      <a:schemeClr val="lt1"/>
+    </dgm:linClrLst>
+    <dgm:effectClrLst/>
+    <dgm:txLinClrLst/>
+    <dgm:txFillClrLst meth="repeat">
+      <a:schemeClr val="lt1"/>
+    </dgm:txFillClrLst>
+    <dgm:txEffectClrLst/>
+  </dgm:styleLbl>
+  <dgm:styleLbl name="alignImgPlace1">
+    <dgm:fillClrLst meth="repeat">
+      <a:schemeClr val="accent1">
+        <a:tint val="50000"/>
+      </a:schemeClr>
+    </dgm:fillClrLst>
+    <dgm:linClrLst meth="repeat">
+      <a:schemeClr val="lt1"/>
+    </dgm:linClrLst>
+    <dgm:effectClrLst/>
+    <dgm:txLinClrLst/>
+    <dgm:txFillClrLst meth="repeat">
+      <a:schemeClr val="lt1"/>
+    </dgm:txFillClrLst>
+    <dgm:txEffectClrLst/>
+  </dgm:styleLbl>
+  <dgm:styleLbl name="bgImgPlace1">
+    <dgm:fillClrLst meth="repeat">
+      <a:schemeClr val="accent1">
+        <a:tint val="50000"/>
+      </a:schemeClr>
+    </dgm:fillClrLst>
+    <dgm:linClrLst meth="repeat">
+      <a:schemeClr val="lt1"/>
+    </dgm:linClrLst>
+    <dgm:effectClrLst/>
+    <dgm:txLinClrLst/>
+    <dgm:txFillClrLst meth="repeat">
+      <a:schemeClr val="lt1"/>
+    </dgm:txFillClrLst>
+    <dgm:txEffectClrLst/>
+  </dgm:styleLbl>
+  <dgm:styleLbl name="sibTrans2D1">
+    <dgm:fillClrLst meth="repeat">
+      <a:schemeClr val="accent1">
+        <a:tint val="60000"/>
+      </a:schemeClr>
+    </dgm:fillClrLst>
+    <dgm:linClrLst meth="repeat">
+      <a:schemeClr val="accent1">
+        <a:tint val="60000"/>
+      </a:schemeClr>
+    </dgm:linClrLst>
+    <dgm:effectClrLst/>
+    <dgm:txLinClrLst/>
+    <dgm:txFillClrLst/>
+    <dgm:txEffectClrLst/>
+  </dgm:styleLbl>
+  <dgm:styleLbl name="fgSibTrans2D1">
+    <dgm:fillClrLst meth="repeat">
+      <a:schemeClr val="accent1">
+        <a:tint val="60000"/>
+      </a:schemeClr>
+    </dgm:fillClrLst>
+    <dgm:linClrLst meth="repeat">
+      <a:schemeClr val="accent1">
+        <a:tint val="60000"/>
+      </a:schemeClr>
+    </dgm:linClrLst>
+    <dgm:effectClrLst/>
+    <dgm:txLinClrLst/>
+    <dgm:txFillClrLst/>
+    <dgm:txEffectClrLst/>
+  </dgm:styleLbl>
+  <dgm:styleLbl name="bgSibTrans2D1">
+    <dgm:fillClrLst meth="repeat">
+      <a:schemeClr val="accent1">
+        <a:tint val="60000"/>
+      </a:schemeClr>
+    </dgm:fillClrLst>
+    <dgm:linClrLst meth="repeat">
+      <a:schemeClr val="accent1">
+        <a:tint val="60000"/>
+      </a:schemeClr>
+    </dgm:linClrLst>
+    <dgm:effectClrLst/>
+    <dgm:txLinClrLst/>
+    <dgm:txFillClrLst/>
+    <dgm:txEffectClrLst/>
+  </dgm:styleLbl>
+  <dgm:styleLbl name="sibTrans1D1">
+    <dgm:fillClrLst meth="repeat">
+      <a:schemeClr val="accent1"/>
+    </dgm:fillClrLst>
+    <dgm:linClrLst meth="repeat">
+      <a:schemeClr val="accent1"/>
+    </dgm:linClrLst>
+    <dgm:effectClrLst/>
+    <dgm:txLinClrLst/>
+    <dgm:txFillClrLst meth="repeat">
+      <a:schemeClr val="tx1"/>
+    </dgm:txFillClrLst>
+    <dgm:txEffectClrLst/>
+  </dgm:styleLbl>
+  <dgm:styleLbl name="callout">
+    <dgm:fillClrLst meth="repeat">
+      <a:schemeClr val="accent1"/>
+    </dgm:fillClrLst>
+    <dgm:linClrLst meth="repeat">
+      <a:schemeClr val="accent1">
+        <a:tint val="50000"/>
+      </a:schemeClr>
+    </dgm:linClrLst>
+    <dgm:effectClrLst/>
+    <dgm:txLinClrLst/>
+    <dgm:txFillClrLst meth="repeat">
+      <a:schemeClr val="tx1"/>
+    </dgm:txFillClrLst>
+    <dgm:txEffectClrLst/>
+  </dgm:styleLbl>
+  <dgm:styleLbl name="asst0">
+    <dgm:fillClrLst meth="repeat">
+      <a:schemeClr val="accent1"/>
+    </dgm:fillClrLst>
+    <dgm:linClrLst meth="repeat">
+      <a:schemeClr val="lt1"/>
+    </dgm:linClrLst>
+    <dgm:effectClrLst/>
+    <dgm:txLinClrLst/>
+    <dgm:txFillClrLst/>
+    <dgm:txEffectClrLst/>
+  </dgm:styleLbl>
+  <dgm:styleLbl name="asst1">
+    <dgm:fillClrLst meth="repeat">
+      <a:schemeClr val="accent1"/>
+    </dgm:fillClrLst>
+    <dgm:linClrLst meth="repeat">
+      <a:schemeClr val="lt1"/>
+    </dgm:linClrLst>
+    <dgm:effectClrLst/>
+    <dgm:txLinClrLst/>
+    <dgm:txFillClrLst/>
+    <dgm:txEffectClrLst/>
+  </dgm:styleLbl>
+  <dgm:styleLbl name="asst2">
+    <dgm:fillClrLst meth="repeat">
+      <a:schemeClr val="accent1"/>
+    </dgm:fillClrLst>
+    <dgm:linClrLst meth="repeat">
+      <a:schemeClr val="lt1"/>
+    </dgm:linClrLst>
+    <dgm:effectClrLst/>
+    <dgm:txLinClrLst/>
+    <dgm:txFillClrLst/>
+    <dgm:txEffectClrLst/>
+  </dgm:styleLbl>
+  <dgm:styleLbl name="asst3">
+    <dgm:fillClrLst meth="repeat">
+      <a:schemeClr val="accent1"/>
+    </dgm:fillClrLst>
+    <dgm:linClrLst meth="repeat">
+      <a:schemeClr val="lt1"/>
+    </dgm:linClrLst>
+    <dgm:effectClrLst/>
+    <dgm:txLinClrLst/>
+    <dgm:txFillClrLst/>
+    <dgm:txEffectClrLst/>
+  </dgm:styleLbl>
+  <dgm:styleLbl name="asst4">
+    <dgm:fillClrLst meth="repeat">
+      <a:schemeClr val="accent1"/>
+    </dgm:fillClrLst>
+    <dgm:linClrLst meth="repeat">
+      <a:schemeClr val="lt1"/>
+    </dgm:linClrLst>
+    <dgm:effectClrLst/>
+    <dgm:txLinClrLst/>
+    <dgm:txFillClrLst/>
+    <dgm:txEffectClrLst/>
+  </dgm:styleLbl>
+  <dgm:styleLbl name="parChTrans2D1">
+    <dgm:fillClrLst meth="repeat">
+      <a:schemeClr val="accent1">
+        <a:tint val="60000"/>
+      </a:schemeClr>
+    </dgm:fillClrLst>
+    <dgm:linClrLst meth="repeat">
+      <a:schemeClr val="accent1">
+        <a:tint val="60000"/>
+      </a:schemeClr>
+    </dgm:linClrLst>
+    <dgm:effectClrLst/>
+    <dgm:txLinClrLst/>
+    <dgm:txFillClrLst meth="repeat">
+      <a:schemeClr val="lt1"/>
+    </dgm:txFillClrLst>
+    <dgm:txEffectClrLst/>
+  </dgm:styleLbl>
+  <dgm:styleLbl name="parChTrans2D2">
+    <dgm:fillClrLst meth="repeat">
+      <a:schemeClr val="accent1"/>
+    </dgm:fillClrLst>
+    <dgm:linClrLst meth="repeat">
+      <a:schemeClr val="accent1"/>
+    </dgm:linClrLst>
+    <dgm:effectClrLst/>
+    <dgm:txLinClrLst/>
+    <dgm:txFillClrLst meth="repeat">
+      <a:schemeClr val="lt1"/>
+    </dgm:txFillClrLst>
+    <dgm:txEffectClrLst/>
+  </dgm:styleLbl>
+  <dgm:styleLbl name="parChTrans2D3">
+    <dgm:fillClrLst meth="repeat">
+      <a:schemeClr val="accent1"/>
+    </dgm:fillClrLst>
+    <dgm:linClrLst meth="repeat">
+      <a:schemeClr val="accent1"/>
+    </dgm:linClrLst>
+    <dgm:effectClrLst/>
+    <dgm:txLinClrLst/>
+    <dgm:txFillClrLst meth="repeat">
+      <a:schemeClr val="lt1"/>
+    </dgm:txFillClrLst>
+    <dgm:txEffectClrLst/>
+  </dgm:styleLbl>
+  <dgm:styleLbl name="parChTrans2D4">
+    <dgm:fillClrLst meth="repeat">
+      <a:schemeClr val="accent1"/>
+    </dgm:fillClrLst>
+    <dgm:linClrLst meth="repeat">
+      <a:schemeClr val="accent1"/>
+    </dgm:linClrLst>
+    <dgm:effectClrLst/>
+    <dgm:txLinClrLst/>
+    <dgm:txFillClrLst meth="repeat">
+      <a:schemeClr val="lt1"/>
+    </dgm:txFillClrLst>
+    <dgm:txEffectClrLst/>
+  </dgm:styleLbl>
+  <dgm:styleLbl name="parChTrans1D1">
+    <dgm:fillClrLst meth="repeat">
+      <a:schemeClr val="accent1"/>
+    </dgm:fillClrLst>
+    <dgm:linClrLst meth="repeat">
+      <a:schemeClr val="accent1">
+        <a:shade val="60000"/>
+      </a:schemeClr>
+    </dgm:linClrLst>
+    <dgm:effectClrLst/>
+    <dgm:txLinClrLst/>
+    <dgm:txFillClrLst meth="repeat">
+      <a:schemeClr val="tx1"/>
+    </dgm:txFillClrLst>
+    <dgm:txEffectClrLst/>
+  </dgm:styleLbl>
+  <dgm:styleLbl name="parChTrans1D2">
+    <dgm:fillClrLst meth="repeat">
+      <a:schemeClr val="accent1"/>
+    </dgm:fillClrLst>
+    <dgm:linClrLst meth="repeat">
+      <a:schemeClr val="accent1">
+        <a:shade val="60000"/>
+      </a:schemeClr>
+    </dgm:linClrLst>
+    <dgm:effectClrLst/>
+    <dgm:txLinClrLst/>
+    <dgm:txFillClrLst meth="repeat">
+      <a:schemeClr val="tx1"/>
+    </dgm:txFillClrLst>
+    <dgm:txEffectClrLst/>
+  </dgm:styleLbl>
+  <dgm:styleLbl name="parChTrans1D3">
+    <dgm:fillClrLst meth="repeat">
+      <a:schemeClr val="accent1"/>
+    </dgm:fillClrLst>
+    <dgm:linClrLst meth="repeat">
+      <a:schemeClr val="accent1">
+        <a:shade val="80000"/>
+      </a:schemeClr>
+    </dgm:linClrLst>
+    <dgm:effectClrLst/>
+    <dgm:txLinClrLst/>
+    <dgm:txFillClrLst meth="repeat">
+      <a:schemeClr val="tx1"/>
+    </dgm:txFillClrLst>
+    <dgm:txEffectClrLst/>
+  </dgm:styleLbl>
+  <dgm:styleLbl name="parChTrans1D4">
+    <dgm:fillClrLst meth="repeat">
+      <a:schemeClr val="accent1"/>
+    </dgm:fillClrLst>
+    <dgm:linClrLst meth="repeat">
+      <a:schemeClr val="accent1">
+        <a:shade val="80000"/>
+      </a:schemeClr>
+    </dgm:linClrLst>
+    <dgm:effectClrLst/>
+    <dgm:txLinClrLst/>
+    <dgm:txFillClrLst meth="repeat">
+      <a:schemeClr val="tx1"/>
+    </dgm:txFillClrLst>
+    <dgm:txEffectClrLst/>
+  </dgm:styleLbl>
+  <dgm:styleLbl name="fgAcc1">
+    <dgm:fillClrLst meth="repeat">
+      <a:schemeClr val="lt1">
+        <a:alpha val="90000"/>
+      </a:schemeClr>
+    </dgm:fillClrLst>
+    <dgm:linClrLst meth="repeat">
+      <a:schemeClr val="accent1"/>
+    </dgm:linClrLst>
+    <dgm:effectClrLst/>
+    <dgm:txLinClrLst/>
+    <dgm:txFillClrLst meth="repeat">
+      <a:schemeClr val="dk1"/>
+    </dgm:txFillClrLst>
+    <dgm:txEffectClrLst/>
+  </dgm:styleLbl>
+  <dgm:styleLbl name="conFgAcc1">
+    <dgm:fillClrLst meth="repeat">
+      <a:schemeClr val="lt1">
+        <a:alpha val="90000"/>
+      </a:schemeClr>
+    </dgm:fillClrLst>
+    <dgm:linClrLst meth="repeat">
+      <a:schemeClr val="accent1"/>
+    </dgm:linClrLst>
+    <dgm:effectClrLst/>
+    <dgm:txLinClrLst/>
+    <dgm:txFillClrLst meth="repeat">
+      <a:schemeClr val="dk1"/>
+    </dgm:txFillClrLst>
+    <dgm:txEffectClrLst/>
+  </dgm:styleLbl>
+  <dgm:styleLbl name="alignAcc1">
+    <dgm:fillClrLst meth="repeat">
+      <a:schemeClr val="lt1">
+        <a:alpha val="90000"/>
+      </a:schemeClr>
+    </dgm:fillClrLst>
+    <dgm:linClrLst meth="repeat">
+      <a:schemeClr val="accent1"/>
+    </dgm:linClrLst>
+    <dgm:effectClrLst/>
+    <dgm:txLinClrLst/>
+    <dgm:txFillClrLst meth="repeat">
+      <a:schemeClr val="dk1"/>
+    </dgm:txFillClrLst>
+    <dgm:txEffectClrLst/>
+  </dgm:styleLbl>
+  <dgm:styleLbl name="trAlignAcc1">
+    <dgm:fillClrLst meth="repeat">
+      <a:schemeClr val="lt1">
+        <a:alpha val="40000"/>
+      </a:schemeClr>
+    </dgm:fillClrLst>
+    <dgm:linClrLst meth="repeat">
+      <a:schemeClr val="accent1"/>
+    </dgm:linClrLst>
+    <dgm:effectClrLst/>
+    <dgm:txLinClrLst/>
+    <dgm:txFillClrLst meth="repeat">
+      <a:schemeClr val="dk1"/>
+    </dgm:txFillClrLst>
+    <dgm:txEffectClrLst/>
+  </dgm:styleLbl>
+  <dgm:styleLbl name="bgAcc1">
+    <dgm:fillClrLst meth="repeat">
+      <a:schemeClr val="lt1">
+        <a:alpha val="90000"/>
+      </a:schemeClr>
+    </dgm:fillClrLst>
+    <dgm:linClrLst meth="repeat">
+      <a:schemeClr val="accent1"/>
+    </dgm:linClrLst>
+    <dgm:effectClrLst/>
+    <dgm:txLinClrLst/>
+    <dgm:txFillClrLst meth="repeat">
+      <a:schemeClr val="dk1"/>
+    </dgm:txFillClrLst>
+    <dgm:txEffectClrLst/>
+  </dgm:styleLbl>
+  <dgm:styleLbl name="solidFgAcc1">
+    <dgm:fillClrLst meth="repeat">
+      <a:schemeClr val="lt1"/>
+    </dgm:fillClrLst>
+    <dgm:linClrLst meth="repeat">
+      <a:schemeClr val="accent1"/>
+    </dgm:linClrLst>
+    <dgm:effectClrLst/>
+    <dgm:txLinClrLst/>
+    <dgm:txFillClrLst meth="repeat">
+      <a:schemeClr val="dk1"/>
+    </dgm:txFillClrLst>
+    <dgm:txEffectClrLst/>
+  </dgm:styleLbl>
+  <dgm:styleLbl name="solidAlignAcc1">
+    <dgm:fillClrLst meth="repeat">
+      <a:schemeClr val="lt1"/>
+    </dgm:fillClrLst>
+    <dgm:linClrLst meth="repeat">
+      <a:schemeClr val="accent1"/>
+    </dgm:linClrLst>
+    <dgm:effectClrLst/>
+    <dgm:txLinClrLst/>
+    <dgm:txFillClrLst meth="repeat">
+      <a:schemeClr val="dk1"/>
+    </dgm:txFillClrLst>
+    <dgm:txEffectClrLst/>
+  </dgm:styleLbl>
+  <dgm:styleLbl name="solidBgAcc1">
+    <dgm:fillClrLst meth="repeat">
+      <a:schemeClr val="lt1"/>
+    </dgm:fillClrLst>
+    <dgm:linClrLst meth="repeat">
+      <a:schemeClr val="accent1"/>
+    </dgm:linClrLst>
+    <dgm:effectClrLst/>
+    <dgm:txLinClrLst/>
+    <dgm:txFillClrLst meth="repeat">
+      <a:schemeClr val="dk1"/>
+    </dgm:txFillClrLst>
+    <dgm:txEffectClrLst/>
+  </dgm:styleLbl>
+  <dgm:styleLbl name="fgAccFollowNode1">
+    <dgm:fillClrLst meth="repeat">
+      <a:schemeClr val="accent1">
+        <a:alpha val="90000"/>
+        <a:tint val="40000"/>
+      </a:schemeClr>
+    </dgm:fillClrLst>
+    <dgm:linClrLst meth="repeat">
+      <a:schemeClr val="accent1">
+        <a:alpha val="90000"/>
+        <a:tint val="40000"/>
+      </a:schemeClr>
+    </dgm:linClrLst>
+    <dgm:effectClrLst/>
+    <dgm:txLinClrLst/>
+    <dgm:txFillClrLst meth="repeat">
+      <a:schemeClr val="dk1"/>
+    </dgm:txFillClrLst>
+    <dgm:txEffectClrLst/>
+  </dgm:styleLbl>
+  <dgm:styleLbl name="alignAccFollowNode1">
+    <dgm:fillClrLst meth="repeat">
+      <a:schemeClr val="accent1">
+        <a:alpha val="90000"/>
+        <a:tint val="40000"/>
+      </a:schemeClr>
+    </dgm:fillClrLst>
+    <dgm:linClrLst meth="repeat">
+      <a:schemeClr val="accent1">
+        <a:alpha val="90000"/>
+        <a:tint val="40000"/>
+      </a:schemeClr>
+    </dgm:linClrLst>
+    <dgm:effectClrLst/>
+    <dgm:txLinClrLst/>
+    <dgm:txFillClrLst meth="repeat">
+      <a:schemeClr val="dk1"/>
+    </dgm:txFillClrLst>
+    <dgm:txEffectClrLst/>
+  </dgm:styleLbl>
+  <dgm:styleLbl name="bgAccFollowNode1">
+    <dgm:fillClrLst meth="repeat">
+      <a:schemeClr val="accent1">
+        <a:alpha val="90000"/>
+        <a:tint val="40000"/>
+      </a:schemeClr>
+    </dgm:fillClrLst>
+    <dgm:linClrLst meth="repeat">
+      <a:schemeClr val="accent1">
+        <a:alpha val="90000"/>
+        <a:tint val="40000"/>
+      </a:schemeClr>
+    </dgm:linClrLst>
+    <dgm:effectClrLst/>
+    <dgm:txLinClrLst/>
+    <dgm:txFillClrLst meth="repeat">
+      <a:schemeClr val="dk1"/>
+    </dgm:txFillClrLst>
+    <dgm:txEffectClrLst/>
+  </dgm:styleLbl>
+  <dgm:styleLbl name="fgAcc0">
+    <dgm:fillClrLst meth="repeat">
+      <a:schemeClr val="lt1">
+        <a:alpha val="90000"/>
+      </a:schemeClr>
+    </dgm:fillClrLst>
+    <dgm:linClrLst meth="repeat">
+      <a:schemeClr val="accent1"/>
+    </dgm:linClrLst>
+    <dgm:effectClrLst/>
+    <dgm:txLinClrLst/>
+    <dgm:txFillClrLst meth="repeat">
+      <a:schemeClr val="dk1"/>
+    </dgm:txFillClrLst>
+    <dgm:txEffectClrLst/>
+  </dgm:styleLbl>
+  <dgm:styleLbl name="fgAcc2">
+    <dgm:fillClrLst meth="repeat">
+      <a:schemeClr val="lt1">
+        <a:alpha val="90000"/>
+      </a:schemeClr>
+    </dgm:fillClrLst>
+    <dgm:linClrLst meth="repeat">
+      <a:schemeClr val="accent1"/>
+    </dgm:linClrLst>
+    <dgm:effectClrLst/>
+    <dgm:txLinClrLst/>
+    <dgm:txFillClrLst meth="repeat">
+      <a:schemeClr val="dk1"/>
+    </dgm:txFillClrLst>
+    <dgm:txEffectClrLst/>
+  </dgm:styleLbl>
+  <dgm:styleLbl name="fgAcc3">
+    <dgm:fillClrLst meth="repeat">
+      <a:schemeClr val="lt1">
+        <a:alpha val="90000"/>
+      </a:schemeClr>
+    </dgm:fillClrLst>
+    <dgm:linClrLst meth="repeat">
+      <a:schemeClr val="accent1"/>
+    </dgm:linClrLst>
+    <dgm:effectClrLst/>
+    <dgm:txLinClrLst/>
+    <dgm:txFillClrLst meth="repeat">
+      <a:schemeClr val="dk1"/>
+    </dgm:txFillClrLst>
+    <dgm:txEffectClrLst/>
+  </dgm:styleLbl>
+  <dgm:styleLbl name="fgAcc4">
+    <dgm:fillClrLst meth="repeat">
+      <a:schemeClr val="lt1">
+        <a:alpha val="90000"/>
+      </a:schemeClr>
+    </dgm:fillClrLst>
+    <dgm:linClrLst meth="repeat">
+      <a:schemeClr val="accent1"/>
+    </dgm:linClrLst>
+    <dgm:effectClrLst/>
+    <dgm:txLinClrLst/>
+    <dgm:txFillClrLst meth="repeat">
+      <a:schemeClr val="dk1"/>
+    </dgm:txFillClrLst>
+    <dgm:txEffectClrLst/>
+  </dgm:styleLbl>
+  <dgm:styleLbl name="bgShp">
+    <dgm:fillClrLst meth="repeat">
+      <a:schemeClr val="accent1">
+        <a:tint val="40000"/>
+      </a:schemeClr>
+    </dgm:fillClrLst>
+    <dgm:linClrLst meth="repeat">
+      <a:schemeClr val="accent1"/>
+    </dgm:linClrLst>
+    <dgm:effectClrLst/>
+    <dgm:txLinClrLst/>
+    <dgm:txFillClrLst meth="repeat">
+      <a:schemeClr val="dk1"/>
+    </dgm:txFillClrLst>
+    <dgm:txEffectClrLst/>
+  </dgm:styleLbl>
+  <dgm:styleLbl name="dkBgShp">
+    <dgm:fillClrLst meth="repeat">
+      <a:schemeClr val="accent1">
+        <a:shade val="80000"/>
+      </a:schemeClr>
+    </dgm:fillClrLst>
+    <dgm:linClrLst meth="repeat">
+      <a:schemeClr val="accent1"/>
+    </dgm:linClrLst>
+    <dgm:effectClrLst/>
+    <dgm:txLinClrLst/>
+    <dgm:txFillClrLst meth="repeat">
+      <a:schemeClr val="lt1"/>
+    </dgm:txFillClrLst>
+    <dgm:txEffectClrLst/>
+  </dgm:styleLbl>
+  <dgm:styleLbl name="trBgShp">
+    <dgm:fillClrLst meth="repeat">
+      <a:schemeClr val="accent1">
+        <a:tint val="50000"/>
+        <a:alpha val="40000"/>
+      </a:schemeClr>
+    </dgm:fillClrLst>
+    <dgm:linClrLst meth="repeat">
+      <a:schemeClr val="accent1"/>
+    </dgm:linClrLst>
+    <dgm:effectClrLst/>
+    <dgm:txLinClrLst/>
+    <dgm:txFillClrLst meth="repeat">
+      <a:schemeClr val="lt1"/>
+    </dgm:txFillClrLst>
+    <dgm:txEffectClrLst/>
+  </dgm:styleLbl>
+  <dgm:styleLbl name="fgShp">
+    <dgm:fillClrLst meth="repeat">
+      <a:schemeClr val="accent1">
+        <a:tint val="60000"/>
+      </a:schemeClr>
+    </dgm:fillClrLst>
+    <dgm:linClrLst meth="repeat">
+      <a:schemeClr val="lt1"/>
+    </dgm:linClrLst>
+    <dgm:effectClrLst/>
+    <dgm:txLinClrLst/>
+    <dgm:txFillClrLst meth="repeat">
+      <a:schemeClr val="dk1"/>
+    </dgm:txFillClrLst>
+    <dgm:txEffectClrLst/>
+  </dgm:styleLbl>
+  <dgm:styleLbl name="revTx">
+    <dgm:fillClrLst meth="repeat">
+      <a:schemeClr val="lt1">
+        <a:alpha val="0"/>
+      </a:schemeClr>
+    </dgm:fillClrLst>
+    <dgm:linClrLst meth="repeat">
+      <a:schemeClr val="dk1">
+        <a:alpha val="0"/>
+      </a:schemeClr>
+    </dgm:linClrLst>
+    <dgm:effectClrLst/>
+    <dgm:txLinClrLst/>
+    <dgm:txFillClrLst meth="repeat">
+      <a:schemeClr val="tx1"/>
+    </dgm:txFillClrLst>
+    <dgm:txEffectClrLst/>
+  </dgm:styleLbl>
+</dgm:colorsDef>
+</file>
+
+<file path=ppt/diagrams/data1.xml><?xml version="1.0" encoding="utf-8"?>
+<dgm:dataModel xmlns:dgm="http://schemas.openxmlformats.org/drawingml/2006/diagram" xmlns:a="http://schemas.openxmlformats.org/drawingml/2006/main">
+  <dgm:ptLst>
+    <dgm:pt modelId="{C7758AE2-21D1-4034-A6CC-2F37A718E689}" type="doc">
+      <dgm:prSet loTypeId="urn:microsoft.com/office/officeart/2005/8/layout/process3" loCatId="process" qsTypeId="urn:microsoft.com/office/officeart/2005/8/quickstyle/simple1" qsCatId="simple" csTypeId="urn:microsoft.com/office/officeart/2005/8/colors/accent1_2" csCatId="accent1" phldr="1"/>
+      <dgm:spPr/>
+      <dgm:t>
+        <a:bodyPr/>
+        <a:lstStyle/>
+        <a:p>
+          <a:endParaRPr lang="en-US"/>
+        </a:p>
+      </dgm:t>
+    </dgm:pt>
+    <dgm:pt modelId="{98F287EC-2160-43DB-A5EB-FBE5F0FFC2A2}">
+      <dgm:prSet phldrT="[Text]"/>
+      <dgm:spPr/>
+      <dgm:t>
+        <a:bodyPr/>
+        <a:lstStyle/>
+        <a:p>
+          <a:r>
+            <a:rPr lang="en-US" dirty="0"/>
+            <a:t>Covid-19 Dataset</a:t>
+          </a:r>
+        </a:p>
+      </dgm:t>
+    </dgm:pt>
+    <dgm:pt modelId="{A1140CBE-0356-4CF4-BF52-888EC17B8E86}" type="parTrans" cxnId="{0B83185D-E82C-4BB3-970D-CD32CEA1B3F1}">
+      <dgm:prSet/>
+      <dgm:spPr/>
+      <dgm:t>
+        <a:bodyPr/>
+        <a:lstStyle/>
+        <a:p>
+          <a:endParaRPr lang="en-US"/>
+        </a:p>
+      </dgm:t>
+    </dgm:pt>
+    <dgm:pt modelId="{F9E2FF57-3D41-4F99-B0FE-4B6EB436F6AA}" type="sibTrans" cxnId="{0B83185D-E82C-4BB3-970D-CD32CEA1B3F1}">
+      <dgm:prSet/>
+      <dgm:spPr/>
+      <dgm:t>
+        <a:bodyPr/>
+        <a:lstStyle/>
+        <a:p>
+          <a:endParaRPr lang="en-US"/>
+        </a:p>
+      </dgm:t>
+    </dgm:pt>
+    <dgm:pt modelId="{2208EC46-6FB2-4F5D-BF8F-E45CE4B7CB35}">
+      <dgm:prSet phldrT="[Text]"/>
+      <dgm:spPr/>
+      <dgm:t>
+        <a:bodyPr/>
+        <a:lstStyle/>
+        <a:p>
+          <a:r>
+            <a:rPr lang="en-US" dirty="0"/>
+            <a:t>Clinical data</a:t>
+          </a:r>
+        </a:p>
+      </dgm:t>
+    </dgm:pt>
+    <dgm:pt modelId="{BFAB0C96-4504-4F59-8D37-DEBDBDE33B06}" type="parTrans" cxnId="{15512786-B34F-4462-92AA-055A0CC5507D}">
+      <dgm:prSet/>
+      <dgm:spPr/>
+      <dgm:t>
+        <a:bodyPr/>
+        <a:lstStyle/>
+        <a:p>
+          <a:endParaRPr lang="en-US"/>
+        </a:p>
+      </dgm:t>
+    </dgm:pt>
+    <dgm:pt modelId="{7834E992-47F8-4D86-A799-7853271C4CA0}" type="sibTrans" cxnId="{15512786-B34F-4462-92AA-055A0CC5507D}">
+      <dgm:prSet/>
+      <dgm:spPr/>
+      <dgm:t>
+        <a:bodyPr/>
+        <a:lstStyle/>
+        <a:p>
+          <a:endParaRPr lang="en-US"/>
+        </a:p>
+      </dgm:t>
+    </dgm:pt>
+    <dgm:pt modelId="{0115AE38-3A08-452C-BFAC-6A05AA42F7B4}">
+      <dgm:prSet phldrT="[Text]"/>
+      <dgm:spPr/>
+      <dgm:t>
+        <a:bodyPr/>
+        <a:lstStyle/>
+        <a:p>
+          <a:r>
+            <a:rPr lang="en-US" dirty="0"/>
+            <a:t>Machine Learning</a:t>
+          </a:r>
+        </a:p>
+      </dgm:t>
+    </dgm:pt>
+    <dgm:pt modelId="{3729A896-4346-4446-A548-9C70D06AAF22}" type="parTrans" cxnId="{6CA356B6-86FE-4047-B1BD-6E6AA4D73DBE}">
+      <dgm:prSet/>
+      <dgm:spPr/>
+      <dgm:t>
+        <a:bodyPr/>
+        <a:lstStyle/>
+        <a:p>
+          <a:endParaRPr lang="en-US"/>
+        </a:p>
+      </dgm:t>
+    </dgm:pt>
+    <dgm:pt modelId="{BB34DF71-978B-4F1D-B420-43B67C190053}" type="sibTrans" cxnId="{6CA356B6-86FE-4047-B1BD-6E6AA4D73DBE}">
+      <dgm:prSet/>
+      <dgm:spPr/>
+      <dgm:t>
+        <a:bodyPr/>
+        <a:lstStyle/>
+        <a:p>
+          <a:endParaRPr lang="en-US"/>
+        </a:p>
+      </dgm:t>
+    </dgm:pt>
+    <dgm:pt modelId="{03BFF466-4E72-49ED-A850-6BDF9B70374F}">
+      <dgm:prSet phldrT="[Text]" custT="1"/>
+      <dgm:spPr/>
+      <dgm:t>
+        <a:bodyPr/>
+        <a:lstStyle/>
+        <a:p>
+          <a:r>
+            <a:rPr lang="en-US" sz="2000" dirty="0"/>
+            <a:t>Random Forest</a:t>
+          </a:r>
+        </a:p>
+      </dgm:t>
+    </dgm:pt>
+    <dgm:pt modelId="{5176F328-4F93-4DC1-A82A-9A8C99F85ED8}" type="parTrans" cxnId="{50A1CCF3-3C87-43E2-B414-BE4E07CB6776}">
+      <dgm:prSet/>
+      <dgm:spPr/>
+      <dgm:t>
+        <a:bodyPr/>
+        <a:lstStyle/>
+        <a:p>
+          <a:endParaRPr lang="en-US"/>
+        </a:p>
+      </dgm:t>
+    </dgm:pt>
+    <dgm:pt modelId="{63D8A3AE-F4B2-4E46-AAE9-966A7F17D003}" type="sibTrans" cxnId="{50A1CCF3-3C87-43E2-B414-BE4E07CB6776}">
+      <dgm:prSet/>
+      <dgm:spPr/>
+      <dgm:t>
+        <a:bodyPr/>
+        <a:lstStyle/>
+        <a:p>
+          <a:endParaRPr lang="en-US"/>
+        </a:p>
+      </dgm:t>
+    </dgm:pt>
+    <dgm:pt modelId="{16B80A3D-52DA-4F6D-86CC-4F773D674D5C}">
+      <dgm:prSet phldrT="[Text]"/>
+      <dgm:spPr/>
+      <dgm:t>
+        <a:bodyPr/>
+        <a:lstStyle/>
+        <a:p>
+          <a:r>
+            <a:rPr lang="en-US" dirty="0"/>
+            <a:t>Application</a:t>
+          </a:r>
+        </a:p>
+      </dgm:t>
+    </dgm:pt>
+    <dgm:pt modelId="{20E9888F-AF00-4CCF-A81F-86F238FA4D84}" type="parTrans" cxnId="{13504F24-1FB1-4825-92BD-F64259946E5C}">
+      <dgm:prSet/>
+      <dgm:spPr/>
+      <dgm:t>
+        <a:bodyPr/>
+        <a:lstStyle/>
+        <a:p>
+          <a:endParaRPr lang="en-US"/>
+        </a:p>
+      </dgm:t>
+    </dgm:pt>
+    <dgm:pt modelId="{51BAAE0A-EC81-4DE0-8B39-5B1046B652BF}" type="sibTrans" cxnId="{13504F24-1FB1-4825-92BD-F64259946E5C}">
+      <dgm:prSet/>
+      <dgm:spPr/>
+      <dgm:t>
+        <a:bodyPr/>
+        <a:lstStyle/>
+        <a:p>
+          <a:endParaRPr lang="en-US"/>
+        </a:p>
+      </dgm:t>
+    </dgm:pt>
+    <dgm:pt modelId="{53F18907-8FC7-49A9-A76B-F89790E6D523}">
+      <dgm:prSet phldrT="[Text]"/>
+      <dgm:spPr/>
+      <dgm:t>
+        <a:bodyPr/>
+        <a:lstStyle/>
+        <a:p>
+          <a:r>
+            <a:rPr lang="en-US" dirty="0"/>
+            <a:t>Mortality and Severity  Prediction</a:t>
+          </a:r>
+        </a:p>
+      </dgm:t>
+    </dgm:pt>
+    <dgm:pt modelId="{073ECCC3-16E1-4255-B9E4-7ECE40FCFCC0}" type="parTrans" cxnId="{3735F96D-1464-44C0-A89F-06FDD4B67714}">
+      <dgm:prSet/>
+      <dgm:spPr/>
+      <dgm:t>
+        <a:bodyPr/>
+        <a:lstStyle/>
+        <a:p>
+          <a:endParaRPr lang="en-US"/>
+        </a:p>
+      </dgm:t>
+    </dgm:pt>
+    <dgm:pt modelId="{6DCE771D-3A03-4CA0-BA1D-EF5A52083249}" type="sibTrans" cxnId="{3735F96D-1464-44C0-A89F-06FDD4B67714}">
+      <dgm:prSet/>
+      <dgm:spPr/>
+      <dgm:t>
+        <a:bodyPr/>
+        <a:lstStyle/>
+        <a:p>
+          <a:endParaRPr lang="en-US"/>
+        </a:p>
+      </dgm:t>
+    </dgm:pt>
+    <dgm:pt modelId="{FB5DBA0E-EDB6-4C89-A93B-256B8C50C69D}">
+      <dgm:prSet phldrT="[Text]" custT="1"/>
+      <dgm:spPr/>
+      <dgm:t>
+        <a:bodyPr/>
+        <a:lstStyle/>
+        <a:p>
+          <a:r>
+            <a:rPr lang="en-US" sz="2000" dirty="0"/>
+            <a:t>Logistic Regression</a:t>
+          </a:r>
+        </a:p>
+      </dgm:t>
+    </dgm:pt>
+    <dgm:pt modelId="{BC26559D-231C-4DA4-8C53-AE2A011477A7}" type="parTrans" cxnId="{7303B674-941D-4AB2-A45C-B9A3278C5A61}">
+      <dgm:prSet/>
+      <dgm:spPr/>
+      <dgm:t>
+        <a:bodyPr/>
+        <a:lstStyle/>
+        <a:p>
+          <a:endParaRPr lang="en-US"/>
+        </a:p>
+      </dgm:t>
+    </dgm:pt>
+    <dgm:pt modelId="{2CBAB413-DAC6-476E-AB86-351B14BFB930}" type="sibTrans" cxnId="{7303B674-941D-4AB2-A45C-B9A3278C5A61}">
+      <dgm:prSet/>
+      <dgm:spPr/>
+      <dgm:t>
+        <a:bodyPr/>
+        <a:lstStyle/>
+        <a:p>
+          <a:endParaRPr lang="en-US"/>
+        </a:p>
+      </dgm:t>
+    </dgm:pt>
+    <dgm:pt modelId="{7027123B-0D94-4058-A451-E3520A9F4FB1}">
+      <dgm:prSet phldrT="[Text]" custT="1"/>
+      <dgm:spPr/>
+      <dgm:t>
+        <a:bodyPr/>
+        <a:lstStyle/>
+        <a:p>
+          <a:r>
+            <a:rPr lang="en-US" sz="2000" dirty="0"/>
+            <a:t>AdaBoost</a:t>
+          </a:r>
+        </a:p>
+      </dgm:t>
+    </dgm:pt>
+    <dgm:pt modelId="{8F300D31-B4D6-4341-8298-590AADAE99CC}" type="parTrans" cxnId="{F2501EEB-2A5A-41DE-871F-22BCF636B105}">
+      <dgm:prSet/>
+      <dgm:spPr/>
+      <dgm:t>
+        <a:bodyPr/>
+        <a:lstStyle/>
+        <a:p>
+          <a:endParaRPr lang="en-US"/>
+        </a:p>
+      </dgm:t>
+    </dgm:pt>
+    <dgm:pt modelId="{A65CDAFD-06D4-4F76-8222-5580D26A2957}" type="sibTrans" cxnId="{F2501EEB-2A5A-41DE-871F-22BCF636B105}">
+      <dgm:prSet/>
+      <dgm:spPr/>
+      <dgm:t>
+        <a:bodyPr/>
+        <a:lstStyle/>
+        <a:p>
+          <a:endParaRPr lang="en-US"/>
+        </a:p>
+      </dgm:t>
+    </dgm:pt>
+    <dgm:pt modelId="{3E1D94F6-0B9B-43FD-99F6-DF54BB710C9A}">
+      <dgm:prSet phldrT="[Text]" custT="1"/>
+      <dgm:spPr/>
+      <dgm:t>
+        <a:bodyPr/>
+        <a:lstStyle/>
+        <a:p>
+          <a:r>
+            <a:rPr lang="en-US" sz="2000" dirty="0"/>
+            <a:t>Gradient Boosted Decision Trees</a:t>
+          </a:r>
+        </a:p>
+      </dgm:t>
+    </dgm:pt>
+    <dgm:pt modelId="{88207013-6DA0-422F-8C6C-EF4BB8A82B9F}" type="parTrans" cxnId="{148FD175-0099-4756-9414-C6C9E1D1D86B}">
+      <dgm:prSet/>
+      <dgm:spPr/>
+      <dgm:t>
+        <a:bodyPr/>
+        <a:lstStyle/>
+        <a:p>
+          <a:endParaRPr lang="en-US"/>
+        </a:p>
+      </dgm:t>
+    </dgm:pt>
+    <dgm:pt modelId="{05C2F9A3-2EB0-4EFE-922E-72B23A06583A}" type="sibTrans" cxnId="{148FD175-0099-4756-9414-C6C9E1D1D86B}">
+      <dgm:prSet/>
+      <dgm:spPr/>
+      <dgm:t>
+        <a:bodyPr/>
+        <a:lstStyle/>
+        <a:p>
+          <a:endParaRPr lang="en-US"/>
+        </a:p>
+      </dgm:t>
+    </dgm:pt>
+    <dgm:pt modelId="{72DC7C8E-3CCE-4C8F-8CC5-B19F5E234D9E}" type="pres">
+      <dgm:prSet presAssocID="{C7758AE2-21D1-4034-A6CC-2F37A718E689}" presName="linearFlow" presStyleCnt="0">
+        <dgm:presLayoutVars>
+          <dgm:dir/>
+          <dgm:animLvl val="lvl"/>
+          <dgm:resizeHandles val="exact"/>
+        </dgm:presLayoutVars>
+      </dgm:prSet>
+      <dgm:spPr/>
+    </dgm:pt>
+    <dgm:pt modelId="{458A35BF-C710-4DCC-B049-88D371A6219F}" type="pres">
+      <dgm:prSet presAssocID="{98F287EC-2160-43DB-A5EB-FBE5F0FFC2A2}" presName="composite" presStyleCnt="0"/>
+      <dgm:spPr/>
+    </dgm:pt>
+    <dgm:pt modelId="{1C479592-B8C3-4A64-B6BE-C0C8EC1D389F}" type="pres">
+      <dgm:prSet presAssocID="{98F287EC-2160-43DB-A5EB-FBE5F0FFC2A2}" presName="parTx" presStyleLbl="node1" presStyleIdx="0" presStyleCnt="3">
+        <dgm:presLayoutVars>
+          <dgm:chMax val="0"/>
+          <dgm:chPref val="0"/>
+          <dgm:bulletEnabled val="1"/>
+        </dgm:presLayoutVars>
+      </dgm:prSet>
+      <dgm:spPr/>
+    </dgm:pt>
+    <dgm:pt modelId="{53705804-AE88-4C37-BEBC-01451DF32F9A}" type="pres">
+      <dgm:prSet presAssocID="{98F287EC-2160-43DB-A5EB-FBE5F0FFC2A2}" presName="parSh" presStyleLbl="node1" presStyleIdx="0" presStyleCnt="3"/>
+      <dgm:spPr/>
+    </dgm:pt>
+    <dgm:pt modelId="{D3255184-DF3D-4DF6-8AA1-4E59BA9739C8}" type="pres">
+      <dgm:prSet presAssocID="{98F287EC-2160-43DB-A5EB-FBE5F0FFC2A2}" presName="desTx" presStyleLbl="fgAcc1" presStyleIdx="0" presStyleCnt="3">
+        <dgm:presLayoutVars>
+          <dgm:bulletEnabled val="1"/>
+        </dgm:presLayoutVars>
+      </dgm:prSet>
+      <dgm:spPr/>
+    </dgm:pt>
+    <dgm:pt modelId="{BDCBC2F0-5A3A-427B-BB00-098568A2DD2F}" type="pres">
+      <dgm:prSet presAssocID="{F9E2FF57-3D41-4F99-B0FE-4B6EB436F6AA}" presName="sibTrans" presStyleLbl="sibTrans2D1" presStyleIdx="0" presStyleCnt="2"/>
+      <dgm:spPr/>
+    </dgm:pt>
+    <dgm:pt modelId="{868D427F-B857-42DC-A346-049BB2809EC0}" type="pres">
+      <dgm:prSet presAssocID="{F9E2FF57-3D41-4F99-B0FE-4B6EB436F6AA}" presName="connTx" presStyleLbl="sibTrans2D1" presStyleIdx="0" presStyleCnt="2"/>
+      <dgm:spPr/>
+    </dgm:pt>
+    <dgm:pt modelId="{32C38937-6F90-473D-AE73-C31F43C9C650}" type="pres">
+      <dgm:prSet presAssocID="{0115AE38-3A08-452C-BFAC-6A05AA42F7B4}" presName="composite" presStyleCnt="0"/>
+      <dgm:spPr/>
+    </dgm:pt>
+    <dgm:pt modelId="{DD8171C5-71BD-4642-B153-8E0656B00B97}" type="pres">
+      <dgm:prSet presAssocID="{0115AE38-3A08-452C-BFAC-6A05AA42F7B4}" presName="parTx" presStyleLbl="node1" presStyleIdx="0" presStyleCnt="3">
+        <dgm:presLayoutVars>
+          <dgm:chMax val="0"/>
+          <dgm:chPref val="0"/>
+          <dgm:bulletEnabled val="1"/>
+        </dgm:presLayoutVars>
+      </dgm:prSet>
+      <dgm:spPr/>
+    </dgm:pt>
+    <dgm:pt modelId="{120C8EEC-9108-4527-A160-3D0E65459561}" type="pres">
+      <dgm:prSet presAssocID="{0115AE38-3A08-452C-BFAC-6A05AA42F7B4}" presName="parSh" presStyleLbl="node1" presStyleIdx="1" presStyleCnt="3"/>
+      <dgm:spPr/>
+    </dgm:pt>
+    <dgm:pt modelId="{BCD95A1F-8E4E-4898-94B9-C45D12467B62}" type="pres">
+      <dgm:prSet presAssocID="{0115AE38-3A08-452C-BFAC-6A05AA42F7B4}" presName="desTx" presStyleLbl="fgAcc1" presStyleIdx="1" presStyleCnt="3">
+        <dgm:presLayoutVars>
+          <dgm:bulletEnabled val="1"/>
+        </dgm:presLayoutVars>
+      </dgm:prSet>
+      <dgm:spPr/>
+    </dgm:pt>
+    <dgm:pt modelId="{FB9795C0-4CF4-4356-BCF2-FBE771713560}" type="pres">
+      <dgm:prSet presAssocID="{BB34DF71-978B-4F1D-B420-43B67C190053}" presName="sibTrans" presStyleLbl="sibTrans2D1" presStyleIdx="1" presStyleCnt="2"/>
+      <dgm:spPr/>
+    </dgm:pt>
+    <dgm:pt modelId="{93A426DD-0347-4826-92AB-488BBBD2E172}" type="pres">
+      <dgm:prSet presAssocID="{BB34DF71-978B-4F1D-B420-43B67C190053}" presName="connTx" presStyleLbl="sibTrans2D1" presStyleIdx="1" presStyleCnt="2"/>
+      <dgm:spPr/>
+    </dgm:pt>
+    <dgm:pt modelId="{920DDCEE-38FA-49D8-A813-6F37BA7AFCCF}" type="pres">
+      <dgm:prSet presAssocID="{16B80A3D-52DA-4F6D-86CC-4F773D674D5C}" presName="composite" presStyleCnt="0"/>
+      <dgm:spPr/>
+    </dgm:pt>
+    <dgm:pt modelId="{06FF1738-84F2-4DD3-A185-B99CD790AF3F}" type="pres">
+      <dgm:prSet presAssocID="{16B80A3D-52DA-4F6D-86CC-4F773D674D5C}" presName="parTx" presStyleLbl="node1" presStyleIdx="1" presStyleCnt="3">
+        <dgm:presLayoutVars>
+          <dgm:chMax val="0"/>
+          <dgm:chPref val="0"/>
+          <dgm:bulletEnabled val="1"/>
+        </dgm:presLayoutVars>
+      </dgm:prSet>
+      <dgm:spPr/>
+    </dgm:pt>
+    <dgm:pt modelId="{5E77413A-D09E-4FEA-9A85-396B2B3A4852}" type="pres">
+      <dgm:prSet presAssocID="{16B80A3D-52DA-4F6D-86CC-4F773D674D5C}" presName="parSh" presStyleLbl="node1" presStyleIdx="2" presStyleCnt="3"/>
+      <dgm:spPr/>
+    </dgm:pt>
+    <dgm:pt modelId="{D4A8C1BF-07FD-414A-8FA5-39CA7E908BFB}" type="pres">
+      <dgm:prSet presAssocID="{16B80A3D-52DA-4F6D-86CC-4F773D674D5C}" presName="desTx" presStyleLbl="fgAcc1" presStyleIdx="2" presStyleCnt="3">
+        <dgm:presLayoutVars>
+          <dgm:bulletEnabled val="1"/>
+        </dgm:presLayoutVars>
+      </dgm:prSet>
+      <dgm:spPr/>
+    </dgm:pt>
+  </dgm:ptLst>
+  <dgm:cxnLst>
+    <dgm:cxn modelId="{E4AA6720-01D9-429E-9530-7280B49A4E95}" type="presOf" srcId="{3E1D94F6-0B9B-43FD-99F6-DF54BB710C9A}" destId="{BCD95A1F-8E4E-4898-94B9-C45D12467B62}" srcOrd="0" destOrd="2" presId="urn:microsoft.com/office/officeart/2005/8/layout/process3"/>
+    <dgm:cxn modelId="{13504F24-1FB1-4825-92BD-F64259946E5C}" srcId="{C7758AE2-21D1-4034-A6CC-2F37A718E689}" destId="{16B80A3D-52DA-4F6D-86CC-4F773D674D5C}" srcOrd="2" destOrd="0" parTransId="{20E9888F-AF00-4CCF-A81F-86F238FA4D84}" sibTransId="{51BAAE0A-EC81-4DE0-8B39-5B1046B652BF}"/>
+    <dgm:cxn modelId="{E93BC62A-DE6E-4054-A118-AE6EEB22B916}" type="presOf" srcId="{C7758AE2-21D1-4034-A6CC-2F37A718E689}" destId="{72DC7C8E-3CCE-4C8F-8CC5-B19F5E234D9E}" srcOrd="0" destOrd="0" presId="urn:microsoft.com/office/officeart/2005/8/layout/process3"/>
+    <dgm:cxn modelId="{1607D534-A8A8-4C1E-88B8-7B6CCC68E77D}" type="presOf" srcId="{53F18907-8FC7-49A9-A76B-F89790E6D523}" destId="{D4A8C1BF-07FD-414A-8FA5-39CA7E908BFB}" srcOrd="0" destOrd="0" presId="urn:microsoft.com/office/officeart/2005/8/layout/process3"/>
+    <dgm:cxn modelId="{9429C638-AEAE-4034-BB7F-A95761C14600}" type="presOf" srcId="{16B80A3D-52DA-4F6D-86CC-4F773D674D5C}" destId="{5E77413A-D09E-4FEA-9A85-396B2B3A4852}" srcOrd="1" destOrd="0" presId="urn:microsoft.com/office/officeart/2005/8/layout/process3"/>
+    <dgm:cxn modelId="{0B83185D-E82C-4BB3-970D-CD32CEA1B3F1}" srcId="{C7758AE2-21D1-4034-A6CC-2F37A718E689}" destId="{98F287EC-2160-43DB-A5EB-FBE5F0FFC2A2}" srcOrd="0" destOrd="0" parTransId="{A1140CBE-0356-4CF4-BF52-888EC17B8E86}" sibTransId="{F9E2FF57-3D41-4F99-B0FE-4B6EB436F6AA}"/>
+    <dgm:cxn modelId="{BA6A316B-B8EB-468E-82C1-575C4103726E}" type="presOf" srcId="{2208EC46-6FB2-4F5D-BF8F-E45CE4B7CB35}" destId="{D3255184-DF3D-4DF6-8AA1-4E59BA9739C8}" srcOrd="0" destOrd="0" presId="urn:microsoft.com/office/officeart/2005/8/layout/process3"/>
+    <dgm:cxn modelId="{D3E7EF4D-8C18-4144-AB6C-EE6306FDDB9F}" type="presOf" srcId="{0115AE38-3A08-452C-BFAC-6A05AA42F7B4}" destId="{120C8EEC-9108-4527-A160-3D0E65459561}" srcOrd="1" destOrd="0" presId="urn:microsoft.com/office/officeart/2005/8/layout/process3"/>
+    <dgm:cxn modelId="{3735F96D-1464-44C0-A89F-06FDD4B67714}" srcId="{16B80A3D-52DA-4F6D-86CC-4F773D674D5C}" destId="{53F18907-8FC7-49A9-A76B-F89790E6D523}" srcOrd="0" destOrd="0" parTransId="{073ECCC3-16E1-4255-B9E4-7ECE40FCFCC0}" sibTransId="{6DCE771D-3A03-4CA0-BA1D-EF5A52083249}"/>
+    <dgm:cxn modelId="{07E03652-843C-4116-B531-6EFB2AAB06FA}" type="presOf" srcId="{16B80A3D-52DA-4F6D-86CC-4F773D674D5C}" destId="{06FF1738-84F2-4DD3-A185-B99CD790AF3F}" srcOrd="0" destOrd="0" presId="urn:microsoft.com/office/officeart/2005/8/layout/process3"/>
+    <dgm:cxn modelId="{7303B674-941D-4AB2-A45C-B9A3278C5A61}" srcId="{0115AE38-3A08-452C-BFAC-6A05AA42F7B4}" destId="{FB5DBA0E-EDB6-4C89-A93B-256B8C50C69D}" srcOrd="3" destOrd="0" parTransId="{BC26559D-231C-4DA4-8C53-AE2A011477A7}" sibTransId="{2CBAB413-DAC6-476E-AB86-351B14BFB930}"/>
+    <dgm:cxn modelId="{148FD175-0099-4756-9414-C6C9E1D1D86B}" srcId="{0115AE38-3A08-452C-BFAC-6A05AA42F7B4}" destId="{3E1D94F6-0B9B-43FD-99F6-DF54BB710C9A}" srcOrd="2" destOrd="0" parTransId="{88207013-6DA0-422F-8C6C-EF4BB8A82B9F}" sibTransId="{05C2F9A3-2EB0-4EFE-922E-72B23A06583A}"/>
+    <dgm:cxn modelId="{15512786-B34F-4462-92AA-055A0CC5507D}" srcId="{98F287EC-2160-43DB-A5EB-FBE5F0FFC2A2}" destId="{2208EC46-6FB2-4F5D-BF8F-E45CE4B7CB35}" srcOrd="0" destOrd="0" parTransId="{BFAB0C96-4504-4F59-8D37-DEBDBDE33B06}" sibTransId="{7834E992-47F8-4D86-A799-7853271C4CA0}"/>
+    <dgm:cxn modelId="{78D43A89-1954-4277-B3D3-63EFAD44337E}" type="presOf" srcId="{BB34DF71-978B-4F1D-B420-43B67C190053}" destId="{FB9795C0-4CF4-4356-BCF2-FBE771713560}" srcOrd="0" destOrd="0" presId="urn:microsoft.com/office/officeart/2005/8/layout/process3"/>
+    <dgm:cxn modelId="{F1B2ED90-F5EC-4F19-83EF-69E32FB7FDCA}" type="presOf" srcId="{0115AE38-3A08-452C-BFAC-6A05AA42F7B4}" destId="{DD8171C5-71BD-4642-B153-8E0656B00B97}" srcOrd="0" destOrd="0" presId="urn:microsoft.com/office/officeart/2005/8/layout/process3"/>
+    <dgm:cxn modelId="{6A7DF091-89AA-4ED3-8647-E455BE785FA2}" type="presOf" srcId="{FB5DBA0E-EDB6-4C89-A93B-256B8C50C69D}" destId="{BCD95A1F-8E4E-4898-94B9-C45D12467B62}" srcOrd="0" destOrd="3" presId="urn:microsoft.com/office/officeart/2005/8/layout/process3"/>
+    <dgm:cxn modelId="{977340A6-076C-4CEB-9567-5D1EDBA2BD68}" type="presOf" srcId="{BB34DF71-978B-4F1D-B420-43B67C190053}" destId="{93A426DD-0347-4826-92AB-488BBBD2E172}" srcOrd="1" destOrd="0" presId="urn:microsoft.com/office/officeart/2005/8/layout/process3"/>
+    <dgm:cxn modelId="{5978FDAD-0FD9-4940-8D5B-108040D2CFE3}" type="presOf" srcId="{03BFF466-4E72-49ED-A850-6BDF9B70374F}" destId="{BCD95A1F-8E4E-4898-94B9-C45D12467B62}" srcOrd="0" destOrd="0" presId="urn:microsoft.com/office/officeart/2005/8/layout/process3"/>
+    <dgm:cxn modelId="{6CA356B6-86FE-4047-B1BD-6E6AA4D73DBE}" srcId="{C7758AE2-21D1-4034-A6CC-2F37A718E689}" destId="{0115AE38-3A08-452C-BFAC-6A05AA42F7B4}" srcOrd="1" destOrd="0" parTransId="{3729A896-4346-4446-A548-9C70D06AAF22}" sibTransId="{BB34DF71-978B-4F1D-B420-43B67C190053}"/>
+    <dgm:cxn modelId="{BE6DC4BE-2200-493D-81A6-E8150681838B}" type="presOf" srcId="{F9E2FF57-3D41-4F99-B0FE-4B6EB436F6AA}" destId="{868D427F-B857-42DC-A346-049BB2809EC0}" srcOrd="1" destOrd="0" presId="urn:microsoft.com/office/officeart/2005/8/layout/process3"/>
+    <dgm:cxn modelId="{069D7DC8-C8DA-45F2-896F-53969FB5B5C4}" type="presOf" srcId="{98F287EC-2160-43DB-A5EB-FBE5F0FFC2A2}" destId="{53705804-AE88-4C37-BEBC-01451DF32F9A}" srcOrd="1" destOrd="0" presId="urn:microsoft.com/office/officeart/2005/8/layout/process3"/>
+    <dgm:cxn modelId="{35F841CC-A4E3-4DF6-A6BD-456AE617B0B6}" type="presOf" srcId="{F9E2FF57-3D41-4F99-B0FE-4B6EB436F6AA}" destId="{BDCBC2F0-5A3A-427B-BB00-098568A2DD2F}" srcOrd="0" destOrd="0" presId="urn:microsoft.com/office/officeart/2005/8/layout/process3"/>
+    <dgm:cxn modelId="{6F19CBCE-5324-42E9-BD7A-04ACB6A9BF91}" type="presOf" srcId="{98F287EC-2160-43DB-A5EB-FBE5F0FFC2A2}" destId="{1C479592-B8C3-4A64-B6BE-C0C8EC1D389F}" srcOrd="0" destOrd="0" presId="urn:microsoft.com/office/officeart/2005/8/layout/process3"/>
+    <dgm:cxn modelId="{B1BB49D8-97E0-4396-BB42-BAE1F2ACC0CA}" type="presOf" srcId="{7027123B-0D94-4058-A451-E3520A9F4FB1}" destId="{BCD95A1F-8E4E-4898-94B9-C45D12467B62}" srcOrd="0" destOrd="1" presId="urn:microsoft.com/office/officeart/2005/8/layout/process3"/>
+    <dgm:cxn modelId="{F2501EEB-2A5A-41DE-871F-22BCF636B105}" srcId="{0115AE38-3A08-452C-BFAC-6A05AA42F7B4}" destId="{7027123B-0D94-4058-A451-E3520A9F4FB1}" srcOrd="1" destOrd="0" parTransId="{8F300D31-B4D6-4341-8298-590AADAE99CC}" sibTransId="{A65CDAFD-06D4-4F76-8222-5580D26A2957}"/>
+    <dgm:cxn modelId="{50A1CCF3-3C87-43E2-B414-BE4E07CB6776}" srcId="{0115AE38-3A08-452C-BFAC-6A05AA42F7B4}" destId="{03BFF466-4E72-49ED-A850-6BDF9B70374F}" srcOrd="0" destOrd="0" parTransId="{5176F328-4F93-4DC1-A82A-9A8C99F85ED8}" sibTransId="{63D8A3AE-F4B2-4E46-AAE9-966A7F17D003}"/>
+    <dgm:cxn modelId="{91291F22-270B-44FD-BA3E-C60B00D70913}" type="presParOf" srcId="{72DC7C8E-3CCE-4C8F-8CC5-B19F5E234D9E}" destId="{458A35BF-C710-4DCC-B049-88D371A6219F}" srcOrd="0" destOrd="0" presId="urn:microsoft.com/office/officeart/2005/8/layout/process3"/>
+    <dgm:cxn modelId="{43F8E6DF-1A7F-4579-9683-1F6F1C3FE31D}" type="presParOf" srcId="{458A35BF-C710-4DCC-B049-88D371A6219F}" destId="{1C479592-B8C3-4A64-B6BE-C0C8EC1D389F}" srcOrd="0" destOrd="0" presId="urn:microsoft.com/office/officeart/2005/8/layout/process3"/>
+    <dgm:cxn modelId="{C2409E89-F07C-4253-9084-BAE3514A6E63}" type="presParOf" srcId="{458A35BF-C710-4DCC-B049-88D371A6219F}" destId="{53705804-AE88-4C37-BEBC-01451DF32F9A}" srcOrd="1" destOrd="0" presId="urn:microsoft.com/office/officeart/2005/8/layout/process3"/>
+    <dgm:cxn modelId="{00C167D4-2255-4886-8C1F-93737C27A776}" type="presParOf" srcId="{458A35BF-C710-4DCC-B049-88D371A6219F}" destId="{D3255184-DF3D-4DF6-8AA1-4E59BA9739C8}" srcOrd="2" destOrd="0" presId="urn:microsoft.com/office/officeart/2005/8/layout/process3"/>
+    <dgm:cxn modelId="{555A1536-0B6B-4CF4-9F49-7F6129974BE4}" type="presParOf" srcId="{72DC7C8E-3CCE-4C8F-8CC5-B19F5E234D9E}" destId="{BDCBC2F0-5A3A-427B-BB00-098568A2DD2F}" srcOrd="1" destOrd="0" presId="urn:microsoft.com/office/officeart/2005/8/layout/process3"/>
+    <dgm:cxn modelId="{25DEA56D-DAE6-429A-9684-66B49B8FD9DF}" type="presParOf" srcId="{BDCBC2F0-5A3A-427B-BB00-098568A2DD2F}" destId="{868D427F-B857-42DC-A346-049BB2809EC0}" srcOrd="0" destOrd="0" presId="urn:microsoft.com/office/officeart/2005/8/layout/process3"/>
+    <dgm:cxn modelId="{A233481A-C760-4C99-8984-091BCAC50665}" type="presParOf" srcId="{72DC7C8E-3CCE-4C8F-8CC5-B19F5E234D9E}" destId="{32C38937-6F90-473D-AE73-C31F43C9C650}" srcOrd="2" destOrd="0" presId="urn:microsoft.com/office/officeart/2005/8/layout/process3"/>
+    <dgm:cxn modelId="{E5B3ECA2-4B44-49C9-BD11-CA2EA4406EDB}" type="presParOf" srcId="{32C38937-6F90-473D-AE73-C31F43C9C650}" destId="{DD8171C5-71BD-4642-B153-8E0656B00B97}" srcOrd="0" destOrd="0" presId="urn:microsoft.com/office/officeart/2005/8/layout/process3"/>
+    <dgm:cxn modelId="{350BEF0E-9944-432C-AD69-CC592DFAAFED}" type="presParOf" srcId="{32C38937-6F90-473D-AE73-C31F43C9C650}" destId="{120C8EEC-9108-4527-A160-3D0E65459561}" srcOrd="1" destOrd="0" presId="urn:microsoft.com/office/officeart/2005/8/layout/process3"/>
+    <dgm:cxn modelId="{EBE95A1E-2283-44DE-8203-4945A1556953}" type="presParOf" srcId="{32C38937-6F90-473D-AE73-C31F43C9C650}" destId="{BCD95A1F-8E4E-4898-94B9-C45D12467B62}" srcOrd="2" destOrd="0" presId="urn:microsoft.com/office/officeart/2005/8/layout/process3"/>
+    <dgm:cxn modelId="{C878DF8A-8495-4CC1-AD75-257C5AC169A1}" type="presParOf" srcId="{72DC7C8E-3CCE-4C8F-8CC5-B19F5E234D9E}" destId="{FB9795C0-4CF4-4356-BCF2-FBE771713560}" srcOrd="3" destOrd="0" presId="urn:microsoft.com/office/officeart/2005/8/layout/process3"/>
+    <dgm:cxn modelId="{70972DCA-16A2-4B73-843E-E2D4038F7364}" type="presParOf" srcId="{FB9795C0-4CF4-4356-BCF2-FBE771713560}" destId="{93A426DD-0347-4826-92AB-488BBBD2E172}" srcOrd="0" destOrd="0" presId="urn:microsoft.com/office/officeart/2005/8/layout/process3"/>
+    <dgm:cxn modelId="{4F5AD841-132E-4AE7-B62A-CD39C227655C}" type="presParOf" srcId="{72DC7C8E-3CCE-4C8F-8CC5-B19F5E234D9E}" destId="{920DDCEE-38FA-49D8-A813-6F37BA7AFCCF}" srcOrd="4" destOrd="0" presId="urn:microsoft.com/office/officeart/2005/8/layout/process3"/>
+    <dgm:cxn modelId="{35DE93FF-F799-43A0-BF25-756697D2CA0C}" type="presParOf" srcId="{920DDCEE-38FA-49D8-A813-6F37BA7AFCCF}" destId="{06FF1738-84F2-4DD3-A185-B99CD790AF3F}" srcOrd="0" destOrd="0" presId="urn:microsoft.com/office/officeart/2005/8/layout/process3"/>
+    <dgm:cxn modelId="{A8B93472-9BCC-456F-8A4F-85499451426A}" type="presParOf" srcId="{920DDCEE-38FA-49D8-A813-6F37BA7AFCCF}" destId="{5E77413A-D09E-4FEA-9A85-396B2B3A4852}" srcOrd="1" destOrd="0" presId="urn:microsoft.com/office/officeart/2005/8/layout/process3"/>
+    <dgm:cxn modelId="{3B78C577-73BA-42DD-AE76-9BB539DD92A4}" type="presParOf" srcId="{920DDCEE-38FA-49D8-A813-6F37BA7AFCCF}" destId="{D4A8C1BF-07FD-414A-8FA5-39CA7E908BFB}" srcOrd="2" destOrd="0" presId="urn:microsoft.com/office/officeart/2005/8/layout/process3"/>
+  </dgm:cxnLst>
+  <dgm:bg/>
+  <dgm:whole/>
+  <dgm:extLst>
+    <a:ext uri="http://schemas.microsoft.com/office/drawing/2008/diagram">
+      <dsp:dataModelExt xmlns:dsp="http://schemas.microsoft.com/office/drawing/2008/diagram" relId="rId6" minVer="http://schemas.openxmlformats.org/drawingml/2006/diagram"/>
+    </a:ext>
+  </dgm:extLst>
+</dgm:dataModel>
+</file>
+
+<file path=ppt/diagrams/drawing1.xml><?xml version="1.0" encoding="utf-8"?>
+<dsp:drawing xmlns:dgm="http://schemas.openxmlformats.org/drawingml/2006/diagram" xmlns:dsp="http://schemas.microsoft.com/office/drawing/2008/diagram" xmlns:a="http://schemas.openxmlformats.org/drawingml/2006/main">
+  <dsp:spTree>
+    <dsp:nvGrpSpPr>
+      <dsp:cNvPr id="0" name=""/>
+      <dsp:cNvGrpSpPr/>
+    </dsp:nvGrpSpPr>
+    <dsp:grpSpPr/>
+    <dsp:sp modelId="{53705804-AE88-4C37-BEBC-01451DF32F9A}">
+      <dsp:nvSpPr>
+        <dsp:cNvPr id="0" name=""/>
+        <dsp:cNvSpPr/>
+      </dsp:nvSpPr>
+      <dsp:spPr>
+        <a:xfrm>
+          <a:off x="5230" y="813900"/>
+          <a:ext cx="2378024" cy="1402439"/>
+        </a:xfrm>
+        <a:prstGeom prst="roundRect">
+          <a:avLst>
+            <a:gd name="adj" fmla="val 10000"/>
+          </a:avLst>
+        </a:prstGeom>
+        <a:solidFill>
+          <a:schemeClr val="accent1">
+            <a:hueOff val="0"/>
+            <a:satOff val="0"/>
+            <a:lumOff val="0"/>
+            <a:alphaOff val="0"/>
+          </a:schemeClr>
+        </a:solidFill>
+        <a:ln w="12700" cap="flat" cmpd="sng" algn="ctr">
+          <a:solidFill>
+            <a:schemeClr val="lt1">
+              <a:hueOff val="0"/>
+              <a:satOff val="0"/>
+              <a:lumOff val="0"/>
+              <a:alphaOff val="0"/>
+            </a:schemeClr>
+          </a:solidFill>
+          <a:prstDash val="solid"/>
+          <a:miter lim="800000"/>
+        </a:ln>
+        <a:effectLst/>
+      </dsp:spPr>
+      <dsp:style>
+        <a:lnRef idx="2">
+          <a:scrgbClr r="0" g="0" b="0"/>
+        </a:lnRef>
+        <a:fillRef idx="1">
+          <a:scrgbClr r="0" g="0" b="0"/>
+        </a:fillRef>
+        <a:effectRef idx="0">
+          <a:scrgbClr r="0" g="0" b="0"/>
+        </a:effectRef>
+        <a:fontRef idx="minor">
+          <a:schemeClr val="lt1"/>
+        </a:fontRef>
+      </dsp:style>
+      <dsp:txBody>
+        <a:bodyPr spcFirstLastPara="0" vert="horz" wrap="square" lIns="170688" tIns="170688" rIns="170688" bIns="91440" numCol="1" spcCol="1270" anchor="t" anchorCtr="0">
+          <a:noAutofit/>
+        </a:bodyPr>
+        <a:lstStyle/>
+        <a:p>
+          <a:pPr marL="0" lvl="0" indent="0" algn="l" defTabSz="1066800">
+            <a:lnSpc>
+              <a:spcPct val="90000"/>
+            </a:lnSpc>
+            <a:spcBef>
+              <a:spcPct val="0"/>
+            </a:spcBef>
+            <a:spcAft>
+              <a:spcPct val="35000"/>
+            </a:spcAft>
+            <a:buNone/>
+          </a:pPr>
+          <a:r>
+            <a:rPr lang="en-US" sz="2400" kern="1200" dirty="0"/>
+            <a:t>Covid-19 Dataset</a:t>
+          </a:r>
+        </a:p>
+      </dsp:txBody>
+      <dsp:txXfrm>
+        <a:off x="5230" y="813900"/>
+        <a:ext cx="2378024" cy="934959"/>
+      </dsp:txXfrm>
+    </dsp:sp>
+    <dsp:sp modelId="{D3255184-DF3D-4DF6-8AA1-4E59BA9739C8}">
+      <dsp:nvSpPr>
+        <dsp:cNvPr id="0" name=""/>
+        <dsp:cNvSpPr/>
+      </dsp:nvSpPr>
+      <dsp:spPr>
+        <a:xfrm>
+          <a:off x="492295" y="1748859"/>
+          <a:ext cx="2378024" cy="2548800"/>
+        </a:xfrm>
+        <a:prstGeom prst="roundRect">
+          <a:avLst>
+            <a:gd name="adj" fmla="val 10000"/>
+          </a:avLst>
+        </a:prstGeom>
+        <a:solidFill>
+          <a:schemeClr val="lt1">
+            <a:alpha val="90000"/>
+            <a:hueOff val="0"/>
+            <a:satOff val="0"/>
+            <a:lumOff val="0"/>
+            <a:alphaOff val="0"/>
+          </a:schemeClr>
+        </a:solidFill>
+        <a:ln w="12700" cap="flat" cmpd="sng" algn="ctr">
+          <a:solidFill>
+            <a:schemeClr val="accent1">
+              <a:hueOff val="0"/>
+              <a:satOff val="0"/>
+              <a:lumOff val="0"/>
+              <a:alphaOff val="0"/>
+            </a:schemeClr>
+          </a:solidFill>
+          <a:prstDash val="solid"/>
+          <a:miter lim="800000"/>
+        </a:ln>
+        <a:effectLst/>
+      </dsp:spPr>
+      <dsp:style>
+        <a:lnRef idx="2">
+          <a:scrgbClr r="0" g="0" b="0"/>
+        </a:lnRef>
+        <a:fillRef idx="1">
+          <a:scrgbClr r="0" g="0" b="0"/>
+        </a:fillRef>
+        <a:effectRef idx="0">
+          <a:scrgbClr r="0" g="0" b="0"/>
+        </a:effectRef>
+        <a:fontRef idx="minor"/>
+      </dsp:style>
+      <dsp:txBody>
+        <a:bodyPr spcFirstLastPara="0" vert="horz" wrap="square" lIns="170688" tIns="170688" rIns="170688" bIns="170688" numCol="1" spcCol="1270" anchor="t" anchorCtr="0">
+          <a:noAutofit/>
+        </a:bodyPr>
+        <a:lstStyle/>
+        <a:p>
+          <a:pPr marL="228600" lvl="1" indent="-228600" algn="l" defTabSz="1066800">
+            <a:lnSpc>
+              <a:spcPct val="90000"/>
+            </a:lnSpc>
+            <a:spcBef>
+              <a:spcPct val="0"/>
+            </a:spcBef>
+            <a:spcAft>
+              <a:spcPct val="15000"/>
+            </a:spcAft>
+            <a:buChar char="•"/>
+          </a:pPr>
+          <a:r>
+            <a:rPr lang="en-US" sz="2400" kern="1200" dirty="0"/>
+            <a:t>Clinical data</a:t>
+          </a:r>
+        </a:p>
+      </dsp:txBody>
+      <dsp:txXfrm>
+        <a:off x="561945" y="1818509"/>
+        <a:ext cx="2238724" cy="2409500"/>
+      </dsp:txXfrm>
+    </dsp:sp>
+    <dsp:sp modelId="{BDCBC2F0-5A3A-427B-BB00-098568A2DD2F}">
+      <dsp:nvSpPr>
+        <dsp:cNvPr id="0" name=""/>
+        <dsp:cNvSpPr/>
+      </dsp:nvSpPr>
+      <dsp:spPr>
+        <a:xfrm>
+          <a:off x="2743754" y="985350"/>
+          <a:ext cx="764259" cy="592059"/>
+        </a:xfrm>
+        <a:prstGeom prst="rightArrow">
+          <a:avLst>
+            <a:gd name="adj1" fmla="val 60000"/>
+            <a:gd name="adj2" fmla="val 50000"/>
+          </a:avLst>
+        </a:prstGeom>
+        <a:solidFill>
+          <a:schemeClr val="accent1">
+            <a:tint val="60000"/>
+            <a:hueOff val="0"/>
+            <a:satOff val="0"/>
+            <a:lumOff val="0"/>
+            <a:alphaOff val="0"/>
+          </a:schemeClr>
+        </a:solidFill>
+        <a:ln>
+          <a:noFill/>
+        </a:ln>
+        <a:effectLst/>
+      </dsp:spPr>
+      <dsp:style>
+        <a:lnRef idx="0">
+          <a:scrgbClr r="0" g="0" b="0"/>
+        </a:lnRef>
+        <a:fillRef idx="1">
+          <a:scrgbClr r="0" g="0" b="0"/>
+        </a:fillRef>
+        <a:effectRef idx="0">
+          <a:scrgbClr r="0" g="0" b="0"/>
+        </a:effectRef>
+        <a:fontRef idx="minor">
+          <a:schemeClr val="lt1"/>
+        </a:fontRef>
+      </dsp:style>
+      <dsp:txBody>
+        <a:bodyPr spcFirstLastPara="0" vert="horz" wrap="square" lIns="0" tIns="0" rIns="0" bIns="0" numCol="1" spcCol="1270" anchor="ctr" anchorCtr="0">
+          <a:noAutofit/>
+        </a:bodyPr>
+        <a:lstStyle/>
+        <a:p>
+          <a:pPr marL="0" lvl="0" indent="0" algn="ctr" defTabSz="844550">
+            <a:lnSpc>
+              <a:spcPct val="90000"/>
+            </a:lnSpc>
+            <a:spcBef>
+              <a:spcPct val="0"/>
+            </a:spcBef>
+            <a:spcAft>
+              <a:spcPct val="35000"/>
+            </a:spcAft>
+            <a:buNone/>
+          </a:pPr>
+          <a:endParaRPr lang="en-US" sz="1900" kern="1200"/>
+        </a:p>
+      </dsp:txBody>
+      <dsp:txXfrm>
+        <a:off x="2743754" y="1103762"/>
+        <a:ext cx="586641" cy="355235"/>
+      </dsp:txXfrm>
+    </dsp:sp>
+    <dsp:sp modelId="{120C8EEC-9108-4527-A160-3D0E65459561}">
+      <dsp:nvSpPr>
+        <dsp:cNvPr id="0" name=""/>
+        <dsp:cNvSpPr/>
+      </dsp:nvSpPr>
+      <dsp:spPr>
+        <a:xfrm>
+          <a:off x="3825254" y="813900"/>
+          <a:ext cx="2378024" cy="1402439"/>
+        </a:xfrm>
+        <a:prstGeom prst="roundRect">
+          <a:avLst>
+            <a:gd name="adj" fmla="val 10000"/>
+          </a:avLst>
+        </a:prstGeom>
+        <a:solidFill>
+          <a:schemeClr val="accent1">
+            <a:hueOff val="0"/>
+            <a:satOff val="0"/>
+            <a:lumOff val="0"/>
+            <a:alphaOff val="0"/>
+          </a:schemeClr>
+        </a:solidFill>
+        <a:ln w="12700" cap="flat" cmpd="sng" algn="ctr">
+          <a:solidFill>
+            <a:schemeClr val="lt1">
+              <a:hueOff val="0"/>
+              <a:satOff val="0"/>
+              <a:lumOff val="0"/>
+              <a:alphaOff val="0"/>
+            </a:schemeClr>
+          </a:solidFill>
+          <a:prstDash val="solid"/>
+          <a:miter lim="800000"/>
+        </a:ln>
+        <a:effectLst/>
+      </dsp:spPr>
+      <dsp:style>
+        <a:lnRef idx="2">
+          <a:scrgbClr r="0" g="0" b="0"/>
+        </a:lnRef>
+        <a:fillRef idx="1">
+          <a:scrgbClr r="0" g="0" b="0"/>
+        </a:fillRef>
+        <a:effectRef idx="0">
+          <a:scrgbClr r="0" g="0" b="0"/>
+        </a:effectRef>
+        <a:fontRef idx="minor">
+          <a:schemeClr val="lt1"/>
+        </a:fontRef>
+      </dsp:style>
+      <dsp:txBody>
+        <a:bodyPr spcFirstLastPara="0" vert="horz" wrap="square" lIns="170688" tIns="170688" rIns="170688" bIns="91440" numCol="1" spcCol="1270" anchor="t" anchorCtr="0">
+          <a:noAutofit/>
+        </a:bodyPr>
+        <a:lstStyle/>
+        <a:p>
+          <a:pPr marL="0" lvl="0" indent="0" algn="l" defTabSz="1066800">
+            <a:lnSpc>
+              <a:spcPct val="90000"/>
+            </a:lnSpc>
+            <a:spcBef>
+              <a:spcPct val="0"/>
+            </a:spcBef>
+            <a:spcAft>
+              <a:spcPct val="35000"/>
+            </a:spcAft>
+            <a:buNone/>
+          </a:pPr>
+          <a:r>
+            <a:rPr lang="en-US" sz="2400" kern="1200" dirty="0"/>
+            <a:t>Machine Learning</a:t>
+          </a:r>
+        </a:p>
+      </dsp:txBody>
+      <dsp:txXfrm>
+        <a:off x="3825254" y="813900"/>
+        <a:ext cx="2378024" cy="934959"/>
+      </dsp:txXfrm>
+    </dsp:sp>
+    <dsp:sp modelId="{BCD95A1F-8E4E-4898-94B9-C45D12467B62}">
+      <dsp:nvSpPr>
+        <dsp:cNvPr id="0" name=""/>
+        <dsp:cNvSpPr/>
+      </dsp:nvSpPr>
+      <dsp:spPr>
+        <a:xfrm>
+          <a:off x="4312320" y="1748859"/>
+          <a:ext cx="2378024" cy="2548800"/>
+        </a:xfrm>
+        <a:prstGeom prst="roundRect">
+          <a:avLst>
+            <a:gd name="adj" fmla="val 10000"/>
+          </a:avLst>
+        </a:prstGeom>
+        <a:solidFill>
+          <a:schemeClr val="lt1">
+            <a:alpha val="90000"/>
+            <a:hueOff val="0"/>
+            <a:satOff val="0"/>
+            <a:lumOff val="0"/>
+            <a:alphaOff val="0"/>
+          </a:schemeClr>
+        </a:solidFill>
+        <a:ln w="12700" cap="flat" cmpd="sng" algn="ctr">
+          <a:solidFill>
+            <a:schemeClr val="accent1">
+              <a:hueOff val="0"/>
+              <a:satOff val="0"/>
+              <a:lumOff val="0"/>
+              <a:alphaOff val="0"/>
+            </a:schemeClr>
+          </a:solidFill>
+          <a:prstDash val="solid"/>
+          <a:miter lim="800000"/>
+        </a:ln>
+        <a:effectLst/>
+      </dsp:spPr>
+      <dsp:style>
+        <a:lnRef idx="2">
+          <a:scrgbClr r="0" g="0" b="0"/>
+        </a:lnRef>
+        <a:fillRef idx="1">
+          <a:scrgbClr r="0" g="0" b="0"/>
+        </a:fillRef>
+        <a:effectRef idx="0">
+          <a:scrgbClr r="0" g="0" b="0"/>
+        </a:effectRef>
+        <a:fontRef idx="minor"/>
+      </dsp:style>
+      <dsp:txBody>
+        <a:bodyPr spcFirstLastPara="0" vert="horz" wrap="square" lIns="142240" tIns="142240" rIns="142240" bIns="142240" numCol="1" spcCol="1270" anchor="t" anchorCtr="0">
+          <a:noAutofit/>
+        </a:bodyPr>
+        <a:lstStyle/>
+        <a:p>
+          <a:pPr marL="228600" lvl="1" indent="-228600" algn="l" defTabSz="889000">
+            <a:lnSpc>
+              <a:spcPct val="90000"/>
+            </a:lnSpc>
+            <a:spcBef>
+              <a:spcPct val="0"/>
+            </a:spcBef>
+            <a:spcAft>
+              <a:spcPct val="15000"/>
+            </a:spcAft>
+            <a:buChar char="•"/>
+          </a:pPr>
+          <a:r>
+            <a:rPr lang="en-US" sz="2000" kern="1200" dirty="0"/>
+            <a:t>Random Forest</a:t>
+          </a:r>
+        </a:p>
+        <a:p>
+          <a:pPr marL="228600" lvl="1" indent="-228600" algn="l" defTabSz="889000">
+            <a:lnSpc>
+              <a:spcPct val="90000"/>
+            </a:lnSpc>
+            <a:spcBef>
+              <a:spcPct val="0"/>
+            </a:spcBef>
+            <a:spcAft>
+              <a:spcPct val="15000"/>
+            </a:spcAft>
+            <a:buChar char="•"/>
+          </a:pPr>
+          <a:r>
+            <a:rPr lang="en-US" sz="2000" kern="1200" dirty="0"/>
+            <a:t>AdaBoost</a:t>
+          </a:r>
+        </a:p>
+        <a:p>
+          <a:pPr marL="228600" lvl="1" indent="-228600" algn="l" defTabSz="889000">
+            <a:lnSpc>
+              <a:spcPct val="90000"/>
+            </a:lnSpc>
+            <a:spcBef>
+              <a:spcPct val="0"/>
+            </a:spcBef>
+            <a:spcAft>
+              <a:spcPct val="15000"/>
+            </a:spcAft>
+            <a:buChar char="•"/>
+          </a:pPr>
+          <a:r>
+            <a:rPr lang="en-US" sz="2000" kern="1200" dirty="0"/>
+            <a:t>Gradient Boosted Decision Trees</a:t>
+          </a:r>
+        </a:p>
+        <a:p>
+          <a:pPr marL="228600" lvl="1" indent="-228600" algn="l" defTabSz="889000">
+            <a:lnSpc>
+              <a:spcPct val="90000"/>
+            </a:lnSpc>
+            <a:spcBef>
+              <a:spcPct val="0"/>
+            </a:spcBef>
+            <a:spcAft>
+              <a:spcPct val="15000"/>
+            </a:spcAft>
+            <a:buChar char="•"/>
+          </a:pPr>
+          <a:r>
+            <a:rPr lang="en-US" sz="2000" kern="1200" dirty="0"/>
+            <a:t>Logistic Regression</a:t>
+          </a:r>
+        </a:p>
+      </dsp:txBody>
+      <dsp:txXfrm>
+        <a:off x="4381970" y="1818509"/>
+        <a:ext cx="2238724" cy="2409500"/>
+      </dsp:txXfrm>
+    </dsp:sp>
+    <dsp:sp modelId="{FB9795C0-4CF4-4356-BCF2-FBE771713560}">
+      <dsp:nvSpPr>
+        <dsp:cNvPr id="0" name=""/>
+        <dsp:cNvSpPr/>
+      </dsp:nvSpPr>
+      <dsp:spPr>
+        <a:xfrm>
+          <a:off x="6563779" y="985350"/>
+          <a:ext cx="764259" cy="592059"/>
+        </a:xfrm>
+        <a:prstGeom prst="rightArrow">
+          <a:avLst>
+            <a:gd name="adj1" fmla="val 60000"/>
+            <a:gd name="adj2" fmla="val 50000"/>
+          </a:avLst>
+        </a:prstGeom>
+        <a:solidFill>
+          <a:schemeClr val="accent1">
+            <a:tint val="60000"/>
+            <a:hueOff val="0"/>
+            <a:satOff val="0"/>
+            <a:lumOff val="0"/>
+            <a:alphaOff val="0"/>
+          </a:schemeClr>
+        </a:solidFill>
+        <a:ln>
+          <a:noFill/>
+        </a:ln>
+        <a:effectLst/>
+      </dsp:spPr>
+      <dsp:style>
+        <a:lnRef idx="0">
+          <a:scrgbClr r="0" g="0" b="0"/>
+        </a:lnRef>
+        <a:fillRef idx="1">
+          <a:scrgbClr r="0" g="0" b="0"/>
+        </a:fillRef>
+        <a:effectRef idx="0">
+          <a:scrgbClr r="0" g="0" b="0"/>
+        </a:effectRef>
+        <a:fontRef idx="minor">
+          <a:schemeClr val="lt1"/>
+        </a:fontRef>
+      </dsp:style>
+      <dsp:txBody>
+        <a:bodyPr spcFirstLastPara="0" vert="horz" wrap="square" lIns="0" tIns="0" rIns="0" bIns="0" numCol="1" spcCol="1270" anchor="ctr" anchorCtr="0">
+          <a:noAutofit/>
+        </a:bodyPr>
+        <a:lstStyle/>
+        <a:p>
+          <a:pPr marL="0" lvl="0" indent="0" algn="ctr" defTabSz="844550">
+            <a:lnSpc>
+              <a:spcPct val="90000"/>
+            </a:lnSpc>
+            <a:spcBef>
+              <a:spcPct val="0"/>
+            </a:spcBef>
+            <a:spcAft>
+              <a:spcPct val="35000"/>
+            </a:spcAft>
+            <a:buNone/>
+          </a:pPr>
+          <a:endParaRPr lang="en-US" sz="1900" kern="1200"/>
+        </a:p>
+      </dsp:txBody>
+      <dsp:txXfrm>
+        <a:off x="6563779" y="1103762"/>
+        <a:ext cx="586641" cy="355235"/>
+      </dsp:txXfrm>
+    </dsp:sp>
+    <dsp:sp modelId="{5E77413A-D09E-4FEA-9A85-396B2B3A4852}">
+      <dsp:nvSpPr>
+        <dsp:cNvPr id="0" name=""/>
+        <dsp:cNvSpPr/>
+      </dsp:nvSpPr>
+      <dsp:spPr>
+        <a:xfrm>
+          <a:off x="7645279" y="813900"/>
+          <a:ext cx="2378024" cy="1402439"/>
+        </a:xfrm>
+        <a:prstGeom prst="roundRect">
+          <a:avLst>
+            <a:gd name="adj" fmla="val 10000"/>
+          </a:avLst>
+        </a:prstGeom>
+        <a:solidFill>
+          <a:schemeClr val="accent1">
+            <a:hueOff val="0"/>
+            <a:satOff val="0"/>
+            <a:lumOff val="0"/>
+            <a:alphaOff val="0"/>
+          </a:schemeClr>
+        </a:solidFill>
+        <a:ln w="12700" cap="flat" cmpd="sng" algn="ctr">
+          <a:solidFill>
+            <a:schemeClr val="lt1">
+              <a:hueOff val="0"/>
+              <a:satOff val="0"/>
+              <a:lumOff val="0"/>
+              <a:alphaOff val="0"/>
+            </a:schemeClr>
+          </a:solidFill>
+          <a:prstDash val="solid"/>
+          <a:miter lim="800000"/>
+        </a:ln>
+        <a:effectLst/>
+      </dsp:spPr>
+      <dsp:style>
+        <a:lnRef idx="2">
+          <a:scrgbClr r="0" g="0" b="0"/>
+        </a:lnRef>
+        <a:fillRef idx="1">
+          <a:scrgbClr r="0" g="0" b="0"/>
+        </a:fillRef>
+        <a:effectRef idx="0">
+          <a:scrgbClr r="0" g="0" b="0"/>
+        </a:effectRef>
+        <a:fontRef idx="minor">
+          <a:schemeClr val="lt1"/>
+        </a:fontRef>
+      </dsp:style>
+      <dsp:txBody>
+        <a:bodyPr spcFirstLastPara="0" vert="horz" wrap="square" lIns="170688" tIns="170688" rIns="170688" bIns="91440" numCol="1" spcCol="1270" anchor="t" anchorCtr="0">
+          <a:noAutofit/>
+        </a:bodyPr>
+        <a:lstStyle/>
+        <a:p>
+          <a:pPr marL="0" lvl="0" indent="0" algn="l" defTabSz="1066800">
+            <a:lnSpc>
+              <a:spcPct val="90000"/>
+            </a:lnSpc>
+            <a:spcBef>
+              <a:spcPct val="0"/>
+            </a:spcBef>
+            <a:spcAft>
+              <a:spcPct val="35000"/>
+            </a:spcAft>
+            <a:buNone/>
+          </a:pPr>
+          <a:r>
+            <a:rPr lang="en-US" sz="2400" kern="1200" dirty="0"/>
+            <a:t>Application</a:t>
+          </a:r>
+        </a:p>
+      </dsp:txBody>
+      <dsp:txXfrm>
+        <a:off x="7645279" y="813900"/>
+        <a:ext cx="2378024" cy="934959"/>
+      </dsp:txXfrm>
+    </dsp:sp>
+    <dsp:sp modelId="{D4A8C1BF-07FD-414A-8FA5-39CA7E908BFB}">
+      <dsp:nvSpPr>
+        <dsp:cNvPr id="0" name=""/>
+        <dsp:cNvSpPr/>
+      </dsp:nvSpPr>
+      <dsp:spPr>
+        <a:xfrm>
+          <a:off x="8132345" y="1748859"/>
+          <a:ext cx="2378024" cy="2548800"/>
+        </a:xfrm>
+        <a:prstGeom prst="roundRect">
+          <a:avLst>
+            <a:gd name="adj" fmla="val 10000"/>
+          </a:avLst>
+        </a:prstGeom>
+        <a:solidFill>
+          <a:schemeClr val="lt1">
+            <a:alpha val="90000"/>
+            <a:hueOff val="0"/>
+            <a:satOff val="0"/>
+            <a:lumOff val="0"/>
+            <a:alphaOff val="0"/>
+          </a:schemeClr>
+        </a:solidFill>
+        <a:ln w="12700" cap="flat" cmpd="sng" algn="ctr">
+          <a:solidFill>
+            <a:schemeClr val="accent1">
+              <a:hueOff val="0"/>
+              <a:satOff val="0"/>
+              <a:lumOff val="0"/>
+              <a:alphaOff val="0"/>
+            </a:schemeClr>
+          </a:solidFill>
+          <a:prstDash val="solid"/>
+          <a:miter lim="800000"/>
+        </a:ln>
+        <a:effectLst/>
+      </dsp:spPr>
+      <dsp:style>
+        <a:lnRef idx="2">
+          <a:scrgbClr r="0" g="0" b="0"/>
+        </a:lnRef>
+        <a:fillRef idx="1">
+          <a:scrgbClr r="0" g="0" b="0"/>
+        </a:fillRef>
+        <a:effectRef idx="0">
+          <a:scrgbClr r="0" g="0" b="0"/>
+        </a:effectRef>
+        <a:fontRef idx="minor"/>
+      </dsp:style>
+      <dsp:txBody>
+        <a:bodyPr spcFirstLastPara="0" vert="horz" wrap="square" lIns="170688" tIns="170688" rIns="170688" bIns="170688" numCol="1" spcCol="1270" anchor="t" anchorCtr="0">
+          <a:noAutofit/>
+        </a:bodyPr>
+        <a:lstStyle/>
+        <a:p>
+          <a:pPr marL="228600" lvl="1" indent="-228600" algn="l" defTabSz="1066800">
+            <a:lnSpc>
+              <a:spcPct val="90000"/>
+            </a:lnSpc>
+            <a:spcBef>
+              <a:spcPct val="0"/>
+            </a:spcBef>
+            <a:spcAft>
+              <a:spcPct val="15000"/>
+            </a:spcAft>
+            <a:buChar char="•"/>
+          </a:pPr>
+          <a:r>
+            <a:rPr lang="en-US" sz="2400" kern="1200" dirty="0"/>
+            <a:t>Mortality and Severity  Prediction</a:t>
+          </a:r>
+        </a:p>
+      </dsp:txBody>
+      <dsp:txXfrm>
+        <a:off x="8201995" y="1818509"/>
+        <a:ext cx="2238724" cy="2409500"/>
+      </dsp:txXfrm>
+    </dsp:sp>
+  </dsp:spTree>
+</dsp:drawing>
+</file>
+
+<file path=ppt/diagrams/layout1.xml><?xml version="1.0" encoding="utf-8"?>
+<dgm:layoutDef xmlns:dgm="http://schemas.openxmlformats.org/drawingml/2006/diagram" xmlns:a="http://schemas.openxmlformats.org/drawingml/2006/main" uniqueId="urn:microsoft.com/office/officeart/2005/8/layout/process3">
+  <dgm:title val=""/>
+  <dgm:desc val=""/>
+  <dgm:catLst>
+    <dgm:cat type="process" pri="2000"/>
+  </dgm:catLst>
+  <dgm:sampData>
+    <dgm:dataModel>
+      <dgm:ptLst>
+        <dgm:pt modelId="0" type="doc"/>
+        <dgm:pt modelId="1">
+          <dgm:prSet phldr="1"/>
+        </dgm:pt>
+        <dgm:pt modelId="11">
+          <dgm:prSet phldr="1"/>
+        </dgm:pt>
+        <dgm:pt modelId="2">
+          <dgm:prSet phldr="1"/>
+        </dgm:pt>
+        <dgm:pt modelId="21">
+          <dgm:prSet phldr="1"/>
+        </dgm:pt>
+        <dgm:pt modelId="3">
+          <dgm:prSet phldr="1"/>
+        </dgm:pt>
+        <dgm:pt modelId="31">
+          <dgm:prSet phldr="1"/>
+        </dgm:pt>
+      </dgm:ptLst>
+      <dgm:cxnLst>
+        <dgm:cxn modelId="4" srcId="0" destId="1" srcOrd="0" destOrd="0"/>
+        <dgm:cxn modelId="5" srcId="0" destId="2" srcOrd="1" destOrd="0"/>
+        <dgm:cxn modelId="6" srcId="0" destId="3" srcOrd="3" destOrd="0"/>
+        <dgm:cxn modelId="12" srcId="1" destId="11" srcOrd="0" destOrd="0"/>
+        <dgm:cxn modelId="23" srcId="2" destId="21" srcOrd="0" destOrd="0"/>
+        <dgm:cxn modelId="34" srcId="3" destId="31" srcOrd="0" destOrd="0"/>
+      </dgm:cxnLst>
+      <dgm:bg/>
+      <dgm:whole/>
+    </dgm:dataModel>
+  </dgm:sampData>
+  <dgm:styleData>
+    <dgm:dataModel>
+      <dgm:ptLst>
+        <dgm:pt modelId="0" type="doc"/>
+        <dgm:pt modelId="1">
+          <dgm:prSet phldr="1"/>
+        </dgm:pt>
+        <dgm:pt modelId="11">
+          <dgm:prSet phldr="1"/>
+        </dgm:pt>
+        <dgm:pt modelId="2">
+          <dgm:prSet phldr="1"/>
+        </dgm:pt>
+        <dgm:pt modelId="21">
+          <dgm:prSet phldr="1"/>
+        </dgm:pt>
+      </dgm:ptLst>
+      <dgm:cxnLst>
+        <dgm:cxn modelId="4" srcId="0" destId="1" srcOrd="0" destOrd="0"/>
+        <dgm:cxn modelId="5" srcId="0" destId="2" srcOrd="1" destOrd="0"/>
+        <dgm:cxn modelId="13" srcId="1" destId="11" srcOrd="0" destOrd="0"/>
+        <dgm:cxn modelId="23" srcId="2" destId="21" srcOrd="0" destOrd="0"/>
+      </dgm:cxnLst>
+      <dgm:bg/>
+      <dgm:whole/>
+    </dgm:dataModel>
+  </dgm:styleData>
+  <dgm:clrData>
+    <dgm:dataModel>
+      <dgm:ptLst>
+        <dgm:pt modelId="0" type="doc"/>
+        <dgm:pt modelId="1">
+          <dgm:prSet phldr="1"/>
+        </dgm:pt>
+        <dgm:pt modelId="11">
+          <dgm:prSet phldr="1"/>
+        </dgm:pt>
+        <dgm:pt modelId="2">
+          <dgm:prSet phldr="1"/>
+        </dgm:pt>
+        <dgm:pt modelId="21">
+          <dgm:prSet phldr="1"/>
+        </dgm:pt>
+        <dgm:pt modelId="3">
+          <dgm:prSet phldr="1"/>
+        </dgm:pt>
+        <dgm:pt modelId="31">
+          <dgm:prSet phldr="1"/>
+        </dgm:pt>
+        <dgm:pt modelId="4">
+          <dgm:prSet phldr="1"/>
+        </dgm:pt>
+        <dgm:pt modelId="41">
+          <dgm:prSet phldr="1"/>
+        </dgm:pt>
+      </dgm:ptLst>
+      <dgm:cxnLst>
+        <dgm:cxn modelId="5" srcId="0" destId="1" srcOrd="0" destOrd="0"/>
+        <dgm:cxn modelId="6" srcId="0" destId="2" srcOrd="1" destOrd="0"/>
+        <dgm:cxn modelId="7" srcId="0" destId="3" srcOrd="2" destOrd="0"/>
+        <dgm:cxn modelId="8" srcId="0" destId="4" srcOrd="3" destOrd="0"/>
+        <dgm:cxn modelId="13" srcId="1" destId="11" srcOrd="0" destOrd="0"/>
+        <dgm:cxn modelId="23" srcId="2" destId="21" srcOrd="0" destOrd="0"/>
+        <dgm:cxn modelId="33" srcId="3" destId="31" srcOrd="0" destOrd="0"/>
+        <dgm:cxn modelId="43" srcId="4" destId="41" srcOrd="0" destOrd="0"/>
+      </dgm:cxnLst>
+      <dgm:bg/>
+      <dgm:whole/>
+    </dgm:dataModel>
+  </dgm:clrData>
+  <dgm:layoutNode name="linearFlow">
+    <dgm:varLst>
+      <dgm:dir/>
+      <dgm:animLvl val="lvl"/>
+      <dgm:resizeHandles val="exact"/>
+    </dgm:varLst>
+    <dgm:choose name="Name0">
+      <dgm:if name="Name1" func="var" arg="dir" op="equ" val="norm">
+        <dgm:alg type="lin"/>
+      </dgm:if>
+      <dgm:else name="Name2">
+        <dgm:alg type="lin">
+          <dgm:param type="linDir" val="fromR"/>
+        </dgm:alg>
+      </dgm:else>
+    </dgm:choose>
+    <dgm:shape xmlns:r="http://schemas.openxmlformats.org/officeDocument/2006/relationships" r:blip="">
+      <dgm:adjLst/>
+    </dgm:shape>
+    <dgm:presOf/>
+    <dgm:constrLst>
+      <dgm:constr type="w" for="ch" forName="composite" refType="w"/>
+      <dgm:constr type="w" for="ch" ptType="sibTrans" refType="w" refFor="ch" refForName="composite" fact="0.3333"/>
+      <dgm:constr type="w" for="des" forName="parTx"/>
+      <dgm:constr type="h" for="des" forName="parTx" op="equ"/>
+      <dgm:constr type="h" for="des" forName="parSh" op="equ"/>
+      <dgm:constr type="w" for="des" forName="desTx"/>
+      <dgm:constr type="h" for="des" forName="desTx" op="equ"/>
+      <dgm:constr type="w" for="des" forName="parSh"/>
+      <dgm:constr type="primFontSz" for="des" forName="parTx" val="65"/>
+      <dgm:constr type="secFontSz" for="des" forName="desTx" refType="primFontSz" refFor="des" refForName="parTx" op="equ"/>
+      <dgm:constr type="primFontSz" for="des" forName="connTx" refType="primFontSz" refFor="des" refForName="parTx" fact="0.8"/>
+      <dgm:constr type="primFontSz" for="des" forName="connTx" refType="primFontSz" refFor="des" refForName="parTx" op="lte" fact="0.8"/>
+      <dgm:constr type="h" for="des" forName="parTx" refType="primFontSz" refFor="des" refForName="parTx" fact="0.8"/>
+      <dgm:constr type="h" for="des" forName="parSh" refType="primFontSz" refFor="des" refForName="parTx" fact="1.2"/>
+      <dgm:constr type="h" for="des" forName="desTx" refType="primFontSz" refFor="des" refForName="parTx" fact="1.6"/>
+      <dgm:constr type="h" for="des" forName="parSh" refType="h" refFor="des" refForName="parTx" op="lte" fact="1.5"/>
+      <dgm:constr type="h" for="des" forName="parSh" refType="h" refFor="des" refForName="parTx" op="gte" fact="1.5"/>
+    </dgm:constrLst>
+    <dgm:ruleLst>
+      <dgm:rule type="w" for="ch" forName="composite" val="0" fact="NaN" max="NaN"/>
+      <dgm:rule type="primFontSz" for="des" forName="parTx" val="5" fact="NaN" max="NaN"/>
+    </dgm:ruleLst>
+    <dgm:forEach name="Name3" axis="ch" ptType="node">
+      <dgm:layoutNode name="composite">
+        <dgm:alg type="composite"/>
+        <dgm:shape xmlns:r="http://schemas.openxmlformats.org/officeDocument/2006/relationships" r:blip="">
+          <dgm:adjLst/>
+        </dgm:shape>
+        <dgm:presOf/>
+        <dgm:choose name="Name4">
+          <dgm:if name="Name5" func="var" arg="dir" op="equ" val="norm">
+            <dgm:constrLst>
+              <dgm:constr type="h" refType="w" fact="1000"/>
+              <dgm:constr type="l" for="ch" forName="parTx"/>
+              <dgm:constr type="w" for="ch" forName="parTx" refType="w" fact="0.83"/>
+              <dgm:constr type="t" for="ch" forName="parTx"/>
+              <dgm:constr type="l" for="ch" forName="parSh"/>
+              <dgm:constr type="w" for="ch" forName="parSh" refType="w" refFor="ch" refForName="parTx"/>
+              <dgm:constr type="t" for="ch" forName="parSh"/>
+              <dgm:constr type="l" for="ch" forName="desTx" refType="w" fact="0.17"/>
+              <dgm:constr type="w" for="ch" forName="desTx" refType="w" refFor="ch" refForName="parTx"/>
+              <dgm:constr type="t" for="ch" forName="desTx" refType="h" refFor="ch" refForName="parTx"/>
+            </dgm:constrLst>
+          </dgm:if>
+          <dgm:else name="Name6">
+            <dgm:constrLst>
+              <dgm:constr type="h" refType="w" fact="1000"/>
+              <dgm:constr type="l" for="ch" forName="parTx" refType="w" fact="0.17"/>
+              <dgm:constr type="w" for="ch" forName="parTx" refType="w" fact="0.83"/>
+              <dgm:constr type="t" for="ch" forName="parTx"/>
+              <dgm:constr type="l" for="ch" forName="parSh" refType="w" fact="0.15"/>
+              <dgm:constr type="w" for="ch" forName="parSh" refType="w" refFor="ch" refForName="parTx"/>
+              <dgm:constr type="t" for="ch" forName="parSh"/>
+              <dgm:constr type="l" for="ch" forName="desTx"/>
+              <dgm:constr type="w" for="ch" forName="desTx" refType="w" refFor="ch" refForName="parTx"/>
+              <dgm:constr type="t" for="ch" forName="desTx" refType="h" refFor="ch" refForName="parTx"/>
+            </dgm:constrLst>
+          </dgm:else>
+        </dgm:choose>
+        <dgm:ruleLst>
+          <dgm:rule type="h" val="INF" fact="NaN" max="NaN"/>
+        </dgm:ruleLst>
+        <dgm:layoutNode name="parTx">
+          <dgm:varLst>
+            <dgm:chMax val="0"/>
+            <dgm:chPref val="0"/>
+            <dgm:bulletEnabled val="1"/>
+          </dgm:varLst>
+          <dgm:alg type="tx">
+            <dgm:param type="parTxLTRAlign" val="l"/>
+            <dgm:param type="parTxRTLAlign" val="r"/>
+            <dgm:param type="txAnchorVert" val="t"/>
+          </dgm:alg>
+          <dgm:shape xmlns:r="http://schemas.openxmlformats.org/officeDocument/2006/relationships" type="rect" r:blip="" zOrderOff="1" hideGeom="1">
+            <dgm:adjLst>
+              <dgm:adj idx="1" val="0.1"/>
+            </dgm:adjLst>
+          </dgm:shape>
+          <dgm:presOf axis="self" ptType="node"/>
+          <dgm:constrLst>
+            <dgm:constr type="h" refType="w" op="lte" fact="0.4"/>
+            <dgm:constr type="bMarg" refType="primFontSz" fact="0.3"/>
+            <dgm:constr type="h"/>
+          </dgm:constrLst>
+          <dgm:ruleLst>
+            <dgm:rule type="h" val="INF" fact="NaN" max="NaN"/>
+          </dgm:ruleLst>
+        </dgm:layoutNode>
+        <dgm:layoutNode name="parSh">
+          <dgm:alg type="sp"/>
+          <dgm:shape xmlns:r="http://schemas.openxmlformats.org/officeDocument/2006/relationships" type="roundRect" r:blip="">
+            <dgm:adjLst>
+              <dgm:adj idx="1" val="0.1"/>
+            </dgm:adjLst>
+          </dgm:shape>
+          <dgm:presOf axis="self" ptType="node"/>
+          <dgm:constrLst>
+            <dgm:constr type="h"/>
+          </dgm:constrLst>
+          <dgm:ruleLst/>
+        </dgm:layoutNode>
+        <dgm:layoutNode name="desTx" styleLbl="fgAcc1">
+          <dgm:varLst>
+            <dgm:bulletEnabled val="1"/>
+          </dgm:varLst>
+          <dgm:alg type="tx">
+            <dgm:param type="stBulletLvl" val="1"/>
+          </dgm:alg>
+          <dgm:shape xmlns:r="http://schemas.openxmlformats.org/officeDocument/2006/relationships" type="roundRect" r:blip="">
+            <dgm:adjLst>
+              <dgm:adj idx="1" val="0.1"/>
+            </dgm:adjLst>
+          </dgm:shape>
+          <dgm:presOf axis="des" ptType="node"/>
+          <dgm:constrLst>
+            <dgm:constr type="secFontSz" val="65"/>
+            <dgm:constr type="primFontSz" refType="secFontSz"/>
+            <dgm:constr type="h"/>
+          </dgm:constrLst>
+          <dgm:ruleLst>
+            <dgm:rule type="h" val="INF" fact="NaN" max="NaN"/>
+          </dgm:ruleLst>
+        </dgm:layoutNode>
+      </dgm:layoutNode>
+      <dgm:forEach name="sibTransForEach" axis="followSib" ptType="sibTrans" cnt="1">
+        <dgm:layoutNode name="sibTrans">
+          <dgm:alg type="conn">
+            <dgm:param type="begPts" val="auto"/>
+            <dgm:param type="endPts" val="auto"/>
+            <dgm:param type="srcNode" val="parTx"/>
+            <dgm:param type="dstNode" val="parTx"/>
+          </dgm:alg>
+          <dgm:shape xmlns:r="http://schemas.openxmlformats.org/officeDocument/2006/relationships" type="conn" r:blip="">
+            <dgm:adjLst/>
+          </dgm:shape>
+          <dgm:presOf axis="self"/>
+          <dgm:constrLst>
+            <dgm:constr type="h" refType="w" fact="0.62"/>
+            <dgm:constr type="connDist"/>
+            <dgm:constr type="begPad" refType="connDist" fact="0.25"/>
+            <dgm:constr type="endPad" refType="connDist" fact="0.22"/>
+          </dgm:constrLst>
+          <dgm:ruleLst/>
+          <dgm:layoutNode name="connTx">
+            <dgm:alg type="tx">
+              <dgm:param type="autoTxRot" val="grav"/>
+            </dgm:alg>
+            <dgm:shape xmlns:r="http://schemas.openxmlformats.org/officeDocument/2006/relationships" type="conn" r:blip="" hideGeom="1">
+              <dgm:adjLst/>
+            </dgm:shape>
+            <dgm:presOf axis="self"/>
+            <dgm:constrLst>
+              <dgm:constr type="lMarg"/>
+              <dgm:constr type="rMarg"/>
+              <dgm:constr type="tMarg"/>
+              <dgm:constr type="bMarg"/>
+            </dgm:constrLst>
+            <dgm:ruleLst>
+              <dgm:rule type="primFontSz" val="5" fact="NaN" max="NaN"/>
+            </dgm:ruleLst>
+          </dgm:layoutNode>
+        </dgm:layoutNode>
+      </dgm:forEach>
+    </dgm:forEach>
+  </dgm:layoutNode>
+</dgm:layoutDef>
+</file>
+
+<file path=ppt/diagrams/quickStyle1.xml><?xml version="1.0" encoding="utf-8"?>
+<dgm:styleDef xmlns:dgm="http://schemas.openxmlformats.org/drawingml/2006/diagram" xmlns:a="http://schemas.openxmlformats.org/drawingml/2006/main" uniqueId="urn:microsoft.com/office/officeart/2005/8/quickstyle/simple1">
+  <dgm:title val=""/>
+  <dgm:desc val=""/>
+  <dgm:catLst>
+    <dgm:cat type="simple" pri="10100"/>
+  </dgm:catLst>
+  <dgm:scene3d>
+    <a:camera prst="orthographicFront"/>
+    <a:lightRig rig="threePt" dir="t"/>
+  </dgm:scene3d>
+  <dgm:styleLbl name="node0">
+    <dgm:scene3d>
+      <a:camera prst="orthographicFront"/>
+      <a:lightRig rig="threePt" dir="t"/>
+    </dgm:scene3d>
+    <dgm:sp3d/>
+    <dgm:txPr/>
+    <dgm:style>
+      <a:lnRef idx="2">
+        <a:scrgbClr r="0" g="0" b="0"/>
+      </a:lnRef>
+      <a:fillRef idx="1">
+        <a:scrgbClr r="0" g="0" b="0"/>
+      </a:fillRef>
+      <a:effectRef idx="0">
+        <a:scrgbClr r="0" g="0" b="0"/>
+      </a:effectRef>
+      <a:fontRef idx="minor">
+        <a:schemeClr val="lt1"/>
+      </a:fontRef>
+    </dgm:style>
+  </dgm:styleLbl>
+  <dgm:styleLbl name="lnNode1">
+    <dgm:scene3d>
+      <a:camera prst="orthographicFront"/>
+      <a:lightRig rig="threePt" dir="t"/>
+    </dgm:scene3d>
+    <dgm:sp3d/>
+    <dgm:txPr/>
+    <dgm:style>
+      <a:lnRef idx="2">
+        <a:scrgbClr r="0" g="0" b="0"/>
+      </a:lnRef>
+      <a:fillRef idx="1">
+        <a:scrgbClr r="0" g="0" b="0"/>
+      </a:fillRef>
+      <a:effectRef idx="0">
+        <a:scrgbClr r="0" g="0" b="0"/>
+      </a:effectRef>
+      <a:fontRef idx="minor">
+        <a:schemeClr val="lt1"/>
+      </a:fontRef>
+    </dgm:style>
+  </dgm:styleLbl>
+  <dgm:styleLbl name="vennNode1">
+    <dgm:scene3d>
+      <a:camera prst="orthographicFront"/>
+      <a:lightRig rig="threePt" dir="t"/>
+    </dgm:scene3d>
+    <dgm:sp3d/>
+    <dgm:txPr/>
+    <dgm:style>
+      <a:lnRef idx="2">
+        <a:scrgbClr r="0" g="0" b="0"/>
+      </a:lnRef>
+      <a:fillRef idx="1">
+        <a:scrgbClr r="0" g="0" b="0"/>
+      </a:fillRef>
+      <a:effectRef idx="0">
+        <a:scrgbClr r="0" g="0" b="0"/>
+      </a:effectRef>
+      <a:fontRef idx="minor">
+        <a:schemeClr val="tx1"/>
+      </a:fontRef>
+    </dgm:style>
+  </dgm:styleLbl>
+  <dgm:styleLbl name="alignNode1">
+    <dgm:scene3d>
+      <a:camera prst="orthographicFront"/>
+      <a:lightRig rig="threePt" dir="t"/>
+    </dgm:scene3d>
+    <dgm:sp3d/>
+    <dgm:txPr/>
+    <dgm:style>
+      <a:lnRef idx="2">
+        <a:scrgbClr r="0" g="0" b="0"/>
+      </a:lnRef>
+      <a:fillRef idx="1">
+        <a:scrgbClr r="0" g="0" b="0"/>
+      </a:fillRef>
+      <a:effectRef idx="0">
+        <a:scrgbClr r="0" g="0" b="0"/>
+      </a:effectRef>
+      <a:fontRef idx="minor">
+        <a:schemeClr val="lt1"/>
+      </a:fontRef>
+    </dgm:style>
+  </dgm:styleLbl>
+  <dgm:styleLbl name="node1">
+    <dgm:scene3d>
+      <a:camera prst="orthographicFront"/>
+      <a:lightRig rig="threePt" dir="t"/>
+    </dgm:scene3d>
+    <dgm:sp3d/>
+    <dgm:txPr/>
+    <dgm:style>
+      <a:lnRef idx="2">
+        <a:scrgbClr r="0" g="0" b="0"/>
+      </a:lnRef>
+      <a:fillRef idx="1">
+        <a:scrgbClr r="0" g="0" b="0"/>
+      </a:fillRef>
+      <a:effectRef idx="0">
+        <a:scrgbClr r="0" g="0" b="0"/>
+      </a:effectRef>
+      <a:fontRef idx="minor">
+        <a:schemeClr val="lt1"/>
+      </a:fontRef>
+    </dgm:style>
+  </dgm:styleLbl>
+  <dgm:styleLbl name="node2">
+    <dgm:scene3d>
+      <a:camera prst="orthographicFront"/>
+      <a:lightRig rig="threePt" dir="t"/>
+    </dgm:scene3d>
+    <dgm:sp3d/>
+    <dgm:txPr/>
+    <dgm:style>
+      <a:lnRef idx="2">
+        <a:scrgbClr r="0" g="0" b="0"/>
+      </a:lnRef>
+      <a:fillRef idx="1">
+        <a:scrgbClr r="0" g="0" b="0"/>
+      </a:fillRef>
+      <a:effectRef idx="0">
+        <a:scrgbClr r="0" g="0" b="0"/>
+      </a:effectRef>
+      <a:fontRef idx="minor">
+        <a:schemeClr val="lt1"/>
+      </a:fontRef>
+    </dgm:style>
+  </dgm:styleLbl>
+  <dgm:styleLbl name="node3">
+    <dgm:scene3d>
+      <a:camera prst="orthographicFront"/>
+      <a:lightRig rig="threePt" dir="t"/>
+    </dgm:scene3d>
+    <dgm:sp3d/>
+    <dgm:txPr/>
+    <dgm:style>
+      <a:lnRef idx="2">
+        <a:scrgbClr r="0" g="0" b="0"/>
+      </a:lnRef>
+      <a:fillRef idx="1">
+        <a:scrgbClr r="0" g="0" b="0"/>
+      </a:fillRef>
+      <a:effectRef idx="0">
+        <a:scrgbClr r="0" g="0" b="0"/>
+      </a:effectRef>
+      <a:fontRef idx="minor">
+        <a:schemeClr val="lt1"/>
+      </a:fontRef>
+    </dgm:style>
+  </dgm:styleLbl>
+  <dgm:styleLbl name="node4">
+    <dgm:scene3d>
+      <a:camera prst="orthographicFront"/>
+      <a:lightRig rig="threePt" dir="t"/>
+    </dgm:scene3d>
+    <dgm:sp3d/>
+    <dgm:txPr/>
+    <dgm:style>
+      <a:lnRef idx="2">
+        <a:scrgbClr r="0" g="0" b="0"/>
+      </a:lnRef>
+      <a:fillRef idx="1">
+        <a:scrgbClr r="0" g="0" b="0"/>
+      </a:fillRef>
+      <a:effectRef idx="0">
+        <a:scrgbClr r="0" g="0" b="0"/>
+      </a:effectRef>
+      <a:fontRef idx="minor">
+        <a:schemeClr val="lt1"/>
+      </a:fontRef>
+    </dgm:style>
+  </dgm:styleLbl>
+  <dgm:styleLbl name="fgImgPlace1">
+    <dgm:scene3d>
+      <a:camera prst="orthographicFront"/>
+      <a:lightRig rig="threePt" dir="t"/>
+    </dgm:scene3d>
+    <dgm:sp3d/>
+    <dgm:txPr/>
+    <dgm:style>
+      <a:lnRef idx="2">
+        <a:scrgbClr r="0" g="0" b="0"/>
+      </a:lnRef>
+      <a:fillRef idx="1">
+        <a:scrgbClr r="0" g="0" b="0"/>
+      </a:fillRef>
+      <a:effectRef idx="0">
+        <a:scrgbClr r="0" g="0" b="0"/>
+      </a:effectRef>
+      <a:fontRef idx="minor"/>
+    </dgm:style>
+  </dgm:styleLbl>
+  <dgm:styleLbl name="alignImgPlace1">
+    <dgm:scene3d>
+      <a:camera prst="orthographicFront"/>
+      <a:lightRig rig="threePt" dir="t"/>
+    </dgm:scene3d>
+    <dgm:sp3d/>
+    <dgm:txPr/>
+    <dgm:style>
+      <a:lnRef idx="2">
+        <a:scrgbClr r="0" g="0" b="0"/>
+      </a:lnRef>
+      <a:fillRef idx="1">
+        <a:scrgbClr r="0" g="0" b="0"/>
+      </a:fillRef>
+      <a:effectRef idx="0">
+        <a:scrgbClr r="0" g="0" b="0"/>
+      </a:effectRef>
+      <a:fontRef idx="minor"/>
+    </dgm:style>
+  </dgm:styleLbl>
+  <dgm:styleLbl name="bgImgPlace1">
+    <dgm:scene3d>
+      <a:camera prst="orthographicFront"/>
+      <a:lightRig rig="threePt" dir="t"/>
+    </dgm:scene3d>
+    <dgm:sp3d/>
+    <dgm:txPr/>
+    <dgm:style>
+      <a:lnRef idx="2">
+        <a:scrgbClr r="0" g="0" b="0"/>
+      </a:lnRef>
+      <a:fillRef idx="1">
+        <a:scrgbClr r="0" g="0" b="0"/>
+      </a:fillRef>
+      <a:effectRef idx="0">
+        <a:scrgbClr r="0" g="0" b="0"/>
+      </a:effectRef>
+      <a:fontRef idx="minor"/>
+    </dgm:style>
+  </dgm:styleLbl>
+  <dgm:styleLbl name="sibTrans2D1">
+    <dgm:scene3d>
+      <a:camera prst="orthographicFront"/>
+      <a:lightRig rig="threePt" dir="t"/>
+    </dgm:scene3d>
+    <dgm:sp3d/>
+    <dgm:txPr/>
+    <dgm:style>
+      <a:lnRef idx="0">
+        <a:scrgbClr r="0" g="0" b="0"/>
+      </a:lnRef>
+      <a:fillRef idx="1">
+        <a:scrgbClr r="0" g="0" b="0"/>
+      </a:fillRef>
+      <a:effectRef idx="0">
+        <a:scrgbClr r="0" g="0" b="0"/>
+      </a:effectRef>
+      <a:fontRef idx="minor">
+        <a:schemeClr val="lt1"/>
+      </a:fontRef>
+    </dgm:style>
+  </dgm:styleLbl>
+  <dgm:styleLbl name="fgSibTrans2D1">
+    <dgm:scene3d>
+      <a:camera prst="orthographicFront"/>
+      <a:lightRig rig="threePt" dir="t"/>
+    </dgm:scene3d>
+    <dgm:sp3d/>
+    <dgm:txPr/>
+    <dgm:style>
+      <a:lnRef idx="0">
+        <a:scrgbClr r="0" g="0" b="0"/>
+      </a:lnRef>
+      <a:fillRef idx="1">
+        <a:scrgbClr r="0" g="0" b="0"/>
+      </a:fillRef>
+      <a:effectRef idx="0">
+        <a:scrgbClr r="0" g="0" b="0"/>
+      </a:effectRef>
+      <a:fontRef idx="minor">
+        <a:schemeClr val="lt1"/>
+      </a:fontRef>
+    </dgm:style>
+  </dgm:styleLbl>
+  <dgm:styleLbl name="bgSibTrans2D1">
+    <dgm:scene3d>
+      <a:camera prst="orthographicFront"/>
+      <a:lightRig rig="threePt" dir="t"/>
+    </dgm:scene3d>
+    <dgm:sp3d/>
+    <dgm:txPr/>
+    <dgm:style>
+      <a:lnRef idx="0">
+        <a:scrgbClr r="0" g="0" b="0"/>
+      </a:lnRef>
+      <a:fillRef idx="1">
+        <a:scrgbClr r="0" g="0" b="0"/>
+      </a:fillRef>
+      <a:effectRef idx="0">
+        <a:scrgbClr r="0" g="0" b="0"/>
+      </a:effectRef>
+      <a:fontRef idx="minor">
+        <a:schemeClr val="lt1"/>
+      </a:fontRef>
+    </dgm:style>
+  </dgm:styleLbl>
+  <dgm:styleLbl name="sibTrans1D1">
+    <dgm:scene3d>
+      <a:camera prst="orthographicFront"/>
+      <a:lightRig rig="threePt" dir="t"/>
+    </dgm:scene3d>
+    <dgm:sp3d/>
+    <dgm:txPr/>
+    <dgm:style>
+      <a:lnRef idx="1">
+        <a:scrgbClr r="0" g="0" b="0"/>
+      </a:lnRef>
+      <a:fillRef idx="0">
+        <a:scrgbClr r="0" g="0" b="0"/>
+      </a:fillRef>
+      <a:effectRef idx="0">
+        <a:scrgbClr r="0" g="0" b="0"/>
+      </a:effectRef>
+      <a:fontRef idx="minor"/>
+    </dgm:style>
+  </dgm:styleLbl>
+  <dgm:styleLbl name="callout">
+    <dgm:scene3d>
+      <a:camera prst="orthographicFront"/>
+      <a:lightRig rig="threePt" dir="t"/>
+    </dgm:scene3d>
+    <dgm:sp3d/>
+    <dgm:txPr/>
+    <dgm:style>
+      <a:lnRef idx="2">
+        <a:scrgbClr r="0" g="0" b="0"/>
+      </a:lnRef>
+      <a:fillRef idx="1">
+        <a:scrgbClr r="0" g="0" b="0"/>
+      </a:fillRef>
+      <a:effectRef idx="0">
+        <a:scrgbClr r="0" g="0" b="0"/>
+      </a:effectRef>
+      <a:fontRef idx="minor"/>
+    </dgm:style>
+  </dgm:styleLbl>
+  <dgm:styleLbl name="asst0">
+    <dgm:scene3d>
+      <a:camera prst="orthographicFront"/>
+      <a:lightRig rig="threePt" dir="t"/>
+    </dgm:scene3d>
+    <dgm:sp3d/>
+    <dgm:txPr/>
+    <dgm:style>
+      <a:lnRef idx="2">
+        <a:scrgbClr r="0" g="0" b="0"/>
+      </a:lnRef>
+      <a:fillRef idx="1">
+        <a:scrgbClr r="0" g="0" b="0"/>
+      </a:fillRef>
+      <a:effectRef idx="0">
+        <a:scrgbClr r="0" g="0" b="0"/>
+      </a:effectRef>
+      <a:fontRef idx="minor">
+        <a:schemeClr val="lt1"/>
+      </a:fontRef>
+    </dgm:style>
+  </dgm:styleLbl>
+  <dgm:styleLbl name="asst1">
+    <dgm:scene3d>
+      <a:camera prst="orthographicFront"/>
+      <a:lightRig rig="threePt" dir="t"/>
+    </dgm:scene3d>
+    <dgm:sp3d/>
+    <dgm:txPr/>
+    <dgm:style>
+      <a:lnRef idx="2">
+        <a:scrgbClr r="0" g="0" b="0"/>
+      </a:lnRef>
+      <a:fillRef idx="1">
+        <a:scrgbClr r="0" g="0" b="0"/>
+      </a:fillRef>
+      <a:effectRef idx="0">
+        <a:scrgbClr r="0" g="0" b="0"/>
+      </a:effectRef>
+      <a:fontRef idx="minor">
+        <a:schemeClr val="lt1"/>
+      </a:fontRef>
+    </dgm:style>
+  </dgm:styleLbl>
+  <dgm:styleLbl name="asst2">
+    <dgm:scene3d>
+      <a:camera prst="orthographicFront"/>
+      <a:lightRig rig="threePt" dir="t"/>
+    </dgm:scene3d>
+    <dgm:sp3d/>
+    <dgm:txPr/>
+    <dgm:style>
+      <a:lnRef idx="2">
+        <a:scrgbClr r="0" g="0" b="0"/>
+      </a:lnRef>
+      <a:fillRef idx="1">
+        <a:scrgbClr r="0" g="0" b="0"/>
+      </a:fillRef>
+      <a:effectRef idx="0">
+        <a:scrgbClr r="0" g="0" b="0"/>
+      </a:effectRef>
+      <a:fontRef idx="minor">
+        <a:schemeClr val="lt1"/>
+      </a:fontRef>
+    </dgm:style>
+  </dgm:styleLbl>
+  <dgm:styleLbl name="asst3">
+    <dgm:scene3d>
+      <a:camera prst="orthographicFront"/>
+      <a:lightRig rig="threePt" dir="t"/>
+    </dgm:scene3d>
+    <dgm:sp3d/>
+    <dgm:txPr/>
+    <dgm:style>
+      <a:lnRef idx="2">
+        <a:scrgbClr r="0" g="0" b="0"/>
+      </a:lnRef>
+      <a:fillRef idx="1">
+        <a:scrgbClr r="0" g="0" b="0"/>
+      </a:fillRef>
+      <a:effectRef idx="0">
+        <a:scrgbClr r="0" g="0" b="0"/>
+      </a:effectRef>
+      <a:fontRef idx="minor">
+        <a:schemeClr val="lt1"/>
+      </a:fontRef>
+    </dgm:style>
+  </dgm:styleLbl>
+  <dgm:styleLbl name="asst4">
+    <dgm:scene3d>
+      <a:camera prst="orthographicFront"/>
+      <a:lightRig rig="threePt" dir="t"/>
+    </dgm:scene3d>
+    <dgm:sp3d/>
+    <dgm:txPr/>
+    <dgm:style>
+      <a:lnRef idx="2">
+        <a:scrgbClr r="0" g="0" b="0"/>
+      </a:lnRef>
+      <a:fillRef idx="1">
+        <a:scrgbClr r="0" g="0" b="0"/>
+      </a:fillRef>
+      <a:effectRef idx="0">
+        <a:scrgbClr r="0" g="0" b="0"/>
+      </a:effectRef>
+      <a:fontRef idx="minor">
+        <a:schemeClr val="lt1"/>
+      </a:fontRef>
+    </dgm:style>
+  </dgm:styleLbl>
+  <dgm:styleLbl name="parChTrans2D1">
+    <dgm:scene3d>
+      <a:camera prst="orthographicFront"/>
+      <a:lightRig rig="threePt" dir="t"/>
+    </dgm:scene3d>
+    <dgm:sp3d/>
+    <dgm:txPr/>
+    <dgm:style>
+      <a:lnRef idx="2">
+        <a:scrgbClr r="0" g="0" b="0"/>
+      </a:lnRef>
+      <a:fillRef idx="1">
+        <a:scrgbClr r="0" g="0" b="0"/>
+      </a:fillRef>
+      <a:effectRef idx="0">
+        <a:scrgbClr r="0" g="0" b="0"/>
+      </a:effectRef>
+      <a:fontRef idx="minor">
+        <a:schemeClr val="lt1"/>
+      </a:fontRef>
+    </dgm:style>
+  </dgm:styleLbl>
+  <dgm:styleLbl name="parChTrans2D2">
+    <dgm:scene3d>
+      <a:camera prst="orthographicFront"/>
+      <a:lightRig rig="threePt" dir="t"/>
+    </dgm:scene3d>
+    <dgm:sp3d/>
+    <dgm:txPr/>
+    <dgm:style>
+      <a:lnRef idx="2">
+        <a:scrgbClr r="0" g="0" b="0"/>
+      </a:lnRef>
+      <a:fillRef idx="1">
+        <a:scrgbClr r="0" g="0" b="0"/>
+      </a:fillRef>
+      <a:effectRef idx="0">
+        <a:scrgbClr r="0" g="0" b="0"/>
+      </a:effectRef>
+      <a:fontRef idx="minor">
+        <a:schemeClr val="lt1"/>
+      </a:fontRef>
+    </dgm:style>
+  </dgm:styleLbl>
+  <dgm:styleLbl name="parChTrans2D3">
+    <dgm:scene3d>
+      <a:camera prst="orthographicFront"/>
+      <a:lightRig rig="threePt" dir="t"/>
+    </dgm:scene3d>
+    <dgm:sp3d/>
+    <dgm:txPr/>
+    <dgm:style>
+      <a:lnRef idx="2">
+        <a:scrgbClr r="0" g="0" b="0"/>
+      </a:lnRef>
+      <a:fillRef idx="1">
+        <a:scrgbClr r="0" g="0" b="0"/>
+      </a:fillRef>
+      <a:effectRef idx="0">
+        <a:scrgbClr r="0" g="0" b="0"/>
+      </a:effectRef>
+      <a:fontRef idx="minor">
+        <a:schemeClr val="lt1"/>
+      </a:fontRef>
+    </dgm:style>
+  </dgm:styleLbl>
+  <dgm:styleLbl name="parChTrans2D4">
+    <dgm:scene3d>
+      <a:camera prst="orthographicFront"/>
+      <a:lightRig rig="threePt" dir="t"/>
+    </dgm:scene3d>
+    <dgm:sp3d/>
+    <dgm:txPr/>
+    <dgm:style>
+      <a:lnRef idx="2">
+        <a:scrgbClr r="0" g="0" b="0"/>
+      </a:lnRef>
+      <a:fillRef idx="1">
+        <a:scrgbClr r="0" g="0" b="0"/>
+      </a:fillRef>
+      <a:effectRef idx="0">
+        <a:scrgbClr r="0" g="0" b="0"/>
+      </a:effectRef>
+      <a:fontRef idx="minor">
+        <a:schemeClr val="lt1"/>
+      </a:fontRef>
+    </dgm:style>
+  </dgm:styleLbl>
+  <dgm:styleLbl name="parChTrans1D1">
+    <dgm:scene3d>
+      <a:camera prst="orthographicFront"/>
+      <a:lightRig rig="threePt" dir="t"/>
+    </dgm:scene3d>
+    <dgm:sp3d/>
+    <dgm:txPr/>
+    <dgm:style>
+      <a:lnRef idx="2">
+        <a:scrgbClr r="0" g="0" b="0"/>
+      </a:lnRef>
+      <a:fillRef idx="0">
+        <a:scrgbClr r="0" g="0" b="0"/>
+      </a:fillRef>
+      <a:effectRef idx="0">
+        <a:scrgbClr r="0" g="0" b="0"/>
+      </a:effectRef>
+      <a:fontRef idx="minor"/>
+    </dgm:style>
+  </dgm:styleLbl>
+  <dgm:styleLbl name="parChTrans1D2">
+    <dgm:scene3d>
+      <a:camera prst="orthographicFront"/>
+      <a:lightRig rig="threePt" dir="t"/>
+    </dgm:scene3d>
+    <dgm:sp3d/>
+    <dgm:txPr/>
+    <dgm:style>
+      <a:lnRef idx="2">
+        <a:scrgbClr r="0" g="0" b="0"/>
+      </a:lnRef>
+      <a:fillRef idx="0">
+        <a:scrgbClr r="0" g="0" b="0"/>
+      </a:fillRef>
+      <a:effectRef idx="0">
+        <a:scrgbClr r="0" g="0" b="0"/>
+      </a:effectRef>
+      <a:fontRef idx="minor"/>
+    </dgm:style>
+  </dgm:styleLbl>
+  <dgm:styleLbl name="parChTrans1D3">
+    <dgm:scene3d>
+      <a:camera prst="orthographicFront"/>
+      <a:lightRig rig="threePt" dir="t"/>
+    </dgm:scene3d>
+    <dgm:sp3d/>
+    <dgm:txPr/>
+    <dgm:style>
+      <a:lnRef idx="2">
+        <a:scrgbClr r="0" g="0" b="0"/>
+      </a:lnRef>
+      <a:fillRef idx="0">
+        <a:scrgbClr r="0" g="0" b="0"/>
+      </a:fillRef>
+      <a:effectRef idx="0">
+        <a:scrgbClr r="0" g="0" b="0"/>
+      </a:effectRef>
+      <a:fontRef idx="minor"/>
+    </dgm:style>
+  </dgm:styleLbl>
+  <dgm:styleLbl name="parChTrans1D4">
+    <dgm:scene3d>
+      <a:camera prst="orthographicFront"/>
+      <a:lightRig rig="threePt" dir="t"/>
+    </dgm:scene3d>
+    <dgm:sp3d/>
+    <dgm:txPr/>
+    <dgm:style>
+      <a:lnRef idx="2">
+        <a:scrgbClr r="0" g="0" b="0"/>
+      </a:lnRef>
+      <a:fillRef idx="0">
+        <a:scrgbClr r="0" g="0" b="0"/>
+      </a:fillRef>
+      <a:effectRef idx="0">
+        <a:scrgbClr r="0" g="0" b="0"/>
+      </a:effectRef>
+      <a:fontRef idx="minor"/>
+    </dgm:style>
+  </dgm:styleLbl>
+  <dgm:styleLbl name="fgAcc1">
+    <dgm:scene3d>
+      <a:camera prst="orthographicFront"/>
+      <a:lightRig rig="threePt" dir="t"/>
+    </dgm:scene3d>
+    <dgm:sp3d/>
+    <dgm:txPr/>
+    <dgm:style>
+      <a:lnRef idx="2">
+        <a:scrgbClr r="0" g="0" b="0"/>
+      </a:lnRef>
+      <a:fillRef idx="1">
+        <a:scrgbClr r="0" g="0" b="0"/>
+      </a:fillRef>
+      <a:effectRef idx="0">
+        <a:scrgbClr r="0" g="0" b="0"/>
+      </a:effectRef>
+      <a:fontRef idx="minor"/>
+    </dgm:style>
+  </dgm:styleLbl>
+  <dgm:styleLbl name="conFgAcc1">
+    <dgm:scene3d>
+      <a:camera prst="orthographicFront"/>
+      <a:lightRig rig="threePt" dir="t"/>
+    </dgm:scene3d>
+    <dgm:sp3d/>
+    <dgm:txPr/>
+    <dgm:style>
+      <a:lnRef idx="2">
+        <a:scrgbClr r="0" g="0" b="0"/>
+      </a:lnRef>
+      <a:fillRef idx="1">
+        <a:scrgbClr r="0" g="0" b="0"/>
+      </a:fillRef>
+      <a:effectRef idx="0">
+        <a:scrgbClr r="0" g="0" b="0"/>
+      </a:effectRef>
+      <a:fontRef idx="minor"/>
+    </dgm:style>
+  </dgm:styleLbl>
+  <dgm:styleLbl name="alignAcc1">
+    <dgm:scene3d>
+      <a:camera prst="orthographicFront"/>
+      <a:lightRig rig="threePt" dir="t"/>
+    </dgm:scene3d>
+    <dgm:sp3d/>
+    <dgm:txPr/>
+    <dgm:style>
+      <a:lnRef idx="2">
+        <a:scrgbClr r="0" g="0" b="0"/>
+      </a:lnRef>
+      <a:fillRef idx="1">
+        <a:scrgbClr r="0" g="0" b="0"/>
+      </a:fillRef>
+      <a:effectRef idx="0">
+        <a:scrgbClr r="0" g="0" b="0"/>
+      </a:effectRef>
+      <a:fontRef idx="minor"/>
+    </dgm:style>
+  </dgm:styleLbl>
+  <dgm:styleLbl name="trAlignAcc1">
+    <dgm:scene3d>
+      <a:camera prst="orthographicFront"/>
+      <a:lightRig rig="threePt" dir="t"/>
+    </dgm:scene3d>
+    <dgm:sp3d/>
+    <dgm:txPr/>
+    <dgm:style>
+      <a:lnRef idx="1">
+        <a:scrgbClr r="0" g="0" b="0"/>
+      </a:lnRef>
+      <a:fillRef idx="1">
+        <a:scrgbClr r="0" g="0" b="0"/>
+      </a:fillRef>
+      <a:effectRef idx="0">
+        <a:scrgbClr r="0" g="0" b="0"/>
+      </a:effectRef>
+      <a:fontRef idx="minor"/>
+    </dgm:style>
+  </dgm:styleLbl>
+  <dgm:styleLbl name="bgAcc1">
+    <dgm:scene3d>
+      <a:camera prst="orthographicFront"/>
+      <a:lightRig rig="threePt" dir="t"/>
+    </dgm:scene3d>
+    <dgm:sp3d/>
+    <dgm:txPr/>
+    <dgm:style>
+      <a:lnRef idx="2">
+        <a:scrgbClr r="0" g="0" b="0"/>
+      </a:lnRef>
+      <a:fillRef idx="1">
+        <a:scrgbClr r="0" g="0" b="0"/>
+      </a:fillRef>
+      <a:effectRef idx="0">
+        <a:scrgbClr r="0" g="0" b="0"/>
+      </a:effectRef>
+      <a:fontRef idx="minor"/>
+    </dgm:style>
+  </dgm:styleLbl>
+  <dgm:styleLbl name="solidFgAcc1">
+    <dgm:scene3d>
+      <a:camera prst="orthographicFront"/>
+      <a:lightRig rig="threePt" dir="t"/>
+    </dgm:scene3d>
+    <dgm:sp3d/>
+    <dgm:txPr/>
+    <dgm:style>
+      <a:lnRef idx="2">
+        <a:scrgbClr r="0" g="0" b="0"/>
+      </a:lnRef>
+      <a:fillRef idx="1">
+        <a:scrgbClr r="0" g="0" b="0"/>
+      </a:fillRef>
+      <a:effectRef idx="0">
+        <a:scrgbClr r="0" g="0" b="0"/>
+      </a:effectRef>
+      <a:fontRef idx="minor"/>
+    </dgm:style>
+  </dgm:styleLbl>
+  <dgm:styleLbl name="solidAlignAcc1">
+    <dgm:scene3d>
+      <a:camera prst="orthographicFront"/>
+      <a:lightRig rig="threePt" dir="t"/>
+    </dgm:scene3d>
+    <dgm:sp3d/>
+    <dgm:txPr/>
+    <dgm:style>
+      <a:lnRef idx="2">
+        <a:scrgbClr r="0" g="0" b="0"/>
+      </a:lnRef>
+      <a:fillRef idx="1">
+        <a:scrgbClr r="0" g="0" b="0"/>
+      </a:fillRef>
+      <a:effectRef idx="0">
+        <a:scrgbClr r="0" g="0" b="0"/>
+      </a:effectRef>
+      <a:fontRef idx="minor"/>
+    </dgm:style>
+  </dgm:styleLbl>
+  <dgm:styleLbl name="solidBgAcc1">
+    <dgm:scene3d>
+      <a:camera prst="orthographicFront"/>
+      <a:lightRig rig="threePt" dir="t"/>
+    </dgm:scene3d>
+    <dgm:sp3d/>
+    <dgm:txPr/>
+    <dgm:style>
+      <a:lnRef idx="2">
+        <a:scrgbClr r="0" g="0" b="0"/>
+      </a:lnRef>
+      <a:fillRef idx="1">
+        <a:scrgbClr r="0" g="0" b="0"/>
+      </a:fillRef>
+      <a:effectRef idx="0">
+        <a:scrgbClr r="0" g="0" b="0"/>
+      </a:effectRef>
+      <a:fontRef idx="minor"/>
+    </dgm:style>
+  </dgm:styleLbl>
+  <dgm:styleLbl name="fgAccFollowNode1">
+    <dgm:scene3d>
+      <a:camera prst="orthographicFront"/>
+      <a:lightRig rig="threePt" dir="t"/>
+    </dgm:scene3d>
+    <dgm:sp3d/>
+    <dgm:txPr/>
+    <dgm:style>
+      <a:lnRef idx="2">
+        <a:scrgbClr r="0" g="0" b="0"/>
+      </a:lnRef>
+      <a:fillRef idx="1">
+        <a:scrgbClr r="0" g="0" b="0"/>
+      </a:fillRef>
+      <a:effectRef idx="0">
+        <a:scrgbClr r="0" g="0" b="0"/>
+      </a:effectRef>
+      <a:fontRef idx="minor"/>
+    </dgm:style>
+  </dgm:styleLbl>
+  <dgm:styleLbl name="alignAccFollowNode1">
+    <dgm:scene3d>
+      <a:camera prst="orthographicFront"/>
+      <a:lightRig rig="threePt" dir="t"/>
+    </dgm:scene3d>
+    <dgm:sp3d/>
+    <dgm:txPr/>
+    <dgm:style>
+      <a:lnRef idx="2">
+        <a:scrgbClr r="0" g="0" b="0"/>
+      </a:lnRef>
+      <a:fillRef idx="1">
+        <a:scrgbClr r="0" g="0" b="0"/>
+      </a:fillRef>
+      <a:effectRef idx="0">
+        <a:scrgbClr r="0" g="0" b="0"/>
+      </a:effectRef>
+      <a:fontRef idx="minor"/>
+    </dgm:style>
+  </dgm:styleLbl>
+  <dgm:styleLbl name="bgAccFollowNode1">
+    <dgm:scene3d>
+      <a:camera prst="orthographicFront"/>
+      <a:lightRig rig="threePt" dir="t"/>
+    </dgm:scene3d>
+    <dgm:sp3d/>
+    <dgm:txPr/>
+    <dgm:style>
+      <a:lnRef idx="2">
+        <a:scrgbClr r="0" g="0" b="0"/>
+      </a:lnRef>
+      <a:fillRef idx="1">
+        <a:scrgbClr r="0" g="0" b="0"/>
+      </a:fillRef>
+      <a:effectRef idx="0">
+        <a:scrgbClr r="0" g="0" b="0"/>
+      </a:effectRef>
+      <a:fontRef idx="minor"/>
+    </dgm:style>
+  </dgm:styleLbl>
+  <dgm:styleLbl name="fgAcc0">
+    <dgm:scene3d>
+      <a:camera prst="orthographicFront"/>
+      <a:lightRig rig="threePt" dir="t"/>
+    </dgm:scene3d>
+    <dgm:sp3d/>
+    <dgm:txPr/>
+    <dgm:style>
+      <a:lnRef idx="2">
+        <a:scrgbClr r="0" g="0" b="0"/>
+      </a:lnRef>
+      <a:fillRef idx="1">
+        <a:scrgbClr r="0" g="0" b="0"/>
+      </a:fillRef>
+      <a:effectRef idx="0">
+        <a:scrgbClr r="0" g="0" b="0"/>
+      </a:effectRef>
+      <a:fontRef idx="minor"/>
+    </dgm:style>
+  </dgm:styleLbl>
+  <dgm:styleLbl name="fgAcc2">
+    <dgm:scene3d>
+      <a:camera prst="orthographicFront"/>
+      <a:lightRig rig="threePt" dir="t"/>
+    </dgm:scene3d>
+    <dgm:sp3d/>
+    <dgm:txPr/>
+    <dgm:style>
+      <a:lnRef idx="2">
+        <a:scrgbClr r="0" g="0" b="0"/>
+      </a:lnRef>
+      <a:fillRef idx="1">
+        <a:scrgbClr r="0" g="0" b="0"/>
+      </a:fillRef>
+      <a:effectRef idx="0">
+        <a:scrgbClr r="0" g="0" b="0"/>
+      </a:effectRef>
+      <a:fontRef idx="minor"/>
+    </dgm:style>
+  </dgm:styleLbl>
+  <dgm:styleLbl name="fgAcc3">
+    <dgm:scene3d>
+      <a:camera prst="orthographicFront"/>
+      <a:lightRig rig="threePt" dir="t"/>
+    </dgm:scene3d>
+    <dgm:sp3d/>
+    <dgm:txPr/>
+    <dgm:style>
+      <a:lnRef idx="2">
+        <a:scrgbClr r="0" g="0" b="0"/>
+      </a:lnRef>
+      <a:fillRef idx="1">
+        <a:scrgbClr r="0" g="0" b="0"/>
+      </a:fillRef>
+      <a:effectRef idx="0">
+        <a:scrgbClr r="0" g="0" b="0"/>
+      </a:effectRef>
+      <a:fontRef idx="minor"/>
+    </dgm:style>
+  </dgm:styleLbl>
+  <dgm:styleLbl name="fgAcc4">
+    <dgm:scene3d>
+      <a:camera prst="orthographicFront"/>
+      <a:lightRig rig="threePt" dir="t"/>
+    </dgm:scene3d>
+    <dgm:sp3d/>
+    <dgm:txPr/>
+    <dgm:style>
+      <a:lnRef idx="2">
+        <a:scrgbClr r="0" g="0" b="0"/>
+      </a:lnRef>
+      <a:fillRef idx="1">
+        <a:scrgbClr r="0" g="0" b="0"/>
+      </a:fillRef>
+      <a:effectRef idx="0">
+        <a:scrgbClr r="0" g="0" b="0"/>
+      </a:effectRef>
+      <a:fontRef idx="minor"/>
+    </dgm:style>
+  </dgm:styleLbl>
+  <dgm:styleLbl name="bgShp">
+    <dgm:scene3d>
+      <a:camera prst="orthographicFront"/>
+      <a:lightRig rig="threePt" dir="t"/>
+    </dgm:scene3d>
+    <dgm:sp3d/>
+    <dgm:txPr/>
+    <dgm:style>
+      <a:lnRef idx="0">
+        <a:scrgbClr r="0" g="0" b="0"/>
+      </a:lnRef>
+      <a:fillRef idx="1">
+        <a:scrgbClr r="0" g="0" b="0"/>
+      </a:fillRef>
+      <a:effectRef idx="0">
+        <a:scrgbClr r="0" g="0" b="0"/>
+      </a:effectRef>
+      <a:fontRef idx="minor"/>
+    </dgm:style>
+  </dgm:styleLbl>
+  <dgm:styleLbl name="dkBgShp">
+    <dgm:scene3d>
+      <a:camera prst="orthographicFront"/>
+      <a:lightRig rig="threePt" dir="t"/>
+    </dgm:scene3d>
+    <dgm:sp3d/>
+    <dgm:txPr/>
+    <dgm:style>
+      <a:lnRef idx="0">
+        <a:scrgbClr r="0" g="0" b="0"/>
+      </a:lnRef>
+      <a:fillRef idx="1">
+        <a:scrgbClr r="0" g="0" b="0"/>
+      </a:fillRef>
+      <a:effectRef idx="0">
+        <a:scrgbClr r="0" g="0" b="0"/>
+      </a:effectRef>
+      <a:fontRef idx="minor"/>
+    </dgm:style>
+  </dgm:styleLbl>
+  <dgm:styleLbl name="trBgShp">
+    <dgm:scene3d>
+      <a:camera prst="orthographicFront"/>
+      <a:lightRig rig="threePt" dir="t"/>
+    </dgm:scene3d>
+    <dgm:sp3d/>
+    <dgm:txPr/>
+    <dgm:style>
+      <a:lnRef idx="0">
+        <a:scrgbClr r="0" g="0" b="0"/>
+      </a:lnRef>
+      <a:fillRef idx="1">
+        <a:scrgbClr r="0" g="0" b="0"/>
+      </a:fillRef>
+      <a:effectRef idx="0">
+        <a:scrgbClr r="0" g="0" b="0"/>
+      </a:effectRef>
+      <a:fontRef idx="minor"/>
+    </dgm:style>
+  </dgm:styleLbl>
+  <dgm:styleLbl name="fgShp">
+    <dgm:scene3d>
+      <a:camera prst="orthographicFront"/>
+      <a:lightRig rig="threePt" dir="t"/>
+    </dgm:scene3d>
+    <dgm:sp3d/>
+    <dgm:txPr/>
+    <dgm:style>
+      <a:lnRef idx="2">
+        <a:scrgbClr r="0" g="0" b="0"/>
+      </a:lnRef>
+      <a:fillRef idx="1">
+        <a:scrgbClr r="0" g="0" b="0"/>
+      </a:fillRef>
+      <a:effectRef idx="0">
+        <a:scrgbClr r="0" g="0" b="0"/>
+      </a:effectRef>
+      <a:fontRef idx="minor"/>
+    </dgm:style>
+  </dgm:styleLbl>
+  <dgm:styleLbl name="revTx">
+    <dgm:scene3d>
+      <a:camera prst="orthographicFront"/>
+      <a:lightRig rig="threePt" dir="t"/>
+    </dgm:scene3d>
+    <dgm:sp3d/>
+    <dgm:txPr/>
+    <dgm:style>
+      <a:lnRef idx="0">
+        <a:scrgbClr r="0" g="0" b="0"/>
+      </a:lnRef>
+      <a:fillRef idx="0">
+        <a:scrgbClr r="0" g="0" b="0"/>
+      </a:fillRef>
+      <a:effectRef idx="0">
+        <a:scrgbClr r="0" g="0" b="0"/>
+      </a:effectRef>
+      <a:fontRef idx="minor"/>
+    </dgm:style>
+  </dgm:styleLbl>
+</dgm:styleDef>
 </file>
 
 <file path=ppt/slideLayouts/slideLayout1.xml><?xml version="1.0" encoding="utf-8"?>
@@ -261,7 +3528,7 @@
           <a:p>
             <a:fld id="{B666EFF6-080E-41F7-9298-0B328C0F486D}" type="datetimeFigureOut">
               <a:rPr lang="en-US" smtClean="0"/>
-              <a:t>3/9/2023</a:t>
+              <a:t>3/14/2023</a:t>
             </a:fld>
             <a:endParaRPr lang="en-US"/>
           </a:p>
@@ -459,7 +3726,7 @@
           <a:p>
             <a:fld id="{B666EFF6-080E-41F7-9298-0B328C0F486D}" type="datetimeFigureOut">
               <a:rPr lang="en-US" smtClean="0"/>
-              <a:t>3/9/2023</a:t>
+              <a:t>3/14/2023</a:t>
             </a:fld>
             <a:endParaRPr lang="en-US"/>
           </a:p>
@@ -667,7 +3934,7 @@
           <a:p>
             <a:fld id="{B666EFF6-080E-41F7-9298-0B328C0F486D}" type="datetimeFigureOut">
               <a:rPr lang="en-US" smtClean="0"/>
-              <a:t>3/9/2023</a:t>
+              <a:t>3/14/2023</a:t>
             </a:fld>
             <a:endParaRPr lang="en-US"/>
           </a:p>
@@ -865,7 +4132,7 @@
           <a:p>
             <a:fld id="{B666EFF6-080E-41F7-9298-0B328C0F486D}" type="datetimeFigureOut">
               <a:rPr lang="en-US" smtClean="0"/>
-              <a:t>3/9/2023</a:t>
+              <a:t>3/14/2023</a:t>
             </a:fld>
             <a:endParaRPr lang="en-US"/>
           </a:p>
@@ -1140,7 +4407,7 @@
           <a:p>
             <a:fld id="{B666EFF6-080E-41F7-9298-0B328C0F486D}" type="datetimeFigureOut">
               <a:rPr lang="en-US" smtClean="0"/>
-              <a:t>3/9/2023</a:t>
+              <a:t>3/14/2023</a:t>
             </a:fld>
             <a:endParaRPr lang="en-US"/>
           </a:p>
@@ -1405,7 +4672,7 @@
           <a:p>
             <a:fld id="{B666EFF6-080E-41F7-9298-0B328C0F486D}" type="datetimeFigureOut">
               <a:rPr lang="en-US" smtClean="0"/>
-              <a:t>3/9/2023</a:t>
+              <a:t>3/14/2023</a:t>
             </a:fld>
             <a:endParaRPr lang="en-US"/>
           </a:p>
@@ -1817,7 +5084,7 @@
           <a:p>
             <a:fld id="{B666EFF6-080E-41F7-9298-0B328C0F486D}" type="datetimeFigureOut">
               <a:rPr lang="en-US" smtClean="0"/>
-              <a:t>3/9/2023</a:t>
+              <a:t>3/14/2023</a:t>
             </a:fld>
             <a:endParaRPr lang="en-US"/>
           </a:p>
@@ -1958,7 +5225,7 @@
           <a:p>
             <a:fld id="{B666EFF6-080E-41F7-9298-0B328C0F486D}" type="datetimeFigureOut">
               <a:rPr lang="en-US" smtClean="0"/>
-              <a:t>3/9/2023</a:t>
+              <a:t>3/14/2023</a:t>
             </a:fld>
             <a:endParaRPr lang="en-US"/>
           </a:p>
@@ -2071,7 +5338,7 @@
           <a:p>
             <a:fld id="{B666EFF6-080E-41F7-9298-0B328C0F486D}" type="datetimeFigureOut">
               <a:rPr lang="en-US" smtClean="0"/>
-              <a:t>3/9/2023</a:t>
+              <a:t>3/14/2023</a:t>
             </a:fld>
             <a:endParaRPr lang="en-US"/>
           </a:p>
@@ -2382,7 +5649,7 @@
           <a:p>
             <a:fld id="{B666EFF6-080E-41F7-9298-0B328C0F486D}" type="datetimeFigureOut">
               <a:rPr lang="en-US" smtClean="0"/>
-              <a:t>3/9/2023</a:t>
+              <a:t>3/14/2023</a:t>
             </a:fld>
             <a:endParaRPr lang="en-US"/>
           </a:p>
@@ -2670,7 +5937,7 @@
           <a:p>
             <a:fld id="{B666EFF6-080E-41F7-9298-0B328C0F486D}" type="datetimeFigureOut">
               <a:rPr lang="en-US" smtClean="0"/>
-              <a:t>3/9/2023</a:t>
+              <a:t>3/14/2023</a:t>
             </a:fld>
             <a:endParaRPr lang="en-US"/>
           </a:p>
@@ -2911,7 +6178,7 @@
           <a:p>
             <a:fld id="{B666EFF6-080E-41F7-9298-0B328C0F486D}" type="datetimeFigureOut">
               <a:rPr lang="en-US" smtClean="0"/>
-              <a:t>3/9/2023</a:t>
+              <a:t>3/14/2023</a:t>
             </a:fld>
             <a:endParaRPr lang="en-US"/>
           </a:p>
@@ -3346,12 +6613,14 @@
         </p:nvSpPr>
         <p:spPr/>
         <p:txBody>
-          <a:bodyPr/>
+          <a:bodyPr>
+            <a:normAutofit fontScale="90000"/>
+          </a:bodyPr>
           <a:lstStyle/>
           <a:p>
             <a:r>
               <a:rPr lang="en-US" dirty="0"/>
-              <a:t>Predicting Covid mortality/death rate </a:t>
+              <a:t>Using Machine Learning Models to Predict Covid mortality/death rate </a:t>
             </a:r>
           </a:p>
         </p:txBody>
@@ -3796,31 +7065,37 @@
           </a:p>
         </p:txBody>
       </p:sp>
-      <p:sp>
-        <p:nvSpPr>
-          <p:cNvPr id="5" name="Content Placeholder 4">
-            <a:extLst>
-              <a:ext uri="{FF2B5EF4-FFF2-40B4-BE49-F238E27FC236}">
-                <a16:creationId xmlns:a16="http://schemas.microsoft.com/office/drawing/2014/main" id="{AFAB59F7-9FD5-BB1C-7B94-08AEF70BE001}"/>
-              </a:ext>
-            </a:extLst>
-          </p:cNvPr>
-          <p:cNvSpPr>
-            <a:spLocks noGrp="1"/>
-          </p:cNvSpPr>
+      <p:graphicFrame>
+        <p:nvGraphicFramePr>
+          <p:cNvPr id="8" name="Content Placeholder 7">
+            <a:extLst>
+              <a:ext uri="{FF2B5EF4-FFF2-40B4-BE49-F238E27FC236}">
+                <a16:creationId xmlns:a16="http://schemas.microsoft.com/office/drawing/2014/main" id="{C91B6332-05F6-5DF8-5679-FC001C9B68B6}"/>
+              </a:ext>
+            </a:extLst>
+          </p:cNvPr>
+          <p:cNvGraphicFramePr>
+            <a:graphicFrameLocks noGrp="1"/>
+          </p:cNvGraphicFramePr>
           <p:nvPr>
             <p:ph idx="1"/>
-          </p:nvPr>
-        </p:nvSpPr>
-        <p:spPr/>
-        <p:txBody>
-          <a:bodyPr/>
-          <a:lstStyle/>
-          <a:p>
-            <a:endParaRPr lang="en-US" dirty="0"/>
-          </a:p>
-        </p:txBody>
-      </p:sp>
+            <p:extLst>
+              <p:ext uri="{D42A27DB-BD31-4B8C-83A1-F6EECF244321}">
+                <p14:modId xmlns:p14="http://schemas.microsoft.com/office/powerpoint/2010/main" val="2507204801"/>
+              </p:ext>
+            </p:extLst>
+          </p:nvPr>
+        </p:nvGraphicFramePr>
+        <p:xfrm>
+          <a:off x="838200" y="1065403"/>
+          <a:ext cx="10515600" cy="5111560"/>
+        </p:xfrm>
+        <a:graphic>
+          <a:graphicData uri="http://schemas.openxmlformats.org/drawingml/2006/diagram">
+            <dgm:relIds xmlns:dgm="http://schemas.openxmlformats.org/drawingml/2006/diagram" xmlns:r="http://schemas.openxmlformats.org/officeDocument/2006/relationships" r:dm="rId2" r:lo="rId3" r:qs="rId4" r:cs="rId5"/>
+          </a:graphicData>
+        </a:graphic>
+      </p:graphicFrame>
     </p:spTree>
     <p:extLst>
       <p:ext uri="{BB962C8B-B14F-4D97-AF65-F5344CB8AC3E}">
@@ -3985,8 +7260,17 @@
           <a:p>
             <a:r>
               <a:rPr lang="en-US" dirty="0"/>
-              <a:t>Tableau</a:t>
-            </a:r>
+              <a:t>Tableau - </a:t>
+            </a:r>
+            <a:r>
+              <a:rPr lang="en-US" b="0" i="0" u="none" strike="noStrike" dirty="0">
+                <a:effectLst/>
+                <a:latin typeface="Slack-Lato"/>
+                <a:hlinkClick r:id="rId2"/>
+              </a:rPr>
+              <a:t>https://public.tableau.com/app/profile/jialin.huang3459/viz/CovidmortalitygroupprojectMar-2023/Story1</a:t>
+            </a:r>
+            <a:endParaRPr lang="en-US" dirty="0"/>
           </a:p>
           <a:p>
             <a:r>

--- a/Covid-presentation.pptx
+++ b/Covid-presentation.pptx
@@ -2,17 +2,20 @@
 <file path=ppt/presentation.xml><?xml version="1.0" encoding="utf-8"?>
 <p:presentation xmlns:a="http://schemas.openxmlformats.org/drawingml/2006/main" xmlns:r="http://schemas.openxmlformats.org/officeDocument/2006/relationships" xmlns:p="http://schemas.openxmlformats.org/presentationml/2006/main" saveSubsetFonts="1">
   <p:sldMasterIdLst>
-    <p:sldMasterId id="2147483648" r:id="rId1"/>
+    <p:sldMasterId id="2147484140" r:id="rId1"/>
   </p:sldMasterIdLst>
   <p:sldIdLst>
     <p:sldId id="256" r:id="rId2"/>
     <p:sldId id="258" r:id="rId3"/>
-    <p:sldId id="257" r:id="rId4"/>
-    <p:sldId id="259" r:id="rId5"/>
-    <p:sldId id="260" r:id="rId6"/>
-    <p:sldId id="261" r:id="rId7"/>
-    <p:sldId id="263" r:id="rId8"/>
-    <p:sldId id="262" r:id="rId9"/>
+    <p:sldId id="264" r:id="rId4"/>
+    <p:sldId id="268" r:id="rId5"/>
+    <p:sldId id="259" r:id="rId6"/>
+    <p:sldId id="260" r:id="rId7"/>
+    <p:sldId id="261" r:id="rId8"/>
+    <p:sldId id="267" r:id="rId9"/>
+    <p:sldId id="266" r:id="rId10"/>
+    <p:sldId id="263" r:id="rId11"/>
+    <p:sldId id="262" r:id="rId12"/>
   </p:sldIdLst>
   <p:sldSz cx="12192000" cy="6858000"/>
   <p:notesSz cx="6858000" cy="9144000"/>
@@ -20,7 +23,7 @@
     <a:defPPr>
       <a:defRPr lang="en-US"/>
     </a:defPPr>
-    <a:lvl1pPr marL="0" algn="l" defTabSz="914400" rtl="0" eaLnBrk="1" latinLnBrk="0" hangingPunct="1">
+    <a:lvl1pPr marL="0" algn="l" defTabSz="457200" rtl="0" eaLnBrk="1" latinLnBrk="0" hangingPunct="1">
       <a:defRPr sz="1800" kern="1200">
         <a:solidFill>
           <a:schemeClr val="tx1"/>
@@ -30,7 +33,7 @@
         <a:cs typeface="+mn-cs"/>
       </a:defRPr>
     </a:lvl1pPr>
-    <a:lvl2pPr marL="457200" algn="l" defTabSz="914400" rtl="0" eaLnBrk="1" latinLnBrk="0" hangingPunct="1">
+    <a:lvl2pPr marL="457200" algn="l" defTabSz="457200" rtl="0" eaLnBrk="1" latinLnBrk="0" hangingPunct="1">
       <a:defRPr sz="1800" kern="1200">
         <a:solidFill>
           <a:schemeClr val="tx1"/>
@@ -40,7 +43,7 @@
         <a:cs typeface="+mn-cs"/>
       </a:defRPr>
     </a:lvl2pPr>
-    <a:lvl3pPr marL="914400" algn="l" defTabSz="914400" rtl="0" eaLnBrk="1" latinLnBrk="0" hangingPunct="1">
+    <a:lvl3pPr marL="914400" algn="l" defTabSz="457200" rtl="0" eaLnBrk="1" latinLnBrk="0" hangingPunct="1">
       <a:defRPr sz="1800" kern="1200">
         <a:solidFill>
           <a:schemeClr val="tx1"/>
@@ -50,7 +53,7 @@
         <a:cs typeface="+mn-cs"/>
       </a:defRPr>
     </a:lvl3pPr>
-    <a:lvl4pPr marL="1371600" algn="l" defTabSz="914400" rtl="0" eaLnBrk="1" latinLnBrk="0" hangingPunct="1">
+    <a:lvl4pPr marL="1371600" algn="l" defTabSz="457200" rtl="0" eaLnBrk="1" latinLnBrk="0" hangingPunct="1">
       <a:defRPr sz="1800" kern="1200">
         <a:solidFill>
           <a:schemeClr val="tx1"/>
@@ -60,7 +63,7 @@
         <a:cs typeface="+mn-cs"/>
       </a:defRPr>
     </a:lvl4pPr>
-    <a:lvl5pPr marL="1828800" algn="l" defTabSz="914400" rtl="0" eaLnBrk="1" latinLnBrk="0" hangingPunct="1">
+    <a:lvl5pPr marL="1828800" algn="l" defTabSz="457200" rtl="0" eaLnBrk="1" latinLnBrk="0" hangingPunct="1">
       <a:defRPr sz="1800" kern="1200">
         <a:solidFill>
           <a:schemeClr val="tx1"/>
@@ -70,7 +73,7 @@
         <a:cs typeface="+mn-cs"/>
       </a:defRPr>
     </a:lvl5pPr>
-    <a:lvl6pPr marL="2286000" algn="l" defTabSz="914400" rtl="0" eaLnBrk="1" latinLnBrk="0" hangingPunct="1">
+    <a:lvl6pPr marL="2286000" algn="l" defTabSz="457200" rtl="0" eaLnBrk="1" latinLnBrk="0" hangingPunct="1">
       <a:defRPr sz="1800" kern="1200">
         <a:solidFill>
           <a:schemeClr val="tx1"/>
@@ -80,7 +83,7 @@
         <a:cs typeface="+mn-cs"/>
       </a:defRPr>
     </a:lvl6pPr>
-    <a:lvl7pPr marL="2743200" algn="l" defTabSz="914400" rtl="0" eaLnBrk="1" latinLnBrk="0" hangingPunct="1">
+    <a:lvl7pPr marL="2743200" algn="l" defTabSz="457200" rtl="0" eaLnBrk="1" latinLnBrk="0" hangingPunct="1">
       <a:defRPr sz="1800" kern="1200">
         <a:solidFill>
           <a:schemeClr val="tx1"/>
@@ -90,7 +93,7 @@
         <a:cs typeface="+mn-cs"/>
       </a:defRPr>
     </a:lvl7pPr>
-    <a:lvl8pPr marL="3200400" algn="l" defTabSz="914400" rtl="0" eaLnBrk="1" latinLnBrk="0" hangingPunct="1">
+    <a:lvl8pPr marL="3200400" algn="l" defTabSz="457200" rtl="0" eaLnBrk="1" latinLnBrk="0" hangingPunct="1">
       <a:defRPr sz="1800" kern="1200">
         <a:solidFill>
           <a:schemeClr val="tx1"/>
@@ -100,7 +103,7 @@
         <a:cs typeface="+mn-cs"/>
       </a:defRPr>
     </a:lvl8pPr>
-    <a:lvl9pPr marL="3657600" algn="l" defTabSz="914400" rtl="0" eaLnBrk="1" latinLnBrk="0" hangingPunct="1">
+    <a:lvl9pPr marL="3657600" algn="l" defTabSz="457200" rtl="0" eaLnBrk="1" latinLnBrk="0" hangingPunct="1">
       <a:defRPr sz="1800" kern="1200">
         <a:solidFill>
           <a:schemeClr val="tx1"/>
@@ -1177,7 +1180,7 @@
         <a:p>
           <a:r>
             <a:rPr lang="en-US" sz="2000" dirty="0"/>
-            <a:t>Gradient Boosted Decision Trees</a:t>
+            <a:t>Gradient Boosted Classifier</a:t>
           </a:r>
         </a:p>
       </dgm:t>
@@ -1194,6 +1197,39 @@
       </dgm:t>
     </dgm:pt>
     <dgm:pt modelId="{05C2F9A3-2EB0-4EFE-922E-72B23A06583A}" type="sibTrans" cxnId="{148FD175-0099-4756-9414-C6C9E1D1D86B}">
+      <dgm:prSet/>
+      <dgm:spPr/>
+      <dgm:t>
+        <a:bodyPr/>
+        <a:lstStyle/>
+        <a:p>
+          <a:endParaRPr lang="en-US"/>
+        </a:p>
+      </dgm:t>
+    </dgm:pt>
+    <dgm:pt modelId="{578D2115-9907-4716-B340-E2C6682C5764}">
+      <dgm:prSet phldrT="[Text]" custT="1"/>
+      <dgm:spPr/>
+      <dgm:t>
+        <a:bodyPr/>
+        <a:lstStyle/>
+        <a:p>
+          <a:endParaRPr lang="en-US" sz="2000" dirty="0"/>
+        </a:p>
+      </dgm:t>
+    </dgm:pt>
+    <dgm:pt modelId="{47FBB15D-5F2E-4E93-98BC-47B7F9537301}" type="parTrans" cxnId="{A4ACAA4F-969C-4495-989D-2291DF0490F5}">
+      <dgm:prSet/>
+      <dgm:spPr/>
+      <dgm:t>
+        <a:bodyPr/>
+        <a:lstStyle/>
+        <a:p>
+          <a:endParaRPr lang="en-US"/>
+        </a:p>
+      </dgm:t>
+    </dgm:pt>
+    <dgm:pt modelId="{AD5C64FE-6C95-45BC-A5E8-AD930187B264}" type="sibTrans" cxnId="{A4ACAA4F-969C-4495-989D-2291DF0490F5}">
       <dgm:prSet/>
       <dgm:spPr/>
       <dgm:t>
@@ -1319,6 +1355,7 @@
     <dgm:cxn modelId="{BA6A316B-B8EB-468E-82C1-575C4103726E}" type="presOf" srcId="{2208EC46-6FB2-4F5D-BF8F-E45CE4B7CB35}" destId="{D3255184-DF3D-4DF6-8AA1-4E59BA9739C8}" srcOrd="0" destOrd="0" presId="urn:microsoft.com/office/officeart/2005/8/layout/process3"/>
     <dgm:cxn modelId="{D3E7EF4D-8C18-4144-AB6C-EE6306FDDB9F}" type="presOf" srcId="{0115AE38-3A08-452C-BFAC-6A05AA42F7B4}" destId="{120C8EEC-9108-4527-A160-3D0E65459561}" srcOrd="1" destOrd="0" presId="urn:microsoft.com/office/officeart/2005/8/layout/process3"/>
     <dgm:cxn modelId="{3735F96D-1464-44C0-A89F-06FDD4B67714}" srcId="{16B80A3D-52DA-4F6D-86CC-4F773D674D5C}" destId="{53F18907-8FC7-49A9-A76B-F89790E6D523}" srcOrd="0" destOrd="0" parTransId="{073ECCC3-16E1-4255-B9E4-7ECE40FCFCC0}" sibTransId="{6DCE771D-3A03-4CA0-BA1D-EF5A52083249}"/>
+    <dgm:cxn modelId="{A4ACAA4F-969C-4495-989D-2291DF0490F5}" srcId="{0115AE38-3A08-452C-BFAC-6A05AA42F7B4}" destId="{578D2115-9907-4716-B340-E2C6682C5764}" srcOrd="4" destOrd="0" parTransId="{47FBB15D-5F2E-4E93-98BC-47B7F9537301}" sibTransId="{AD5C64FE-6C95-45BC-A5E8-AD930187B264}"/>
     <dgm:cxn modelId="{07E03652-843C-4116-B531-6EFB2AAB06FA}" type="presOf" srcId="{16B80A3D-52DA-4F6D-86CC-4F773D674D5C}" destId="{06FF1738-84F2-4DD3-A185-B99CD790AF3F}" srcOrd="0" destOrd="0" presId="urn:microsoft.com/office/officeart/2005/8/layout/process3"/>
     <dgm:cxn modelId="{7303B674-941D-4AB2-A45C-B9A3278C5A61}" srcId="{0115AE38-3A08-452C-BFAC-6A05AA42F7B4}" destId="{FB5DBA0E-EDB6-4C89-A93B-256B8C50C69D}" srcOrd="3" destOrd="0" parTransId="{BC26559D-231C-4DA4-8C53-AE2A011477A7}" sibTransId="{2CBAB413-DAC6-476E-AB86-351B14BFB930}"/>
     <dgm:cxn modelId="{148FD175-0099-4756-9414-C6C9E1D1D86B}" srcId="{0115AE38-3A08-452C-BFAC-6A05AA42F7B4}" destId="{3E1D94F6-0B9B-43FD-99F6-DF54BB710C9A}" srcOrd="2" destOrd="0" parTransId="{88207013-6DA0-422F-8C6C-EF4BB8A82B9F}" sibTransId="{05C2F9A3-2EB0-4EFE-922E-72B23A06583A}"/>
@@ -1330,6 +1367,7 @@
     <dgm:cxn modelId="{5978FDAD-0FD9-4940-8D5B-108040D2CFE3}" type="presOf" srcId="{03BFF466-4E72-49ED-A850-6BDF9B70374F}" destId="{BCD95A1F-8E4E-4898-94B9-C45D12467B62}" srcOrd="0" destOrd="0" presId="urn:microsoft.com/office/officeart/2005/8/layout/process3"/>
     <dgm:cxn modelId="{6CA356B6-86FE-4047-B1BD-6E6AA4D73DBE}" srcId="{C7758AE2-21D1-4034-A6CC-2F37A718E689}" destId="{0115AE38-3A08-452C-BFAC-6A05AA42F7B4}" srcOrd="1" destOrd="0" parTransId="{3729A896-4346-4446-A548-9C70D06AAF22}" sibTransId="{BB34DF71-978B-4F1D-B420-43B67C190053}"/>
     <dgm:cxn modelId="{BE6DC4BE-2200-493D-81A6-E8150681838B}" type="presOf" srcId="{F9E2FF57-3D41-4F99-B0FE-4B6EB436F6AA}" destId="{868D427F-B857-42DC-A346-049BB2809EC0}" srcOrd="1" destOrd="0" presId="urn:microsoft.com/office/officeart/2005/8/layout/process3"/>
+    <dgm:cxn modelId="{CB8B81C7-0C7E-43F0-98AC-7759A974E4C6}" type="presOf" srcId="{578D2115-9907-4716-B340-E2C6682C5764}" destId="{BCD95A1F-8E4E-4898-94B9-C45D12467B62}" srcOrd="0" destOrd="4" presId="urn:microsoft.com/office/officeart/2005/8/layout/process3"/>
     <dgm:cxn modelId="{069D7DC8-C8DA-45F2-896F-53969FB5B5C4}" type="presOf" srcId="{98F287EC-2160-43DB-A5EB-FBE5F0FFC2A2}" destId="{53705804-AE88-4C37-BEBC-01451DF32F9A}" srcOrd="1" destOrd="0" presId="urn:microsoft.com/office/officeart/2005/8/layout/process3"/>
     <dgm:cxn modelId="{35F841CC-A4E3-4DF6-A6BD-456AE617B0B6}" type="presOf" srcId="{F9E2FF57-3D41-4F99-B0FE-4B6EB436F6AA}" destId="{BDCBC2F0-5A3A-427B-BB00-098568A2DD2F}" srcOrd="0" destOrd="0" presId="urn:microsoft.com/office/officeart/2005/8/layout/process3"/>
     <dgm:cxn modelId="{6F19CBCE-5324-42E9-BD7A-04ACB6A9BF91}" type="presOf" srcId="{98F287EC-2160-43DB-A5EB-FBE5F0FFC2A2}" destId="{1C479592-B8C3-4A64-B6BE-C0C8EC1D389F}" srcOrd="0" destOrd="0" presId="urn:microsoft.com/office/officeart/2005/8/layout/process3"/>
@@ -1378,7 +1416,7 @@
       </dsp:nvSpPr>
       <dsp:spPr>
         <a:xfrm>
-          <a:off x="5230" y="813900"/>
+          <a:off x="5230" y="662700"/>
           <a:ext cx="2378024" cy="1402439"/>
         </a:xfrm>
         <a:prstGeom prst="roundRect">
@@ -1447,7 +1485,7 @@
         </a:p>
       </dsp:txBody>
       <dsp:txXfrm>
-        <a:off x="5230" y="813900"/>
+        <a:off x="5230" y="662700"/>
         <a:ext cx="2378024" cy="934959"/>
       </dsp:txXfrm>
     </dsp:sp>
@@ -1458,8 +1496,8 @@
       </dsp:nvSpPr>
       <dsp:spPr>
         <a:xfrm>
-          <a:off x="492295" y="1748859"/>
-          <a:ext cx="2378024" cy="2548800"/>
+          <a:off x="492295" y="1597659"/>
+          <a:ext cx="2378024" cy="2851200"/>
         </a:xfrm>
         <a:prstGeom prst="roundRect">
           <a:avLst>
@@ -1526,8 +1564,8 @@
         </a:p>
       </dsp:txBody>
       <dsp:txXfrm>
-        <a:off x="561945" y="1818509"/>
-        <a:ext cx="2238724" cy="2409500"/>
+        <a:off x="561945" y="1667309"/>
+        <a:ext cx="2238724" cy="2711900"/>
       </dsp:txXfrm>
     </dsp:sp>
     <dsp:sp modelId="{BDCBC2F0-5A3A-427B-BB00-098568A2DD2F}">
@@ -1537,7 +1575,7 @@
       </dsp:nvSpPr>
       <dsp:spPr>
         <a:xfrm>
-          <a:off x="2743754" y="985350"/>
+          <a:off x="2743754" y="834150"/>
           <a:ext cx="764259" cy="592059"/>
         </a:xfrm>
         <a:prstGeom prst="rightArrow">
@@ -1596,7 +1634,7 @@
         </a:p>
       </dsp:txBody>
       <dsp:txXfrm>
-        <a:off x="2743754" y="1103762"/>
+        <a:off x="2743754" y="952562"/>
         <a:ext cx="586641" cy="355235"/>
       </dsp:txXfrm>
     </dsp:sp>
@@ -1607,7 +1645,7 @@
       </dsp:nvSpPr>
       <dsp:spPr>
         <a:xfrm>
-          <a:off x="3825254" y="813900"/>
+          <a:off x="3825254" y="662700"/>
           <a:ext cx="2378024" cy="1402439"/>
         </a:xfrm>
         <a:prstGeom prst="roundRect">
@@ -1676,7 +1714,7 @@
         </a:p>
       </dsp:txBody>
       <dsp:txXfrm>
-        <a:off x="3825254" y="813900"/>
+        <a:off x="3825254" y="662700"/>
         <a:ext cx="2378024" cy="934959"/>
       </dsp:txXfrm>
     </dsp:sp>
@@ -1687,8 +1725,8 @@
       </dsp:nvSpPr>
       <dsp:spPr>
         <a:xfrm>
-          <a:off x="4312320" y="1748859"/>
-          <a:ext cx="2378024" cy="2548800"/>
+          <a:off x="4312320" y="1597659"/>
+          <a:ext cx="2378024" cy="2851200"/>
         </a:xfrm>
         <a:prstGeom prst="roundRect">
           <a:avLst>
@@ -1786,7 +1824,7 @@
           </a:pPr>
           <a:r>
             <a:rPr lang="en-US" sz="2000" kern="1200" dirty="0"/>
-            <a:t>Gradient Boosted Decision Trees</a:t>
+            <a:t>Gradient Boosted Classifier</a:t>
           </a:r>
         </a:p>
         <a:p>
@@ -1807,10 +1845,25 @@
             <a:t>Logistic Regression</a:t>
           </a:r>
         </a:p>
+        <a:p>
+          <a:pPr marL="228600" lvl="1" indent="-228600" algn="l" defTabSz="889000">
+            <a:lnSpc>
+              <a:spcPct val="90000"/>
+            </a:lnSpc>
+            <a:spcBef>
+              <a:spcPct val="0"/>
+            </a:spcBef>
+            <a:spcAft>
+              <a:spcPct val="15000"/>
+            </a:spcAft>
+            <a:buChar char="•"/>
+          </a:pPr>
+          <a:endParaRPr lang="en-US" sz="2000" kern="1200" dirty="0"/>
+        </a:p>
       </dsp:txBody>
       <dsp:txXfrm>
-        <a:off x="4381970" y="1818509"/>
-        <a:ext cx="2238724" cy="2409500"/>
+        <a:off x="4381970" y="1667309"/>
+        <a:ext cx="2238724" cy="2711900"/>
       </dsp:txXfrm>
     </dsp:sp>
     <dsp:sp modelId="{FB9795C0-4CF4-4356-BCF2-FBE771713560}">
@@ -1820,7 +1873,7 @@
       </dsp:nvSpPr>
       <dsp:spPr>
         <a:xfrm>
-          <a:off x="6563779" y="985350"/>
+          <a:off x="6563779" y="834150"/>
           <a:ext cx="764259" cy="592059"/>
         </a:xfrm>
         <a:prstGeom prst="rightArrow">
@@ -1879,7 +1932,7 @@
         </a:p>
       </dsp:txBody>
       <dsp:txXfrm>
-        <a:off x="6563779" y="1103762"/>
+        <a:off x="6563779" y="952562"/>
         <a:ext cx="586641" cy="355235"/>
       </dsp:txXfrm>
     </dsp:sp>
@@ -1890,7 +1943,7 @@
       </dsp:nvSpPr>
       <dsp:spPr>
         <a:xfrm>
-          <a:off x="7645279" y="813900"/>
+          <a:off x="7645279" y="662700"/>
           <a:ext cx="2378024" cy="1402439"/>
         </a:xfrm>
         <a:prstGeom prst="roundRect">
@@ -1959,7 +2012,7 @@
         </a:p>
       </dsp:txBody>
       <dsp:txXfrm>
-        <a:off x="7645279" y="813900"/>
+        <a:off x="7645279" y="662700"/>
         <a:ext cx="2378024" cy="934959"/>
       </dsp:txXfrm>
     </dsp:sp>
@@ -1970,8 +2023,8 @@
       </dsp:nvSpPr>
       <dsp:spPr>
         <a:xfrm>
-          <a:off x="8132345" y="1748859"/>
-          <a:ext cx="2378024" cy="2548800"/>
+          <a:off x="8132345" y="1597659"/>
+          <a:ext cx="2378024" cy="2851200"/>
         </a:xfrm>
         <a:prstGeom prst="roundRect">
           <a:avLst>
@@ -2038,8 +2091,8 @@
         </a:p>
       </dsp:txBody>
       <dsp:txXfrm>
-        <a:off x="8201995" y="1818509"/>
-        <a:ext cx="2238724" cy="2409500"/>
+        <a:off x="8201995" y="1667309"/>
+        <a:ext cx="2238724" cy="2711900"/>
       </dsp:txXfrm>
     </dsp:sp>
   </dsp:spTree>
@@ -3400,13 +3453,7 @@
       </p:grpSpPr>
       <p:sp>
         <p:nvSpPr>
-          <p:cNvPr id="2" name="Title 1">
-            <a:extLst>
-              <a:ext uri="{FF2B5EF4-FFF2-40B4-BE49-F238E27FC236}">
-                <a16:creationId xmlns:a16="http://schemas.microsoft.com/office/drawing/2014/main" id="{2E00BA2D-CB26-9FB6-34FC-3A17AC09BBA6}"/>
-              </a:ext>
-            </a:extLst>
-          </p:cNvPr>
+          <p:cNvPr id="2" name="Title 1"/>
           <p:cNvSpPr>
             <a:spLocks noGrp="1"/>
           </p:cNvSpPr>
@@ -3432,18 +3479,13 @@
               <a:rPr lang="en-US"/>
               <a:t>Click to edit Master title style</a:t>
             </a:r>
+            <a:endParaRPr lang="en-US" dirty="0"/>
           </a:p>
         </p:txBody>
       </p:sp>
       <p:sp>
         <p:nvSpPr>
-          <p:cNvPr id="3" name="Subtitle 2">
-            <a:extLst>
-              <a:ext uri="{FF2B5EF4-FFF2-40B4-BE49-F238E27FC236}">
-                <a16:creationId xmlns:a16="http://schemas.microsoft.com/office/drawing/2014/main" id="{1EF13E30-8B16-4BD7-C7CD-7B3409F20351}"/>
-              </a:ext>
-            </a:extLst>
-          </p:cNvPr>
+          <p:cNvPr id="3" name="Subtitle 2"/>
           <p:cNvSpPr>
             <a:spLocks noGrp="1"/>
           </p:cNvSpPr>
@@ -3502,18 +3544,13 @@
               <a:rPr lang="en-US"/>
               <a:t>Click to edit Master subtitle style</a:t>
             </a:r>
+            <a:endParaRPr lang="en-US" dirty="0"/>
           </a:p>
         </p:txBody>
       </p:sp>
       <p:sp>
         <p:nvSpPr>
-          <p:cNvPr id="4" name="Date Placeholder 3">
-            <a:extLst>
-              <a:ext uri="{FF2B5EF4-FFF2-40B4-BE49-F238E27FC236}">
-                <a16:creationId xmlns:a16="http://schemas.microsoft.com/office/drawing/2014/main" id="{C02DD284-0B05-75C4-FBA9-4EF7DA03E58E}"/>
-              </a:ext>
-            </a:extLst>
-          </p:cNvPr>
+          <p:cNvPr id="4" name="Date Placeholder 3"/>
           <p:cNvSpPr>
             <a:spLocks noGrp="1"/>
           </p:cNvSpPr>
@@ -3528,7 +3565,7 @@
           <a:p>
             <a:fld id="{B666EFF6-080E-41F7-9298-0B328C0F486D}" type="datetimeFigureOut">
               <a:rPr lang="en-US" smtClean="0"/>
-              <a:t>3/14/2023</a:t>
+              <a:t>3/16/2023</a:t>
             </a:fld>
             <a:endParaRPr lang="en-US"/>
           </a:p>
@@ -3536,13 +3573,7 @@
       </p:sp>
       <p:sp>
         <p:nvSpPr>
-          <p:cNvPr id="5" name="Footer Placeholder 4">
-            <a:extLst>
-              <a:ext uri="{FF2B5EF4-FFF2-40B4-BE49-F238E27FC236}">
-                <a16:creationId xmlns:a16="http://schemas.microsoft.com/office/drawing/2014/main" id="{F24E3192-8C24-FEDB-23F7-E14D63DA4A5E}"/>
-              </a:ext>
-            </a:extLst>
-          </p:cNvPr>
+          <p:cNvPr id="5" name="Footer Placeholder 4"/>
           <p:cNvSpPr>
             <a:spLocks noGrp="1"/>
           </p:cNvSpPr>
@@ -3561,13 +3592,7 @@
       </p:sp>
       <p:sp>
         <p:nvSpPr>
-          <p:cNvPr id="6" name="Slide Number Placeholder 5">
-            <a:extLst>
-              <a:ext uri="{FF2B5EF4-FFF2-40B4-BE49-F238E27FC236}">
-                <a16:creationId xmlns:a16="http://schemas.microsoft.com/office/drawing/2014/main" id="{2307266A-363B-78EB-CA14-D0E771078A1A}"/>
-              </a:ext>
-            </a:extLst>
-          </p:cNvPr>
+          <p:cNvPr id="6" name="Slide Number Placeholder 5"/>
           <p:cNvSpPr>
             <a:spLocks noGrp="1"/>
           </p:cNvSpPr>
@@ -3591,7 +3616,7 @@
     </p:spTree>
     <p:extLst>
       <p:ext uri="{BB962C8B-B14F-4D97-AF65-F5344CB8AC3E}">
-        <p14:creationId xmlns:p14="http://schemas.microsoft.com/office/powerpoint/2010/main" val="2919401617"/>
+        <p14:creationId xmlns:p14="http://schemas.microsoft.com/office/powerpoint/2010/main" val="1703399987"/>
       </p:ext>
     </p:extLst>
   </p:cSld>
@@ -3620,13 +3645,7 @@
       </p:grpSpPr>
       <p:sp>
         <p:nvSpPr>
-          <p:cNvPr id="2" name="Title 1">
-            <a:extLst>
-              <a:ext uri="{FF2B5EF4-FFF2-40B4-BE49-F238E27FC236}">
-                <a16:creationId xmlns:a16="http://schemas.microsoft.com/office/drawing/2014/main" id="{009CAE0C-4025-2B34-81F0-261B8DB7B184}"/>
-              </a:ext>
-            </a:extLst>
-          </p:cNvPr>
+          <p:cNvPr id="2" name="Title 1"/>
           <p:cNvSpPr>
             <a:spLocks noGrp="1"/>
           </p:cNvSpPr>
@@ -3643,18 +3662,13 @@
               <a:rPr lang="en-US"/>
               <a:t>Click to edit Master title style</a:t>
             </a:r>
+            <a:endParaRPr lang="en-US" dirty="0"/>
           </a:p>
         </p:txBody>
       </p:sp>
       <p:sp>
         <p:nvSpPr>
-          <p:cNvPr id="3" name="Vertical Text Placeholder 2">
-            <a:extLst>
-              <a:ext uri="{FF2B5EF4-FFF2-40B4-BE49-F238E27FC236}">
-                <a16:creationId xmlns:a16="http://schemas.microsoft.com/office/drawing/2014/main" id="{82B35476-B923-9725-5A06-6A77074B0B74}"/>
-              </a:ext>
-            </a:extLst>
-          </p:cNvPr>
+          <p:cNvPr id="3" name="Vertical Text Placeholder 2"/>
           <p:cNvSpPr>
             <a:spLocks noGrp="1"/>
           </p:cNvSpPr>
@@ -3700,18 +3714,13 @@
               <a:rPr lang="en-US"/>
               <a:t>Fifth level</a:t>
             </a:r>
+            <a:endParaRPr lang="en-US" dirty="0"/>
           </a:p>
         </p:txBody>
       </p:sp>
       <p:sp>
         <p:nvSpPr>
-          <p:cNvPr id="4" name="Date Placeholder 3">
-            <a:extLst>
-              <a:ext uri="{FF2B5EF4-FFF2-40B4-BE49-F238E27FC236}">
-                <a16:creationId xmlns:a16="http://schemas.microsoft.com/office/drawing/2014/main" id="{BA8638BF-A434-6B6F-D12B-B769B3D7B124}"/>
-              </a:ext>
-            </a:extLst>
-          </p:cNvPr>
+          <p:cNvPr id="4" name="Date Placeholder 3"/>
           <p:cNvSpPr>
             <a:spLocks noGrp="1"/>
           </p:cNvSpPr>
@@ -3726,7 +3735,7 @@
           <a:p>
             <a:fld id="{B666EFF6-080E-41F7-9298-0B328C0F486D}" type="datetimeFigureOut">
               <a:rPr lang="en-US" smtClean="0"/>
-              <a:t>3/14/2023</a:t>
+              <a:t>3/16/2023</a:t>
             </a:fld>
             <a:endParaRPr lang="en-US"/>
           </a:p>
@@ -3734,13 +3743,7 @@
       </p:sp>
       <p:sp>
         <p:nvSpPr>
-          <p:cNvPr id="5" name="Footer Placeholder 4">
-            <a:extLst>
-              <a:ext uri="{FF2B5EF4-FFF2-40B4-BE49-F238E27FC236}">
-                <a16:creationId xmlns:a16="http://schemas.microsoft.com/office/drawing/2014/main" id="{7382016B-B4E7-8031-21EE-73645DF15B39}"/>
-              </a:ext>
-            </a:extLst>
-          </p:cNvPr>
+          <p:cNvPr id="5" name="Footer Placeholder 4"/>
           <p:cNvSpPr>
             <a:spLocks noGrp="1"/>
           </p:cNvSpPr>
@@ -3759,13 +3762,7 @@
       </p:sp>
       <p:sp>
         <p:nvSpPr>
-          <p:cNvPr id="6" name="Slide Number Placeholder 5">
-            <a:extLst>
-              <a:ext uri="{FF2B5EF4-FFF2-40B4-BE49-F238E27FC236}">
-                <a16:creationId xmlns:a16="http://schemas.microsoft.com/office/drawing/2014/main" id="{DEE438B2-A6D2-2355-C047-290AC38EE7D9}"/>
-              </a:ext>
-            </a:extLst>
-          </p:cNvPr>
+          <p:cNvPr id="6" name="Slide Number Placeholder 5"/>
           <p:cNvSpPr>
             <a:spLocks noGrp="1"/>
           </p:cNvSpPr>
@@ -3789,7 +3786,7 @@
     </p:spTree>
     <p:extLst>
       <p:ext uri="{BB962C8B-B14F-4D97-AF65-F5344CB8AC3E}">
-        <p14:creationId xmlns:p14="http://schemas.microsoft.com/office/powerpoint/2010/main" val="1749114571"/>
+        <p14:creationId xmlns:p14="http://schemas.microsoft.com/office/powerpoint/2010/main" val="3611461035"/>
       </p:ext>
     </p:extLst>
   </p:cSld>
@@ -3818,13 +3815,7 @@
       </p:grpSpPr>
       <p:sp>
         <p:nvSpPr>
-          <p:cNvPr id="2" name="Vertical Title 1">
-            <a:extLst>
-              <a:ext uri="{FF2B5EF4-FFF2-40B4-BE49-F238E27FC236}">
-                <a16:creationId xmlns:a16="http://schemas.microsoft.com/office/drawing/2014/main" id="{4038E1CF-41E6-7EA6-530F-DDACD27CBCD0}"/>
-              </a:ext>
-            </a:extLst>
-          </p:cNvPr>
+          <p:cNvPr id="2" name="Vertical Title 1"/>
           <p:cNvSpPr>
             <a:spLocks noGrp="1"/>
           </p:cNvSpPr>
@@ -3846,18 +3837,13 @@
               <a:rPr lang="en-US"/>
               <a:t>Click to edit Master title style</a:t>
             </a:r>
+            <a:endParaRPr lang="en-US" dirty="0"/>
           </a:p>
         </p:txBody>
       </p:sp>
       <p:sp>
         <p:nvSpPr>
-          <p:cNvPr id="3" name="Vertical Text Placeholder 2">
-            <a:extLst>
-              <a:ext uri="{FF2B5EF4-FFF2-40B4-BE49-F238E27FC236}">
-                <a16:creationId xmlns:a16="http://schemas.microsoft.com/office/drawing/2014/main" id="{24143636-1E3B-F02C-08D7-239443CAFE53}"/>
-              </a:ext>
-            </a:extLst>
-          </p:cNvPr>
+          <p:cNvPr id="3" name="Vertical Text Placeholder 2"/>
           <p:cNvSpPr>
             <a:spLocks noGrp="1"/>
           </p:cNvSpPr>
@@ -3908,18 +3894,13 @@
               <a:rPr lang="en-US"/>
               <a:t>Fifth level</a:t>
             </a:r>
+            <a:endParaRPr lang="en-US" dirty="0"/>
           </a:p>
         </p:txBody>
       </p:sp>
       <p:sp>
         <p:nvSpPr>
-          <p:cNvPr id="4" name="Date Placeholder 3">
-            <a:extLst>
-              <a:ext uri="{FF2B5EF4-FFF2-40B4-BE49-F238E27FC236}">
-                <a16:creationId xmlns:a16="http://schemas.microsoft.com/office/drawing/2014/main" id="{8CFFA2E9-AD0B-5B3C-B50C-F130252F0CFF}"/>
-              </a:ext>
-            </a:extLst>
-          </p:cNvPr>
+          <p:cNvPr id="4" name="Date Placeholder 3"/>
           <p:cNvSpPr>
             <a:spLocks noGrp="1"/>
           </p:cNvSpPr>
@@ -3934,7 +3915,7 @@
           <a:p>
             <a:fld id="{B666EFF6-080E-41F7-9298-0B328C0F486D}" type="datetimeFigureOut">
               <a:rPr lang="en-US" smtClean="0"/>
-              <a:t>3/14/2023</a:t>
+              <a:t>3/16/2023</a:t>
             </a:fld>
             <a:endParaRPr lang="en-US"/>
           </a:p>
@@ -3942,13 +3923,7 @@
       </p:sp>
       <p:sp>
         <p:nvSpPr>
-          <p:cNvPr id="5" name="Footer Placeholder 4">
-            <a:extLst>
-              <a:ext uri="{FF2B5EF4-FFF2-40B4-BE49-F238E27FC236}">
-                <a16:creationId xmlns:a16="http://schemas.microsoft.com/office/drawing/2014/main" id="{95790472-B09E-FE53-E91F-4A174D72DFD5}"/>
-              </a:ext>
-            </a:extLst>
-          </p:cNvPr>
+          <p:cNvPr id="5" name="Footer Placeholder 4"/>
           <p:cNvSpPr>
             <a:spLocks noGrp="1"/>
           </p:cNvSpPr>
@@ -3967,13 +3942,7 @@
       </p:sp>
       <p:sp>
         <p:nvSpPr>
-          <p:cNvPr id="6" name="Slide Number Placeholder 5">
-            <a:extLst>
-              <a:ext uri="{FF2B5EF4-FFF2-40B4-BE49-F238E27FC236}">
-                <a16:creationId xmlns:a16="http://schemas.microsoft.com/office/drawing/2014/main" id="{26D37B4D-511E-0546-671E-D67D5B0B8E59}"/>
-              </a:ext>
-            </a:extLst>
-          </p:cNvPr>
+          <p:cNvPr id="6" name="Slide Number Placeholder 5"/>
           <p:cNvSpPr>
             <a:spLocks noGrp="1"/>
           </p:cNvSpPr>
@@ -3997,7 +3966,7 @@
     </p:spTree>
     <p:extLst>
       <p:ext uri="{BB962C8B-B14F-4D97-AF65-F5344CB8AC3E}">
-        <p14:creationId xmlns:p14="http://schemas.microsoft.com/office/powerpoint/2010/main" val="286105649"/>
+        <p14:creationId xmlns:p14="http://schemas.microsoft.com/office/powerpoint/2010/main" val="953819509"/>
       </p:ext>
     </p:extLst>
   </p:cSld>
@@ -4026,13 +3995,7 @@
       </p:grpSpPr>
       <p:sp>
         <p:nvSpPr>
-          <p:cNvPr id="2" name="Title 1">
-            <a:extLst>
-              <a:ext uri="{FF2B5EF4-FFF2-40B4-BE49-F238E27FC236}">
-                <a16:creationId xmlns:a16="http://schemas.microsoft.com/office/drawing/2014/main" id="{D6A65264-13F8-E1FC-20B7-63D68ABFD807}"/>
-              </a:ext>
-            </a:extLst>
-          </p:cNvPr>
+          <p:cNvPr id="2" name="Title 1"/>
           <p:cNvSpPr>
             <a:spLocks noGrp="1"/>
           </p:cNvSpPr>
@@ -4049,18 +4012,13 @@
               <a:rPr lang="en-US"/>
               <a:t>Click to edit Master title style</a:t>
             </a:r>
+            <a:endParaRPr lang="en-US" dirty="0"/>
           </a:p>
         </p:txBody>
       </p:sp>
       <p:sp>
         <p:nvSpPr>
-          <p:cNvPr id="3" name="Content Placeholder 2">
-            <a:extLst>
-              <a:ext uri="{FF2B5EF4-FFF2-40B4-BE49-F238E27FC236}">
-                <a16:creationId xmlns:a16="http://schemas.microsoft.com/office/drawing/2014/main" id="{C0D90C4A-43B0-26C3-ADCA-09E8F305E6CC}"/>
-              </a:ext>
-            </a:extLst>
-          </p:cNvPr>
+          <p:cNvPr id="3" name="Content Placeholder 2"/>
           <p:cNvSpPr>
             <a:spLocks noGrp="1"/>
           </p:cNvSpPr>
@@ -4106,18 +4064,13 @@
               <a:rPr lang="en-US"/>
               <a:t>Fifth level</a:t>
             </a:r>
+            <a:endParaRPr lang="en-US" dirty="0"/>
           </a:p>
         </p:txBody>
       </p:sp>
       <p:sp>
         <p:nvSpPr>
-          <p:cNvPr id="4" name="Date Placeholder 3">
-            <a:extLst>
-              <a:ext uri="{FF2B5EF4-FFF2-40B4-BE49-F238E27FC236}">
-                <a16:creationId xmlns:a16="http://schemas.microsoft.com/office/drawing/2014/main" id="{1E962563-F222-A267-E73C-EE43337BB56C}"/>
-              </a:ext>
-            </a:extLst>
-          </p:cNvPr>
+          <p:cNvPr id="4" name="Date Placeholder 3"/>
           <p:cNvSpPr>
             <a:spLocks noGrp="1"/>
           </p:cNvSpPr>
@@ -4132,7 +4085,7 @@
           <a:p>
             <a:fld id="{B666EFF6-080E-41F7-9298-0B328C0F486D}" type="datetimeFigureOut">
               <a:rPr lang="en-US" smtClean="0"/>
-              <a:t>3/14/2023</a:t>
+              <a:t>3/16/2023</a:t>
             </a:fld>
             <a:endParaRPr lang="en-US"/>
           </a:p>
@@ -4140,13 +4093,7 @@
       </p:sp>
       <p:sp>
         <p:nvSpPr>
-          <p:cNvPr id="5" name="Footer Placeholder 4">
-            <a:extLst>
-              <a:ext uri="{FF2B5EF4-FFF2-40B4-BE49-F238E27FC236}">
-                <a16:creationId xmlns:a16="http://schemas.microsoft.com/office/drawing/2014/main" id="{52FD1DF9-3C8D-3CEB-DAA9-8772D3C44F29}"/>
-              </a:ext>
-            </a:extLst>
-          </p:cNvPr>
+          <p:cNvPr id="5" name="Footer Placeholder 4"/>
           <p:cNvSpPr>
             <a:spLocks noGrp="1"/>
           </p:cNvSpPr>
@@ -4165,13 +4112,7 @@
       </p:sp>
       <p:sp>
         <p:nvSpPr>
-          <p:cNvPr id="6" name="Slide Number Placeholder 5">
-            <a:extLst>
-              <a:ext uri="{FF2B5EF4-FFF2-40B4-BE49-F238E27FC236}">
-                <a16:creationId xmlns:a16="http://schemas.microsoft.com/office/drawing/2014/main" id="{1B9D593C-A1D8-45AE-84C4-69E8FD179C5A}"/>
-              </a:ext>
-            </a:extLst>
-          </p:cNvPr>
+          <p:cNvPr id="6" name="Slide Number Placeholder 5"/>
           <p:cNvSpPr>
             <a:spLocks noGrp="1"/>
           </p:cNvSpPr>
@@ -4195,7 +4136,7 @@
     </p:spTree>
     <p:extLst>
       <p:ext uri="{BB962C8B-B14F-4D97-AF65-F5344CB8AC3E}">
-        <p14:creationId xmlns:p14="http://schemas.microsoft.com/office/powerpoint/2010/main" val="424330076"/>
+        <p14:creationId xmlns:p14="http://schemas.microsoft.com/office/powerpoint/2010/main" val="1986464206"/>
       </p:ext>
     </p:extLst>
   </p:cSld>
@@ -4224,13 +4165,7 @@
       </p:grpSpPr>
       <p:sp>
         <p:nvSpPr>
-          <p:cNvPr id="2" name="Title 1">
-            <a:extLst>
-              <a:ext uri="{FF2B5EF4-FFF2-40B4-BE49-F238E27FC236}">
-                <a16:creationId xmlns:a16="http://schemas.microsoft.com/office/drawing/2014/main" id="{972C6F06-4229-C932-58FC-3AD53C5A6450}"/>
-              </a:ext>
-            </a:extLst>
-          </p:cNvPr>
+          <p:cNvPr id="2" name="Title 1"/>
           <p:cNvSpPr>
             <a:spLocks noGrp="1"/>
           </p:cNvSpPr>
@@ -4256,18 +4191,13 @@
               <a:rPr lang="en-US"/>
               <a:t>Click to edit Master title style</a:t>
             </a:r>
+            <a:endParaRPr lang="en-US" dirty="0"/>
           </a:p>
         </p:txBody>
       </p:sp>
       <p:sp>
         <p:nvSpPr>
-          <p:cNvPr id="3" name="Text Placeholder 2">
-            <a:extLst>
-              <a:ext uri="{FF2B5EF4-FFF2-40B4-BE49-F238E27FC236}">
-                <a16:creationId xmlns:a16="http://schemas.microsoft.com/office/drawing/2014/main" id="{07207D9D-5554-5632-6CB6-A2371AC29595}"/>
-              </a:ext>
-            </a:extLst>
-          </p:cNvPr>
+          <p:cNvPr id="3" name="Text Placeholder 2"/>
           <p:cNvSpPr>
             <a:spLocks noGrp="1"/>
           </p:cNvSpPr>
@@ -4386,13 +4316,7 @@
       </p:sp>
       <p:sp>
         <p:nvSpPr>
-          <p:cNvPr id="4" name="Date Placeholder 3">
-            <a:extLst>
-              <a:ext uri="{FF2B5EF4-FFF2-40B4-BE49-F238E27FC236}">
-                <a16:creationId xmlns:a16="http://schemas.microsoft.com/office/drawing/2014/main" id="{5A481520-94EE-18A3-E519-711EF1CCFFF5}"/>
-              </a:ext>
-            </a:extLst>
-          </p:cNvPr>
+          <p:cNvPr id="4" name="Date Placeholder 3"/>
           <p:cNvSpPr>
             <a:spLocks noGrp="1"/>
           </p:cNvSpPr>
@@ -4407,7 +4331,7 @@
           <a:p>
             <a:fld id="{B666EFF6-080E-41F7-9298-0B328C0F486D}" type="datetimeFigureOut">
               <a:rPr lang="en-US" smtClean="0"/>
-              <a:t>3/14/2023</a:t>
+              <a:t>3/16/2023</a:t>
             </a:fld>
             <a:endParaRPr lang="en-US"/>
           </a:p>
@@ -4415,13 +4339,7 @@
       </p:sp>
       <p:sp>
         <p:nvSpPr>
-          <p:cNvPr id="5" name="Footer Placeholder 4">
-            <a:extLst>
-              <a:ext uri="{FF2B5EF4-FFF2-40B4-BE49-F238E27FC236}">
-                <a16:creationId xmlns:a16="http://schemas.microsoft.com/office/drawing/2014/main" id="{7E39F893-5F40-9ED5-C28D-32E6FA7DFB36}"/>
-              </a:ext>
-            </a:extLst>
-          </p:cNvPr>
+          <p:cNvPr id="5" name="Footer Placeholder 4"/>
           <p:cNvSpPr>
             <a:spLocks noGrp="1"/>
           </p:cNvSpPr>
@@ -4440,13 +4358,7 @@
       </p:sp>
       <p:sp>
         <p:nvSpPr>
-          <p:cNvPr id="6" name="Slide Number Placeholder 5">
-            <a:extLst>
-              <a:ext uri="{FF2B5EF4-FFF2-40B4-BE49-F238E27FC236}">
-                <a16:creationId xmlns:a16="http://schemas.microsoft.com/office/drawing/2014/main" id="{D87F0B6A-B1BE-BCA2-5C69-41515F08F313}"/>
-              </a:ext>
-            </a:extLst>
-          </p:cNvPr>
+          <p:cNvPr id="6" name="Slide Number Placeholder 5"/>
           <p:cNvSpPr>
             <a:spLocks noGrp="1"/>
           </p:cNvSpPr>
@@ -4470,7 +4382,7 @@
     </p:spTree>
     <p:extLst>
       <p:ext uri="{BB962C8B-B14F-4D97-AF65-F5344CB8AC3E}">
-        <p14:creationId xmlns:p14="http://schemas.microsoft.com/office/powerpoint/2010/main" val="3918558555"/>
+        <p14:creationId xmlns:p14="http://schemas.microsoft.com/office/powerpoint/2010/main" val="4267192818"/>
       </p:ext>
     </p:extLst>
   </p:cSld>
@@ -4499,13 +4411,7 @@
       </p:grpSpPr>
       <p:sp>
         <p:nvSpPr>
-          <p:cNvPr id="2" name="Title 1">
-            <a:extLst>
-              <a:ext uri="{FF2B5EF4-FFF2-40B4-BE49-F238E27FC236}">
-                <a16:creationId xmlns:a16="http://schemas.microsoft.com/office/drawing/2014/main" id="{CFD4AEFC-0625-0DD7-BAE2-2739FD96A0AE}"/>
-              </a:ext>
-            </a:extLst>
-          </p:cNvPr>
+          <p:cNvPr id="2" name="Title 1"/>
           <p:cNvSpPr>
             <a:spLocks noGrp="1"/>
           </p:cNvSpPr>
@@ -4522,18 +4428,13 @@
               <a:rPr lang="en-US"/>
               <a:t>Click to edit Master title style</a:t>
             </a:r>
+            <a:endParaRPr lang="en-US" dirty="0"/>
           </a:p>
         </p:txBody>
       </p:sp>
       <p:sp>
         <p:nvSpPr>
-          <p:cNvPr id="3" name="Content Placeholder 2">
-            <a:extLst>
-              <a:ext uri="{FF2B5EF4-FFF2-40B4-BE49-F238E27FC236}">
-                <a16:creationId xmlns:a16="http://schemas.microsoft.com/office/drawing/2014/main" id="{E4FEAF25-DB52-0050-6A75-FBCB05E84EE6}"/>
-              </a:ext>
-            </a:extLst>
-          </p:cNvPr>
+          <p:cNvPr id="3" name="Content Placeholder 2"/>
           <p:cNvSpPr>
             <a:spLocks noGrp="1"/>
           </p:cNvSpPr>
@@ -4584,18 +4485,13 @@
               <a:rPr lang="en-US"/>
               <a:t>Fifth level</a:t>
             </a:r>
+            <a:endParaRPr lang="en-US" dirty="0"/>
           </a:p>
         </p:txBody>
       </p:sp>
       <p:sp>
         <p:nvSpPr>
-          <p:cNvPr id="4" name="Content Placeholder 3">
-            <a:extLst>
-              <a:ext uri="{FF2B5EF4-FFF2-40B4-BE49-F238E27FC236}">
-                <a16:creationId xmlns:a16="http://schemas.microsoft.com/office/drawing/2014/main" id="{34634024-8195-6D5F-60A2-9981DDECD8C7}"/>
-              </a:ext>
-            </a:extLst>
-          </p:cNvPr>
+          <p:cNvPr id="4" name="Content Placeholder 3"/>
           <p:cNvSpPr>
             <a:spLocks noGrp="1"/>
           </p:cNvSpPr>
@@ -4646,18 +4542,13 @@
               <a:rPr lang="en-US"/>
               <a:t>Fifth level</a:t>
             </a:r>
+            <a:endParaRPr lang="en-US" dirty="0"/>
           </a:p>
         </p:txBody>
       </p:sp>
       <p:sp>
         <p:nvSpPr>
-          <p:cNvPr id="5" name="Date Placeholder 4">
-            <a:extLst>
-              <a:ext uri="{FF2B5EF4-FFF2-40B4-BE49-F238E27FC236}">
-                <a16:creationId xmlns:a16="http://schemas.microsoft.com/office/drawing/2014/main" id="{2A684502-8094-CD35-80CF-E4593387BB9D}"/>
-              </a:ext>
-            </a:extLst>
-          </p:cNvPr>
+          <p:cNvPr id="5" name="Date Placeholder 4"/>
           <p:cNvSpPr>
             <a:spLocks noGrp="1"/>
           </p:cNvSpPr>
@@ -4672,7 +4563,7 @@
           <a:p>
             <a:fld id="{B666EFF6-080E-41F7-9298-0B328C0F486D}" type="datetimeFigureOut">
               <a:rPr lang="en-US" smtClean="0"/>
-              <a:t>3/14/2023</a:t>
+              <a:t>3/16/2023</a:t>
             </a:fld>
             <a:endParaRPr lang="en-US"/>
           </a:p>
@@ -4680,13 +4571,7 @@
       </p:sp>
       <p:sp>
         <p:nvSpPr>
-          <p:cNvPr id="6" name="Footer Placeholder 5">
-            <a:extLst>
-              <a:ext uri="{FF2B5EF4-FFF2-40B4-BE49-F238E27FC236}">
-                <a16:creationId xmlns:a16="http://schemas.microsoft.com/office/drawing/2014/main" id="{71C4E7A4-8A99-14F3-0628-8841E5E3A6B6}"/>
-              </a:ext>
-            </a:extLst>
-          </p:cNvPr>
+          <p:cNvPr id="6" name="Footer Placeholder 5"/>
           <p:cNvSpPr>
             <a:spLocks noGrp="1"/>
           </p:cNvSpPr>
@@ -4705,13 +4590,7 @@
       </p:sp>
       <p:sp>
         <p:nvSpPr>
-          <p:cNvPr id="7" name="Slide Number Placeholder 6">
-            <a:extLst>
-              <a:ext uri="{FF2B5EF4-FFF2-40B4-BE49-F238E27FC236}">
-                <a16:creationId xmlns:a16="http://schemas.microsoft.com/office/drawing/2014/main" id="{460C97C1-0E4A-388A-3783-FECD205049C1}"/>
-              </a:ext>
-            </a:extLst>
-          </p:cNvPr>
+          <p:cNvPr id="7" name="Slide Number Placeholder 6"/>
           <p:cNvSpPr>
             <a:spLocks noGrp="1"/>
           </p:cNvSpPr>
@@ -4735,7 +4614,7 @@
     </p:spTree>
     <p:extLst>
       <p:ext uri="{BB962C8B-B14F-4D97-AF65-F5344CB8AC3E}">
-        <p14:creationId xmlns:p14="http://schemas.microsoft.com/office/powerpoint/2010/main" val="2799217807"/>
+        <p14:creationId xmlns:p14="http://schemas.microsoft.com/office/powerpoint/2010/main" val="2206781958"/>
       </p:ext>
     </p:extLst>
   </p:cSld>
@@ -4764,13 +4643,7 @@
       </p:grpSpPr>
       <p:sp>
         <p:nvSpPr>
-          <p:cNvPr id="2" name="Title 1">
-            <a:extLst>
-              <a:ext uri="{FF2B5EF4-FFF2-40B4-BE49-F238E27FC236}">
-                <a16:creationId xmlns:a16="http://schemas.microsoft.com/office/drawing/2014/main" id="{7CADA2DB-1901-6228-6CA7-BBA916D01CD9}"/>
-              </a:ext>
-            </a:extLst>
-          </p:cNvPr>
+          <p:cNvPr id="2" name="Title 1"/>
           <p:cNvSpPr>
             <a:spLocks noGrp="1"/>
           </p:cNvSpPr>
@@ -4792,18 +4665,13 @@
               <a:rPr lang="en-US"/>
               <a:t>Click to edit Master title style</a:t>
             </a:r>
+            <a:endParaRPr lang="en-US" dirty="0"/>
           </a:p>
         </p:txBody>
       </p:sp>
       <p:sp>
         <p:nvSpPr>
-          <p:cNvPr id="3" name="Text Placeholder 2">
-            <a:extLst>
-              <a:ext uri="{FF2B5EF4-FFF2-40B4-BE49-F238E27FC236}">
-                <a16:creationId xmlns:a16="http://schemas.microsoft.com/office/drawing/2014/main" id="{BB3DDE50-2B37-3202-0E88-21892FA8080D}"/>
-              </a:ext>
-            </a:extLst>
-          </p:cNvPr>
+          <p:cNvPr id="3" name="Text Placeholder 2"/>
           <p:cNvSpPr>
             <a:spLocks noGrp="1"/>
           </p:cNvSpPr>
@@ -4868,13 +4736,7 @@
       </p:sp>
       <p:sp>
         <p:nvSpPr>
-          <p:cNvPr id="4" name="Content Placeholder 3">
-            <a:extLst>
-              <a:ext uri="{FF2B5EF4-FFF2-40B4-BE49-F238E27FC236}">
-                <a16:creationId xmlns:a16="http://schemas.microsoft.com/office/drawing/2014/main" id="{ED2FD850-8B71-B785-6D26-05FCB23AD751}"/>
-              </a:ext>
-            </a:extLst>
-          </p:cNvPr>
+          <p:cNvPr id="4" name="Content Placeholder 3"/>
           <p:cNvSpPr>
             <a:spLocks noGrp="1"/>
           </p:cNvSpPr>
@@ -4925,18 +4787,13 @@
               <a:rPr lang="en-US"/>
               <a:t>Fifth level</a:t>
             </a:r>
+            <a:endParaRPr lang="en-US" dirty="0"/>
           </a:p>
         </p:txBody>
       </p:sp>
       <p:sp>
         <p:nvSpPr>
-          <p:cNvPr id="5" name="Text Placeholder 4">
-            <a:extLst>
-              <a:ext uri="{FF2B5EF4-FFF2-40B4-BE49-F238E27FC236}">
-                <a16:creationId xmlns:a16="http://schemas.microsoft.com/office/drawing/2014/main" id="{883276BE-B6D7-47DC-FAE6-BE6CECB53ABD}"/>
-              </a:ext>
-            </a:extLst>
-          </p:cNvPr>
+          <p:cNvPr id="5" name="Text Placeholder 4"/>
           <p:cNvSpPr>
             <a:spLocks noGrp="1"/>
           </p:cNvSpPr>
@@ -5001,13 +4858,7 @@
       </p:sp>
       <p:sp>
         <p:nvSpPr>
-          <p:cNvPr id="6" name="Content Placeholder 5">
-            <a:extLst>
-              <a:ext uri="{FF2B5EF4-FFF2-40B4-BE49-F238E27FC236}">
-                <a16:creationId xmlns:a16="http://schemas.microsoft.com/office/drawing/2014/main" id="{454895AA-8E82-3CA2-307A-D7CA31583F77}"/>
-              </a:ext>
-            </a:extLst>
-          </p:cNvPr>
+          <p:cNvPr id="6" name="Content Placeholder 5"/>
           <p:cNvSpPr>
             <a:spLocks noGrp="1"/>
           </p:cNvSpPr>
@@ -5058,18 +4909,13 @@
               <a:rPr lang="en-US"/>
               <a:t>Fifth level</a:t>
             </a:r>
+            <a:endParaRPr lang="en-US" dirty="0"/>
           </a:p>
         </p:txBody>
       </p:sp>
       <p:sp>
         <p:nvSpPr>
-          <p:cNvPr id="7" name="Date Placeholder 6">
-            <a:extLst>
-              <a:ext uri="{FF2B5EF4-FFF2-40B4-BE49-F238E27FC236}">
-                <a16:creationId xmlns:a16="http://schemas.microsoft.com/office/drawing/2014/main" id="{AFC0EEE8-7B22-5022-E83B-9DF563F6D0C0}"/>
-              </a:ext>
-            </a:extLst>
-          </p:cNvPr>
+          <p:cNvPr id="7" name="Date Placeholder 6"/>
           <p:cNvSpPr>
             <a:spLocks noGrp="1"/>
           </p:cNvSpPr>
@@ -5084,7 +4930,7 @@
           <a:p>
             <a:fld id="{B666EFF6-080E-41F7-9298-0B328C0F486D}" type="datetimeFigureOut">
               <a:rPr lang="en-US" smtClean="0"/>
-              <a:t>3/14/2023</a:t>
+              <a:t>3/16/2023</a:t>
             </a:fld>
             <a:endParaRPr lang="en-US"/>
           </a:p>
@@ -5092,13 +4938,7 @@
       </p:sp>
       <p:sp>
         <p:nvSpPr>
-          <p:cNvPr id="8" name="Footer Placeholder 7">
-            <a:extLst>
-              <a:ext uri="{FF2B5EF4-FFF2-40B4-BE49-F238E27FC236}">
-                <a16:creationId xmlns:a16="http://schemas.microsoft.com/office/drawing/2014/main" id="{EF06C1A7-36B1-59DD-4684-AEDC4C201B8F}"/>
-              </a:ext>
-            </a:extLst>
-          </p:cNvPr>
+          <p:cNvPr id="8" name="Footer Placeholder 7"/>
           <p:cNvSpPr>
             <a:spLocks noGrp="1"/>
           </p:cNvSpPr>
@@ -5117,13 +4957,7 @@
       </p:sp>
       <p:sp>
         <p:nvSpPr>
-          <p:cNvPr id="9" name="Slide Number Placeholder 8">
-            <a:extLst>
-              <a:ext uri="{FF2B5EF4-FFF2-40B4-BE49-F238E27FC236}">
-                <a16:creationId xmlns:a16="http://schemas.microsoft.com/office/drawing/2014/main" id="{21FBEF41-0766-6BCA-E2FD-BFF947D62394}"/>
-              </a:ext>
-            </a:extLst>
-          </p:cNvPr>
+          <p:cNvPr id="9" name="Slide Number Placeholder 8"/>
           <p:cNvSpPr>
             <a:spLocks noGrp="1"/>
           </p:cNvSpPr>
@@ -5147,7 +4981,7 @@
     </p:spTree>
     <p:extLst>
       <p:ext uri="{BB962C8B-B14F-4D97-AF65-F5344CB8AC3E}">
-        <p14:creationId xmlns:p14="http://schemas.microsoft.com/office/powerpoint/2010/main" val="2285112971"/>
+        <p14:creationId xmlns:p14="http://schemas.microsoft.com/office/powerpoint/2010/main" val="2674231919"/>
       </p:ext>
     </p:extLst>
   </p:cSld>
@@ -5176,13 +5010,7 @@
       </p:grpSpPr>
       <p:sp>
         <p:nvSpPr>
-          <p:cNvPr id="2" name="Title 1">
-            <a:extLst>
-              <a:ext uri="{FF2B5EF4-FFF2-40B4-BE49-F238E27FC236}">
-                <a16:creationId xmlns:a16="http://schemas.microsoft.com/office/drawing/2014/main" id="{F90962FB-5141-A697-FEB4-EC02FFA13B3E}"/>
-              </a:ext>
-            </a:extLst>
-          </p:cNvPr>
+          <p:cNvPr id="2" name="Title 1"/>
           <p:cNvSpPr>
             <a:spLocks noGrp="1"/>
           </p:cNvSpPr>
@@ -5199,18 +5027,13 @@
               <a:rPr lang="en-US"/>
               <a:t>Click to edit Master title style</a:t>
             </a:r>
+            <a:endParaRPr lang="en-US" dirty="0"/>
           </a:p>
         </p:txBody>
       </p:sp>
       <p:sp>
         <p:nvSpPr>
-          <p:cNvPr id="3" name="Date Placeholder 2">
-            <a:extLst>
-              <a:ext uri="{FF2B5EF4-FFF2-40B4-BE49-F238E27FC236}">
-                <a16:creationId xmlns:a16="http://schemas.microsoft.com/office/drawing/2014/main" id="{346215FF-B9F8-15E3-6A5A-13C279B571F7}"/>
-              </a:ext>
-            </a:extLst>
-          </p:cNvPr>
+          <p:cNvPr id="3" name="Date Placeholder 2"/>
           <p:cNvSpPr>
             <a:spLocks noGrp="1"/>
           </p:cNvSpPr>
@@ -5225,7 +5048,7 @@
           <a:p>
             <a:fld id="{B666EFF6-080E-41F7-9298-0B328C0F486D}" type="datetimeFigureOut">
               <a:rPr lang="en-US" smtClean="0"/>
-              <a:t>3/14/2023</a:t>
+              <a:t>3/16/2023</a:t>
             </a:fld>
             <a:endParaRPr lang="en-US"/>
           </a:p>
@@ -5233,13 +5056,7 @@
       </p:sp>
       <p:sp>
         <p:nvSpPr>
-          <p:cNvPr id="4" name="Footer Placeholder 3">
-            <a:extLst>
-              <a:ext uri="{FF2B5EF4-FFF2-40B4-BE49-F238E27FC236}">
-                <a16:creationId xmlns:a16="http://schemas.microsoft.com/office/drawing/2014/main" id="{2B367216-0C5B-99AA-FA12-D98D15283CF3}"/>
-              </a:ext>
-            </a:extLst>
-          </p:cNvPr>
+          <p:cNvPr id="4" name="Footer Placeholder 3"/>
           <p:cNvSpPr>
             <a:spLocks noGrp="1"/>
           </p:cNvSpPr>
@@ -5258,13 +5075,7 @@
       </p:sp>
       <p:sp>
         <p:nvSpPr>
-          <p:cNvPr id="5" name="Slide Number Placeholder 4">
-            <a:extLst>
-              <a:ext uri="{FF2B5EF4-FFF2-40B4-BE49-F238E27FC236}">
-                <a16:creationId xmlns:a16="http://schemas.microsoft.com/office/drawing/2014/main" id="{B35773F1-E67D-1846-FC7E-8671CB23CB6E}"/>
-              </a:ext>
-            </a:extLst>
-          </p:cNvPr>
+          <p:cNvPr id="5" name="Slide Number Placeholder 4"/>
           <p:cNvSpPr>
             <a:spLocks noGrp="1"/>
           </p:cNvSpPr>
@@ -5288,7 +5099,7 @@
     </p:spTree>
     <p:extLst>
       <p:ext uri="{BB962C8B-B14F-4D97-AF65-F5344CB8AC3E}">
-        <p14:creationId xmlns:p14="http://schemas.microsoft.com/office/powerpoint/2010/main" val="2376839357"/>
+        <p14:creationId xmlns:p14="http://schemas.microsoft.com/office/powerpoint/2010/main" val="2662085080"/>
       </p:ext>
     </p:extLst>
   </p:cSld>
@@ -5317,13 +5128,7 @@
       </p:grpSpPr>
       <p:sp>
         <p:nvSpPr>
-          <p:cNvPr id="2" name="Date Placeholder 1">
-            <a:extLst>
-              <a:ext uri="{FF2B5EF4-FFF2-40B4-BE49-F238E27FC236}">
-                <a16:creationId xmlns:a16="http://schemas.microsoft.com/office/drawing/2014/main" id="{E339631A-4A3E-A1B2-7D76-0CA4F135078C}"/>
-              </a:ext>
-            </a:extLst>
-          </p:cNvPr>
+          <p:cNvPr id="2" name="Date Placeholder 1"/>
           <p:cNvSpPr>
             <a:spLocks noGrp="1"/>
           </p:cNvSpPr>
@@ -5338,7 +5143,7 @@
           <a:p>
             <a:fld id="{B666EFF6-080E-41F7-9298-0B328C0F486D}" type="datetimeFigureOut">
               <a:rPr lang="en-US" smtClean="0"/>
-              <a:t>3/14/2023</a:t>
+              <a:t>3/16/2023</a:t>
             </a:fld>
             <a:endParaRPr lang="en-US"/>
           </a:p>
@@ -5346,13 +5151,7 @@
       </p:sp>
       <p:sp>
         <p:nvSpPr>
-          <p:cNvPr id="3" name="Footer Placeholder 2">
-            <a:extLst>
-              <a:ext uri="{FF2B5EF4-FFF2-40B4-BE49-F238E27FC236}">
-                <a16:creationId xmlns:a16="http://schemas.microsoft.com/office/drawing/2014/main" id="{5AF823F9-19FB-0C2F-FA88-500E32689CBD}"/>
-              </a:ext>
-            </a:extLst>
-          </p:cNvPr>
+          <p:cNvPr id="3" name="Footer Placeholder 2"/>
           <p:cNvSpPr>
             <a:spLocks noGrp="1"/>
           </p:cNvSpPr>
@@ -5371,13 +5170,7 @@
       </p:sp>
       <p:sp>
         <p:nvSpPr>
-          <p:cNvPr id="4" name="Slide Number Placeholder 3">
-            <a:extLst>
-              <a:ext uri="{FF2B5EF4-FFF2-40B4-BE49-F238E27FC236}">
-                <a16:creationId xmlns:a16="http://schemas.microsoft.com/office/drawing/2014/main" id="{48BA190A-27F7-8F72-12FB-E1684BB7657D}"/>
-              </a:ext>
-            </a:extLst>
-          </p:cNvPr>
+          <p:cNvPr id="4" name="Slide Number Placeholder 3"/>
           <p:cNvSpPr>
             <a:spLocks noGrp="1"/>
           </p:cNvSpPr>
@@ -5401,7 +5194,7 @@
     </p:spTree>
     <p:extLst>
       <p:ext uri="{BB962C8B-B14F-4D97-AF65-F5344CB8AC3E}">
-        <p14:creationId xmlns:p14="http://schemas.microsoft.com/office/powerpoint/2010/main" val="456910009"/>
+        <p14:creationId xmlns:p14="http://schemas.microsoft.com/office/powerpoint/2010/main" val="2425048693"/>
       </p:ext>
     </p:extLst>
   </p:cSld>
@@ -5430,13 +5223,7 @@
       </p:grpSpPr>
       <p:sp>
         <p:nvSpPr>
-          <p:cNvPr id="2" name="Title 1">
-            <a:extLst>
-              <a:ext uri="{FF2B5EF4-FFF2-40B4-BE49-F238E27FC236}">
-                <a16:creationId xmlns:a16="http://schemas.microsoft.com/office/drawing/2014/main" id="{D2DBA044-955A-7BC3-9767-1531B3A22200}"/>
-              </a:ext>
-            </a:extLst>
-          </p:cNvPr>
+          <p:cNvPr id="2" name="Title 1"/>
           <p:cNvSpPr>
             <a:spLocks noGrp="1"/>
           </p:cNvSpPr>
@@ -5462,18 +5249,13 @@
               <a:rPr lang="en-US"/>
               <a:t>Click to edit Master title style</a:t>
             </a:r>
+            <a:endParaRPr lang="en-US" dirty="0"/>
           </a:p>
         </p:txBody>
       </p:sp>
       <p:sp>
         <p:nvSpPr>
-          <p:cNvPr id="3" name="Content Placeholder 2">
-            <a:extLst>
-              <a:ext uri="{FF2B5EF4-FFF2-40B4-BE49-F238E27FC236}">
-                <a16:creationId xmlns:a16="http://schemas.microsoft.com/office/drawing/2014/main" id="{E21814FF-CA59-900C-7B1F-C31337F67A04}"/>
-              </a:ext>
-            </a:extLst>
-          </p:cNvPr>
+          <p:cNvPr id="3" name="Content Placeholder 2"/>
           <p:cNvSpPr>
             <a:spLocks noGrp="1"/>
           </p:cNvSpPr>
@@ -5552,18 +5334,13 @@
               <a:rPr lang="en-US"/>
               <a:t>Fifth level</a:t>
             </a:r>
+            <a:endParaRPr lang="en-US" dirty="0"/>
           </a:p>
         </p:txBody>
       </p:sp>
       <p:sp>
         <p:nvSpPr>
-          <p:cNvPr id="4" name="Text Placeholder 3">
-            <a:extLst>
-              <a:ext uri="{FF2B5EF4-FFF2-40B4-BE49-F238E27FC236}">
-                <a16:creationId xmlns:a16="http://schemas.microsoft.com/office/drawing/2014/main" id="{6F058DAA-CEBE-80B2-D8F2-8251A09DB046}"/>
-              </a:ext>
-            </a:extLst>
-          </p:cNvPr>
+          <p:cNvPr id="4" name="Text Placeholder 3"/>
           <p:cNvSpPr>
             <a:spLocks noGrp="1"/>
           </p:cNvSpPr>
@@ -5628,13 +5405,7 @@
       </p:sp>
       <p:sp>
         <p:nvSpPr>
-          <p:cNvPr id="5" name="Date Placeholder 4">
-            <a:extLst>
-              <a:ext uri="{FF2B5EF4-FFF2-40B4-BE49-F238E27FC236}">
-                <a16:creationId xmlns:a16="http://schemas.microsoft.com/office/drawing/2014/main" id="{5A7A73F0-025A-4E7E-3C67-7ADE846C57C3}"/>
-              </a:ext>
-            </a:extLst>
-          </p:cNvPr>
+          <p:cNvPr id="5" name="Date Placeholder 4"/>
           <p:cNvSpPr>
             <a:spLocks noGrp="1"/>
           </p:cNvSpPr>
@@ -5649,7 +5420,7 @@
           <a:p>
             <a:fld id="{B666EFF6-080E-41F7-9298-0B328C0F486D}" type="datetimeFigureOut">
               <a:rPr lang="en-US" smtClean="0"/>
-              <a:t>3/14/2023</a:t>
+              <a:t>3/16/2023</a:t>
             </a:fld>
             <a:endParaRPr lang="en-US"/>
           </a:p>
@@ -5657,13 +5428,7 @@
       </p:sp>
       <p:sp>
         <p:nvSpPr>
-          <p:cNvPr id="6" name="Footer Placeholder 5">
-            <a:extLst>
-              <a:ext uri="{FF2B5EF4-FFF2-40B4-BE49-F238E27FC236}">
-                <a16:creationId xmlns:a16="http://schemas.microsoft.com/office/drawing/2014/main" id="{8B112753-9BAF-FC8A-58D8-757765A73E09}"/>
-              </a:ext>
-            </a:extLst>
-          </p:cNvPr>
+          <p:cNvPr id="6" name="Footer Placeholder 5"/>
           <p:cNvSpPr>
             <a:spLocks noGrp="1"/>
           </p:cNvSpPr>
@@ -5682,13 +5447,7 @@
       </p:sp>
       <p:sp>
         <p:nvSpPr>
-          <p:cNvPr id="7" name="Slide Number Placeholder 6">
-            <a:extLst>
-              <a:ext uri="{FF2B5EF4-FFF2-40B4-BE49-F238E27FC236}">
-                <a16:creationId xmlns:a16="http://schemas.microsoft.com/office/drawing/2014/main" id="{3B76214B-BA7A-09F7-8ABB-A940118A46D0}"/>
-              </a:ext>
-            </a:extLst>
-          </p:cNvPr>
+          <p:cNvPr id="7" name="Slide Number Placeholder 6"/>
           <p:cNvSpPr>
             <a:spLocks noGrp="1"/>
           </p:cNvSpPr>
@@ -5712,7 +5471,7 @@
     </p:spTree>
     <p:extLst>
       <p:ext uri="{BB962C8B-B14F-4D97-AF65-F5344CB8AC3E}">
-        <p14:creationId xmlns:p14="http://schemas.microsoft.com/office/powerpoint/2010/main" val="330796686"/>
+        <p14:creationId xmlns:p14="http://schemas.microsoft.com/office/powerpoint/2010/main" val="3802873260"/>
       </p:ext>
     </p:extLst>
   </p:cSld>
@@ -5741,13 +5500,7 @@
       </p:grpSpPr>
       <p:sp>
         <p:nvSpPr>
-          <p:cNvPr id="2" name="Title 1">
-            <a:extLst>
-              <a:ext uri="{FF2B5EF4-FFF2-40B4-BE49-F238E27FC236}">
-                <a16:creationId xmlns:a16="http://schemas.microsoft.com/office/drawing/2014/main" id="{8A7C0EC8-29A3-5091-2508-474E0C433EF5}"/>
-              </a:ext>
-            </a:extLst>
-          </p:cNvPr>
+          <p:cNvPr id="2" name="Title 1"/>
           <p:cNvSpPr>
             <a:spLocks noGrp="1"/>
           </p:cNvSpPr>
@@ -5773,20 +5526,15 @@
               <a:rPr lang="en-US"/>
               <a:t>Click to edit Master title style</a:t>
             </a:r>
+            <a:endParaRPr lang="en-US" dirty="0"/>
           </a:p>
         </p:txBody>
       </p:sp>
       <p:sp>
         <p:nvSpPr>
-          <p:cNvPr id="3" name="Picture Placeholder 2">
-            <a:extLst>
-              <a:ext uri="{FF2B5EF4-FFF2-40B4-BE49-F238E27FC236}">
-                <a16:creationId xmlns:a16="http://schemas.microsoft.com/office/drawing/2014/main" id="{0B1A54DD-4ECC-B790-3055-233EE7809C50}"/>
-              </a:ext>
-            </a:extLst>
-          </p:cNvPr>
+          <p:cNvPr id="3" name="Picture Placeholder 2"/>
           <p:cNvSpPr>
-            <a:spLocks noGrp="1"/>
+            <a:spLocks noGrp="1" noChangeAspect="1"/>
           </p:cNvSpPr>
           <p:nvPr>
             <p:ph type="pic" idx="1"/>
@@ -5799,7 +5547,7 @@
           </a:xfrm>
         </p:spPr>
         <p:txBody>
-          <a:bodyPr/>
+          <a:bodyPr anchor="t"/>
           <a:lstStyle>
             <a:lvl1pPr marL="0" indent="0">
               <a:buNone/>
@@ -5839,19 +5587,17 @@
             </a:lvl9pPr>
           </a:lstStyle>
           <a:p>
-            <a:endParaRPr lang="en-US"/>
+            <a:r>
+              <a:rPr lang="en-US"/>
+              <a:t>Click icon to add picture</a:t>
+            </a:r>
+            <a:endParaRPr lang="en-US" dirty="0"/>
           </a:p>
         </p:txBody>
       </p:sp>
       <p:sp>
         <p:nvSpPr>
-          <p:cNvPr id="4" name="Text Placeholder 3">
-            <a:extLst>
-              <a:ext uri="{FF2B5EF4-FFF2-40B4-BE49-F238E27FC236}">
-                <a16:creationId xmlns:a16="http://schemas.microsoft.com/office/drawing/2014/main" id="{11252B13-2085-430A-560D-ADDA0D9D5948}"/>
-              </a:ext>
-            </a:extLst>
-          </p:cNvPr>
+          <p:cNvPr id="4" name="Text Placeholder 3"/>
           <p:cNvSpPr>
             <a:spLocks noGrp="1"/>
           </p:cNvSpPr>
@@ -5916,13 +5662,7 @@
       </p:sp>
       <p:sp>
         <p:nvSpPr>
-          <p:cNvPr id="5" name="Date Placeholder 4">
-            <a:extLst>
-              <a:ext uri="{FF2B5EF4-FFF2-40B4-BE49-F238E27FC236}">
-                <a16:creationId xmlns:a16="http://schemas.microsoft.com/office/drawing/2014/main" id="{18B5C901-9D90-1B75-EEDB-684012A4ECEC}"/>
-              </a:ext>
-            </a:extLst>
-          </p:cNvPr>
+          <p:cNvPr id="5" name="Date Placeholder 4"/>
           <p:cNvSpPr>
             <a:spLocks noGrp="1"/>
           </p:cNvSpPr>
@@ -5937,7 +5677,7 @@
           <a:p>
             <a:fld id="{B666EFF6-080E-41F7-9298-0B328C0F486D}" type="datetimeFigureOut">
               <a:rPr lang="en-US" smtClean="0"/>
-              <a:t>3/14/2023</a:t>
+              <a:t>3/16/2023</a:t>
             </a:fld>
             <a:endParaRPr lang="en-US"/>
           </a:p>
@@ -5945,13 +5685,7 @@
       </p:sp>
       <p:sp>
         <p:nvSpPr>
-          <p:cNvPr id="6" name="Footer Placeholder 5">
-            <a:extLst>
-              <a:ext uri="{FF2B5EF4-FFF2-40B4-BE49-F238E27FC236}">
-                <a16:creationId xmlns:a16="http://schemas.microsoft.com/office/drawing/2014/main" id="{58C79AA6-6003-086E-BBDF-2DC7AA339581}"/>
-              </a:ext>
-            </a:extLst>
-          </p:cNvPr>
+          <p:cNvPr id="6" name="Footer Placeholder 5"/>
           <p:cNvSpPr>
             <a:spLocks noGrp="1"/>
           </p:cNvSpPr>
@@ -5964,19 +5698,13 @@
           <a:bodyPr/>
           <a:lstStyle/>
           <a:p>
-            <a:endParaRPr lang="en-US"/>
+            <a:endParaRPr lang="en-US" dirty="0"/>
           </a:p>
         </p:txBody>
       </p:sp>
       <p:sp>
         <p:nvSpPr>
-          <p:cNvPr id="7" name="Slide Number Placeholder 6">
-            <a:extLst>
-              <a:ext uri="{FF2B5EF4-FFF2-40B4-BE49-F238E27FC236}">
-                <a16:creationId xmlns:a16="http://schemas.microsoft.com/office/drawing/2014/main" id="{8ABAB500-7EFC-A0FA-E3E8-CB99946520E3}"/>
-              </a:ext>
-            </a:extLst>
-          </p:cNvPr>
+          <p:cNvPr id="7" name="Slide Number Placeholder 6"/>
           <p:cNvSpPr>
             <a:spLocks noGrp="1"/>
           </p:cNvSpPr>
@@ -6000,7 +5728,7 @@
     </p:spTree>
     <p:extLst>
       <p:ext uri="{BB962C8B-B14F-4D97-AF65-F5344CB8AC3E}">
-        <p14:creationId xmlns:p14="http://schemas.microsoft.com/office/powerpoint/2010/main" val="1431033946"/>
+        <p14:creationId xmlns:p14="http://schemas.microsoft.com/office/powerpoint/2010/main" val="2455125933"/>
       </p:ext>
     </p:extLst>
   </p:cSld>
@@ -6034,13 +5762,7 @@
       </p:grpSpPr>
       <p:sp>
         <p:nvSpPr>
-          <p:cNvPr id="2" name="Title Placeholder 1">
-            <a:extLst>
-              <a:ext uri="{FF2B5EF4-FFF2-40B4-BE49-F238E27FC236}">
-                <a16:creationId xmlns:a16="http://schemas.microsoft.com/office/drawing/2014/main" id="{8F917C75-813C-55F4-12EB-327421DAABED}"/>
-              </a:ext>
-            </a:extLst>
-          </p:cNvPr>
+          <p:cNvPr id="2" name="Title Placeholder 1"/>
           <p:cNvSpPr>
             <a:spLocks noGrp="1"/>
           </p:cNvSpPr>
@@ -6067,18 +5789,13 @@
               <a:rPr lang="en-US"/>
               <a:t>Click to edit Master title style</a:t>
             </a:r>
+            <a:endParaRPr lang="en-US" dirty="0"/>
           </a:p>
         </p:txBody>
       </p:sp>
       <p:sp>
         <p:nvSpPr>
-          <p:cNvPr id="3" name="Text Placeholder 2">
-            <a:extLst>
-              <a:ext uri="{FF2B5EF4-FFF2-40B4-BE49-F238E27FC236}">
-                <a16:creationId xmlns:a16="http://schemas.microsoft.com/office/drawing/2014/main" id="{0E992B48-0399-3649-A310-6055FF9456FF}"/>
-              </a:ext>
-            </a:extLst>
-          </p:cNvPr>
+          <p:cNvPr id="3" name="Text Placeholder 2"/>
           <p:cNvSpPr>
             <a:spLocks noGrp="1"/>
           </p:cNvSpPr>
@@ -6134,18 +5851,13 @@
               <a:rPr lang="en-US"/>
               <a:t>Fifth level</a:t>
             </a:r>
+            <a:endParaRPr lang="en-US" dirty="0"/>
           </a:p>
         </p:txBody>
       </p:sp>
       <p:sp>
         <p:nvSpPr>
-          <p:cNvPr id="4" name="Date Placeholder 3">
-            <a:extLst>
-              <a:ext uri="{FF2B5EF4-FFF2-40B4-BE49-F238E27FC236}">
-                <a16:creationId xmlns:a16="http://schemas.microsoft.com/office/drawing/2014/main" id="{4B4BB2AE-326B-F69F-7DC5-8761B2043FE7}"/>
-              </a:ext>
-            </a:extLst>
-          </p:cNvPr>
+          <p:cNvPr id="4" name="Date Placeholder 3"/>
           <p:cNvSpPr>
             <a:spLocks noGrp="1"/>
           </p:cNvSpPr>
@@ -6178,7 +5890,7 @@
           <a:p>
             <a:fld id="{B666EFF6-080E-41F7-9298-0B328C0F486D}" type="datetimeFigureOut">
               <a:rPr lang="en-US" smtClean="0"/>
-              <a:t>3/14/2023</a:t>
+              <a:t>3/16/2023</a:t>
             </a:fld>
             <a:endParaRPr lang="en-US"/>
           </a:p>
@@ -6186,13 +5898,7 @@
       </p:sp>
       <p:sp>
         <p:nvSpPr>
-          <p:cNvPr id="5" name="Footer Placeholder 4">
-            <a:extLst>
-              <a:ext uri="{FF2B5EF4-FFF2-40B4-BE49-F238E27FC236}">
-                <a16:creationId xmlns:a16="http://schemas.microsoft.com/office/drawing/2014/main" id="{26B668A2-209D-2B0A-A767-35AF86CC3723}"/>
-              </a:ext>
-            </a:extLst>
-          </p:cNvPr>
+          <p:cNvPr id="5" name="Footer Placeholder 4"/>
           <p:cNvSpPr>
             <a:spLocks noGrp="1"/>
           </p:cNvSpPr>
@@ -6229,13 +5935,7 @@
       </p:sp>
       <p:sp>
         <p:nvSpPr>
-          <p:cNvPr id="6" name="Slide Number Placeholder 5">
-            <a:extLst>
-              <a:ext uri="{FF2B5EF4-FFF2-40B4-BE49-F238E27FC236}">
-                <a16:creationId xmlns:a16="http://schemas.microsoft.com/office/drawing/2014/main" id="{546540BE-A2B8-EB6F-A26E-5CB63504826B}"/>
-              </a:ext>
-            </a:extLst>
-          </p:cNvPr>
+          <p:cNvPr id="6" name="Slide Number Placeholder 5"/>
           <p:cNvSpPr>
             <a:spLocks noGrp="1"/>
           </p:cNvSpPr>
@@ -6277,23 +5977,23 @@
     </p:spTree>
     <p:extLst>
       <p:ext uri="{BB962C8B-B14F-4D97-AF65-F5344CB8AC3E}">
-        <p14:creationId xmlns:p14="http://schemas.microsoft.com/office/powerpoint/2010/main" val="1005911408"/>
+        <p14:creationId xmlns:p14="http://schemas.microsoft.com/office/powerpoint/2010/main" val="1214585832"/>
       </p:ext>
     </p:extLst>
   </p:cSld>
   <p:clrMap bg1="lt1" tx1="dk1" bg2="lt2" tx2="dk2" accent1="accent1" accent2="accent2" accent3="accent3" accent4="accent4" accent5="accent5" accent6="accent6" hlink="hlink" folHlink="folHlink"/>
   <p:sldLayoutIdLst>
-    <p:sldLayoutId id="2147483649" r:id="rId1"/>
-    <p:sldLayoutId id="2147483650" r:id="rId2"/>
-    <p:sldLayoutId id="2147483651" r:id="rId3"/>
-    <p:sldLayoutId id="2147483652" r:id="rId4"/>
-    <p:sldLayoutId id="2147483653" r:id="rId5"/>
-    <p:sldLayoutId id="2147483654" r:id="rId6"/>
-    <p:sldLayoutId id="2147483655" r:id="rId7"/>
-    <p:sldLayoutId id="2147483656" r:id="rId8"/>
-    <p:sldLayoutId id="2147483657" r:id="rId9"/>
-    <p:sldLayoutId id="2147483658" r:id="rId10"/>
-    <p:sldLayoutId id="2147483659" r:id="rId11"/>
+    <p:sldLayoutId id="2147484141" r:id="rId1"/>
+    <p:sldLayoutId id="2147484142" r:id="rId2"/>
+    <p:sldLayoutId id="2147484143" r:id="rId3"/>
+    <p:sldLayoutId id="2147484144" r:id="rId4"/>
+    <p:sldLayoutId id="2147484145" r:id="rId5"/>
+    <p:sldLayoutId id="2147484146" r:id="rId6"/>
+    <p:sldLayoutId id="2147484147" r:id="rId7"/>
+    <p:sldLayoutId id="2147484148" r:id="rId8"/>
+    <p:sldLayoutId id="2147484149" r:id="rId9"/>
+    <p:sldLayoutId id="2147484150" r:id="rId10"/>
+    <p:sldLayoutId id="2147484151" r:id="rId11"/>
   </p:sldLayoutIdLst>
   <p:txStyles>
     <p:titleStyle>
@@ -6579,8 +6279,22 @@
 </file>
 
 <file path=ppt/slides/slide1.xml><?xml version="1.0" encoding="utf-8"?>
-<p:sld xmlns:a="http://schemas.openxmlformats.org/drawingml/2006/main" xmlns:r="http://schemas.openxmlformats.org/officeDocument/2006/relationships" xmlns:p="http://schemas.openxmlformats.org/presentationml/2006/main">
+<p:sld xmlns:a="http://schemas.openxmlformats.org/drawingml/2006/main" xmlns:r="http://schemas.openxmlformats.org/officeDocument/2006/relationships" xmlns:p="http://schemas.openxmlformats.org/presentationml/2006/main" showMasterSp="0">
   <p:cSld>
+    <p:bg>
+      <p:bgPr>
+        <a:blipFill dpi="0" rotWithShape="1">
+          <a:blip r:embed="rId2">
+            <a:lum/>
+          </a:blip>
+          <a:srcRect/>
+          <a:stretch>
+            <a:fillRect l="-1000" r="-1000"/>
+          </a:stretch>
+        </a:blipFill>
+        <a:effectLst/>
+      </p:bgPr>
+    </p:bg>
     <p:spTree>
       <p:nvGrpSpPr>
         <p:cNvPr id="1" name=""/>
@@ -6611,16 +6325,35 @@
             <p:ph type="ctrTitle"/>
           </p:nvPr>
         </p:nvSpPr>
-        <p:spPr/>
+        <p:spPr>
+          <a:xfrm>
+            <a:off x="4711958" y="621522"/>
+            <a:ext cx="7480042" cy="2387600"/>
+          </a:xfrm>
+        </p:spPr>
         <p:txBody>
           <a:bodyPr>
-            <a:normAutofit fontScale="90000"/>
+            <a:noAutofit/>
           </a:bodyPr>
           <a:lstStyle/>
           <a:p>
-            <a:r>
-              <a:rPr lang="en-US" dirty="0"/>
-              <a:t>Using Machine Learning Models to Predict Covid mortality/death rate </a:t>
+            <a:pPr algn="r"/>
+            <a:r>
+              <a:rPr lang="en-US" sz="5400" b="1" dirty="0">
+                <a:solidFill>
+                  <a:schemeClr val="bg1"/>
+                </a:solidFill>
+                <a:effectLst>
+                  <a:outerShdw blurRad="38100" dist="38100" dir="2700000" algn="tl">
+                    <a:srgbClr val="000000">
+                      <a:alpha val="43137"/>
+                    </a:srgbClr>
+                  </a:outerShdw>
+                </a:effectLst>
+                <a:latin typeface="Segoe UI" panose="020B0502040204020203" pitchFamily="34" charset="0"/>
+                <a:cs typeface="Segoe UI" panose="020B0502040204020203" pitchFamily="34" charset="0"/>
+              </a:rPr>
+              <a:t>Machine Learning Models To Predict Covid Mortality</a:t>
             </a:r>
           </a:p>
         </p:txBody>
@@ -6641,35 +6374,144 @@
             <p:ph type="subTitle" idx="1"/>
           </p:nvPr>
         </p:nvSpPr>
-        <p:spPr/>
+        <p:spPr>
+          <a:xfrm>
+            <a:off x="2945364" y="4313141"/>
+            <a:ext cx="9144000" cy="1655762"/>
+          </a:xfrm>
+        </p:spPr>
         <p:txBody>
-          <a:bodyPr/>
+          <a:bodyPr>
+            <a:normAutofit fontScale="92500" lnSpcReduction="20000"/>
+          </a:bodyPr>
           <a:lstStyle/>
           <a:p>
-            <a:r>
-              <a:rPr lang="en-US" dirty="0"/>
+            <a:pPr algn="r"/>
+            <a:r>
+              <a:rPr lang="en-US" sz="2800" b="1" dirty="0">
+                <a:solidFill>
+                  <a:schemeClr val="bg1"/>
+                </a:solidFill>
+                <a:effectLst>
+                  <a:outerShdw blurRad="38100" dist="38100" dir="2700000" algn="tl">
+                    <a:srgbClr val="000000">
+                      <a:alpha val="43137"/>
+                    </a:srgbClr>
+                  </a:outerShdw>
+                </a:effectLst>
+              </a:rPr>
               <a:t>Rutgers Bootcamp for Data Science</a:t>
             </a:r>
           </a:p>
           <a:p>
-            <a:r>
-              <a:rPr lang="en-US" dirty="0"/>
+            <a:pPr algn="r"/>
+            <a:r>
+              <a:rPr lang="en-US" sz="2800" b="1" dirty="0">
+                <a:solidFill>
+                  <a:schemeClr val="bg1"/>
+                </a:solidFill>
+                <a:effectLst>
+                  <a:outerShdw blurRad="38100" dist="38100" dir="2700000" algn="tl">
+                    <a:srgbClr val="000000">
+                      <a:alpha val="43137"/>
+                    </a:srgbClr>
+                  </a:outerShdw>
+                </a:effectLst>
+              </a:rPr>
               <a:t>Abraham Abate, Ashish Shukla, </a:t>
             </a:r>
-            <a:r>
-              <a:rPr lang="en-US" dirty="0" err="1"/>
+          </a:p>
+          <a:p>
+            <a:pPr algn="r"/>
+            <a:r>
+              <a:rPr lang="en-US" sz="2800" b="1" dirty="0" err="1">
+                <a:solidFill>
+                  <a:schemeClr val="bg1"/>
+                </a:solidFill>
+                <a:effectLst>
+                  <a:outerShdw blurRad="38100" dist="38100" dir="2700000" algn="tl">
+                    <a:srgbClr val="000000">
+                      <a:alpha val="43137"/>
+                    </a:srgbClr>
+                  </a:outerShdw>
+                </a:effectLst>
+              </a:rPr>
               <a:t>Jialin</a:t>
             </a:r>
             <a:r>
-              <a:rPr lang="en-US" dirty="0"/>
+              <a:rPr lang="en-US" sz="2800" b="1" dirty="0">
+                <a:solidFill>
+                  <a:schemeClr val="bg1"/>
+                </a:solidFill>
+                <a:effectLst>
+                  <a:outerShdw blurRad="38100" dist="38100" dir="2700000" algn="tl">
+                    <a:srgbClr val="000000">
+                      <a:alpha val="43137"/>
+                    </a:srgbClr>
+                  </a:outerShdw>
+                </a:effectLst>
+              </a:rPr>
               <a:t> Huang, Roger Vroom</a:t>
             </a:r>
           </a:p>
           <a:p>
-            <a:r>
-              <a:rPr lang="en-US" dirty="0"/>
+            <a:pPr algn="r"/>
+            <a:r>
+              <a:rPr lang="en-US" sz="2800" b="1" dirty="0">
+                <a:solidFill>
+                  <a:schemeClr val="bg1"/>
+                </a:solidFill>
+                <a:effectLst>
+                  <a:outerShdw blurRad="38100" dist="38100" dir="2700000" algn="tl">
+                    <a:srgbClr val="000000">
+                      <a:alpha val="43137"/>
+                    </a:srgbClr>
+                  </a:outerShdw>
+                </a:effectLst>
+              </a:rPr>
               <a:t>March 23, 2023</a:t>
             </a:r>
+          </a:p>
+        </p:txBody>
+      </p:sp>
+      <p:sp>
+        <p:nvSpPr>
+          <p:cNvPr id="6" name="TextBox 5">
+            <a:extLst>
+              <a:ext uri="{FF2B5EF4-FFF2-40B4-BE49-F238E27FC236}">
+                <a16:creationId xmlns:a16="http://schemas.microsoft.com/office/drawing/2014/main" id="{8D0504D3-F573-0353-8846-C2A82AE123AC}"/>
+              </a:ext>
+            </a:extLst>
+          </p:cNvPr>
+          <p:cNvSpPr txBox="1"/>
+          <p:nvPr/>
+        </p:nvSpPr>
+        <p:spPr>
+          <a:xfrm>
+            <a:off x="9349555" y="6543385"/>
+            <a:ext cx="2842445" cy="253916"/>
+          </a:xfrm>
+          <a:prstGeom prst="rect">
+            <a:avLst/>
+          </a:prstGeom>
+          <a:noFill/>
+        </p:spPr>
+        <p:txBody>
+          <a:bodyPr wrap="none" rtlCol="0">
+            <a:spAutoFit/>
+          </a:bodyPr>
+          <a:lstStyle/>
+          <a:p>
+            <a:r>
+              <a:rPr lang="en-US" sz="1050" b="0" i="0" dirty="0">
+                <a:solidFill>
+                  <a:srgbClr val="000000"/>
+                </a:solidFill>
+                <a:effectLst/>
+              </a:rPr>
+              <a:t>Image: Corona Borealis Studio/Shutterstock.com</a:t>
+            </a:r>
+            <a:endParaRPr lang="en-US" sz="1050" dirty="0"/>
           </a:p>
         </p:txBody>
       </p:sp>
@@ -6686,9 +6528,438 @@
 </p:sld>
 </file>
 
+<file path=ppt/slides/slide10.xml><?xml version="1.0" encoding="utf-8"?>
+<p:sld xmlns:a="http://schemas.openxmlformats.org/drawingml/2006/main" xmlns:r="http://schemas.openxmlformats.org/officeDocument/2006/relationships" xmlns:p="http://schemas.openxmlformats.org/presentationml/2006/main">
+  <p:cSld>
+    <p:spTree>
+      <p:nvGrpSpPr>
+        <p:cNvPr id="1" name=""/>
+        <p:cNvGrpSpPr/>
+        <p:nvPr/>
+      </p:nvGrpSpPr>
+      <p:grpSpPr>
+        <a:xfrm>
+          <a:off x="0" y="0"/>
+          <a:ext cx="0" cy="0"/>
+          <a:chOff x="0" y="0"/>
+          <a:chExt cx="0" cy="0"/>
+        </a:xfrm>
+      </p:grpSpPr>
+      <p:sp>
+        <p:nvSpPr>
+          <p:cNvPr id="2" name="Title 1">
+            <a:extLst>
+              <a:ext uri="{FF2B5EF4-FFF2-40B4-BE49-F238E27FC236}">
+                <a16:creationId xmlns:a16="http://schemas.microsoft.com/office/drawing/2014/main" id="{59E579E5-3F2F-D1E0-6A27-132194ADAE30}"/>
+              </a:ext>
+            </a:extLst>
+          </p:cNvPr>
+          <p:cNvSpPr>
+            <a:spLocks noGrp="1"/>
+          </p:cNvSpPr>
+          <p:nvPr>
+            <p:ph type="title"/>
+          </p:nvPr>
+        </p:nvSpPr>
+        <p:spPr/>
+        <p:txBody>
+          <a:bodyPr/>
+          <a:lstStyle/>
+          <a:p>
+            <a:r>
+              <a:rPr lang="en-US" dirty="0"/>
+              <a:t>Additional resources</a:t>
+            </a:r>
+          </a:p>
+        </p:txBody>
+      </p:sp>
+      <p:sp>
+        <p:nvSpPr>
+          <p:cNvPr id="3" name="Content Placeholder 2">
+            <a:extLst>
+              <a:ext uri="{FF2B5EF4-FFF2-40B4-BE49-F238E27FC236}">
+                <a16:creationId xmlns:a16="http://schemas.microsoft.com/office/drawing/2014/main" id="{83E728D4-9335-BD58-CE88-ABA936A74C97}"/>
+              </a:ext>
+            </a:extLst>
+          </p:cNvPr>
+          <p:cNvSpPr>
+            <a:spLocks noGrp="1"/>
+          </p:cNvSpPr>
+          <p:nvPr>
+            <p:ph idx="1"/>
+          </p:nvPr>
+        </p:nvSpPr>
+        <p:spPr/>
+        <p:txBody>
+          <a:bodyPr/>
+          <a:lstStyle/>
+          <a:p>
+            <a:r>
+              <a:rPr lang="en-US" dirty="0"/>
+              <a:t>Tableau - </a:t>
+            </a:r>
+            <a:r>
+              <a:rPr lang="en-US" b="0" i="0" u="none" strike="noStrike" dirty="0">
+                <a:effectLst/>
+                <a:latin typeface="Slack-Lato"/>
+                <a:hlinkClick r:id="rId2"/>
+              </a:rPr>
+              <a:t>https://public.tableau.com/app/profile/jialin.huang3459/viz/CovidmortalitygroupprojectMar-2023/Story1</a:t>
+            </a:r>
+            <a:endParaRPr lang="en-US" dirty="0"/>
+          </a:p>
+          <a:p>
+            <a:r>
+              <a:rPr lang="en-US" dirty="0" err="1"/>
+              <a:t>Github</a:t>
+            </a:r>
+            <a:r>
+              <a:rPr lang="en-US" dirty="0"/>
+              <a:t> - </a:t>
+            </a:r>
+            <a:r>
+              <a:rPr lang="en-US" dirty="0">
+                <a:hlinkClick r:id="rId3"/>
+              </a:rPr>
+              <a:t>https://github.com/rvroomiii/group_hub</a:t>
+            </a:r>
+            <a:endParaRPr lang="en-US" dirty="0"/>
+          </a:p>
+          <a:p>
+            <a:r>
+              <a:rPr lang="en-US" dirty="0"/>
+              <a:t>Website</a:t>
+            </a:r>
+          </a:p>
+        </p:txBody>
+      </p:sp>
+    </p:spTree>
+    <p:extLst>
+      <p:ext uri="{BB962C8B-B14F-4D97-AF65-F5344CB8AC3E}">
+        <p14:creationId xmlns:p14="http://schemas.microsoft.com/office/powerpoint/2010/main" val="3110597434"/>
+      </p:ext>
+    </p:extLst>
+  </p:cSld>
+  <p:clrMapOvr>
+    <a:masterClrMapping/>
+  </p:clrMapOvr>
+</p:sld>
+</file>
+
+<file path=ppt/slides/slide11.xml><?xml version="1.0" encoding="utf-8"?>
+<p:sld xmlns:a="http://schemas.openxmlformats.org/drawingml/2006/main" xmlns:r="http://schemas.openxmlformats.org/officeDocument/2006/relationships" xmlns:p="http://schemas.openxmlformats.org/presentationml/2006/main">
+  <p:cSld>
+    <p:spTree>
+      <p:nvGrpSpPr>
+        <p:cNvPr id="1" name=""/>
+        <p:cNvGrpSpPr/>
+        <p:nvPr/>
+      </p:nvGrpSpPr>
+      <p:grpSpPr>
+        <a:xfrm>
+          <a:off x="0" y="0"/>
+          <a:ext cx="0" cy="0"/>
+          <a:chOff x="0" y="0"/>
+          <a:chExt cx="0" cy="0"/>
+        </a:xfrm>
+      </p:grpSpPr>
+      <p:sp>
+        <p:nvSpPr>
+          <p:cNvPr id="2" name="Title 1">
+            <a:extLst>
+              <a:ext uri="{FF2B5EF4-FFF2-40B4-BE49-F238E27FC236}">
+                <a16:creationId xmlns:a16="http://schemas.microsoft.com/office/drawing/2014/main" id="{4795C51E-2C92-671C-39F3-025BBEC2D2BC}"/>
+              </a:ext>
+            </a:extLst>
+          </p:cNvPr>
+          <p:cNvSpPr>
+            <a:spLocks noGrp="1"/>
+          </p:cNvSpPr>
+          <p:nvPr>
+            <p:ph type="title"/>
+          </p:nvPr>
+        </p:nvSpPr>
+        <p:spPr/>
+        <p:txBody>
+          <a:bodyPr/>
+          <a:lstStyle/>
+          <a:p>
+            <a:r>
+              <a:rPr lang="en-US" dirty="0"/>
+              <a:t>Credits</a:t>
+            </a:r>
+          </a:p>
+        </p:txBody>
+      </p:sp>
+      <p:sp>
+        <p:nvSpPr>
+          <p:cNvPr id="3" name="Content Placeholder 2">
+            <a:extLst>
+              <a:ext uri="{FF2B5EF4-FFF2-40B4-BE49-F238E27FC236}">
+                <a16:creationId xmlns:a16="http://schemas.microsoft.com/office/drawing/2014/main" id="{25FEC1FB-3A27-9B1C-1E42-3AABAE33938A}"/>
+              </a:ext>
+            </a:extLst>
+          </p:cNvPr>
+          <p:cNvSpPr>
+            <a:spLocks noGrp="1"/>
+          </p:cNvSpPr>
+          <p:nvPr>
+            <p:ph idx="1"/>
+          </p:nvPr>
+        </p:nvSpPr>
+        <p:spPr>
+          <a:xfrm>
+            <a:off x="838200" y="1476462"/>
+            <a:ext cx="10515600" cy="4700501"/>
+          </a:xfrm>
+        </p:spPr>
+        <p:txBody>
+          <a:bodyPr>
+            <a:normAutofit fontScale="77500" lnSpcReduction="20000"/>
+          </a:bodyPr>
+          <a:lstStyle/>
+          <a:p>
+            <a:r>
+              <a:rPr lang="en-US" dirty="0"/>
+              <a:t>Data Source: </a:t>
+            </a:r>
+            <a:r>
+              <a:rPr lang="en-US" i="0" u="none" strike="noStrike" dirty="0">
+                <a:solidFill>
+                  <a:srgbClr val="24292F"/>
+                </a:solidFill>
+                <a:effectLst/>
+                <a:latin typeface="-apple-system"/>
+                <a:hlinkClick r:id="rId2"/>
+              </a:rPr>
+              <a:t>https://www.kaggle.com/datasets/meirnizri/covid19-dataset</a:t>
+            </a:r>
+            <a:endParaRPr lang="en-US" dirty="0"/>
+          </a:p>
+          <a:p>
+            <a:r>
+              <a:rPr lang="en-US" dirty="0"/>
+              <a:t>Software/Tool used:</a:t>
+            </a:r>
+          </a:p>
+          <a:p>
+            <a:pPr lvl="1"/>
+            <a:r>
+              <a:rPr lang="en-US" b="0" dirty="0">
+                <a:solidFill>
+                  <a:srgbClr val="24292F"/>
+                </a:solidFill>
+                <a:effectLst/>
+              </a:rPr>
+              <a:t>Python</a:t>
+            </a:r>
+          </a:p>
+          <a:p>
+            <a:pPr lvl="1"/>
+            <a:r>
+              <a:rPr lang="en-US" b="0" dirty="0">
+                <a:solidFill>
+                  <a:srgbClr val="24292F"/>
+                </a:solidFill>
+                <a:effectLst/>
+              </a:rPr>
+              <a:t>Pandas</a:t>
+            </a:r>
+          </a:p>
+          <a:p>
+            <a:pPr lvl="1"/>
+            <a:r>
+              <a:rPr lang="en-US" b="0" dirty="0">
+                <a:solidFill>
+                  <a:srgbClr val="24292F"/>
+                </a:solidFill>
+                <a:effectLst/>
+              </a:rPr>
+              <a:t>Matplotlib</a:t>
+            </a:r>
+            <a:endParaRPr lang="en-US" dirty="0">
+              <a:solidFill>
+                <a:srgbClr val="24292F"/>
+              </a:solidFill>
+            </a:endParaRPr>
+          </a:p>
+          <a:p>
+            <a:pPr lvl="1"/>
+            <a:r>
+              <a:rPr lang="en-US" b="0" dirty="0">
+                <a:solidFill>
+                  <a:srgbClr val="24292F"/>
+                </a:solidFill>
+                <a:effectLst/>
+              </a:rPr>
+              <a:t>NumPy</a:t>
+            </a:r>
+            <a:endParaRPr lang="en-US" dirty="0">
+              <a:solidFill>
+                <a:srgbClr val="24292F"/>
+              </a:solidFill>
+            </a:endParaRPr>
+          </a:p>
+          <a:p>
+            <a:pPr lvl="1"/>
+            <a:r>
+              <a:rPr lang="en-US" b="0" dirty="0">
+                <a:solidFill>
+                  <a:srgbClr val="24292F"/>
+                </a:solidFill>
+                <a:effectLst/>
+              </a:rPr>
+              <a:t>SciPy</a:t>
+            </a:r>
+          </a:p>
+          <a:p>
+            <a:pPr lvl="1"/>
+            <a:r>
+              <a:rPr lang="en-US" b="0" dirty="0" err="1">
+                <a:solidFill>
+                  <a:srgbClr val="24292F"/>
+                </a:solidFill>
+                <a:effectLst/>
+              </a:rPr>
+              <a:t>Jupyter</a:t>
+            </a:r>
+            <a:r>
+              <a:rPr lang="en-US" b="0" dirty="0">
+                <a:solidFill>
+                  <a:srgbClr val="24292F"/>
+                </a:solidFill>
+                <a:effectLst/>
+              </a:rPr>
+              <a:t> Notebook</a:t>
+            </a:r>
+          </a:p>
+          <a:p>
+            <a:pPr lvl="1"/>
+            <a:r>
+              <a:rPr lang="en-US" b="0" dirty="0">
+                <a:solidFill>
+                  <a:srgbClr val="24292F"/>
+                </a:solidFill>
+                <a:effectLst/>
+              </a:rPr>
+              <a:t>Visual Code Studio</a:t>
+            </a:r>
+          </a:p>
+          <a:p>
+            <a:r>
+              <a:rPr lang="en-US" b="0" i="0" dirty="0">
+                <a:solidFill>
+                  <a:srgbClr val="2B2B2B"/>
+                </a:solidFill>
+                <a:effectLst/>
+                <a:latin typeface="Roboto" panose="02000000000000000000" pitchFamily="2" charset="0"/>
+              </a:rPr>
+              <a:t>Any recommendations for a future analysis. (10 points)</a:t>
+            </a:r>
+          </a:p>
+          <a:p>
+            <a:pPr algn="l">
+              <a:buFont typeface="Arial" panose="020B0604020202020204" pitchFamily="34" charset="0"/>
+              <a:buChar char="•"/>
+            </a:pPr>
+            <a:r>
+              <a:rPr lang="en-US" b="0" i="0" dirty="0">
+                <a:solidFill>
+                  <a:srgbClr val="2B2B2B"/>
+                </a:solidFill>
+                <a:effectLst/>
+                <a:latin typeface="Roboto" panose="02000000000000000000" pitchFamily="2" charset="0"/>
+              </a:rPr>
+              <a:t>Anything that the team would have done differently if they had more time. (10 points)</a:t>
+            </a:r>
+          </a:p>
+          <a:p>
+            <a:pPr lvl="1"/>
+            <a:r>
+              <a:rPr lang="en-US" dirty="0">
+                <a:solidFill>
+                  <a:srgbClr val="2B2B2B"/>
+                </a:solidFill>
+                <a:latin typeface="Roboto" panose="02000000000000000000" pitchFamily="2" charset="0"/>
+              </a:rPr>
+              <a:t>We can use US/CDC data (large file we didn’t use this time)</a:t>
+            </a:r>
+          </a:p>
+          <a:p>
+            <a:pPr lvl="1"/>
+            <a:r>
+              <a:rPr lang="en-US" dirty="0">
+                <a:solidFill>
+                  <a:srgbClr val="2B2B2B"/>
+                </a:solidFill>
+                <a:latin typeface="Roboto" panose="02000000000000000000" pitchFamily="2" charset="0"/>
+              </a:rPr>
+              <a:t>CDC data as support for current data </a:t>
+            </a:r>
+          </a:p>
+          <a:p>
+            <a:pPr lvl="1"/>
+            <a:r>
+              <a:rPr lang="en-US" dirty="0">
+                <a:solidFill>
+                  <a:srgbClr val="2B2B2B"/>
+                </a:solidFill>
+                <a:latin typeface="Roboto" panose="02000000000000000000" pitchFamily="2" charset="0"/>
+              </a:rPr>
+              <a:t>Pneumonia + age group (broken down into more groups) as the highest correlation factors</a:t>
+            </a:r>
+          </a:p>
+          <a:p>
+            <a:pPr lvl="1"/>
+            <a:endParaRPr lang="en-US" dirty="0">
+              <a:solidFill>
+                <a:srgbClr val="2B2B2B"/>
+              </a:solidFill>
+              <a:latin typeface="Roboto" panose="02000000000000000000" pitchFamily="2" charset="0"/>
+            </a:endParaRPr>
+          </a:p>
+          <a:p>
+            <a:pPr lvl="1"/>
+            <a:endParaRPr lang="en-US" b="0" i="0" dirty="0">
+              <a:solidFill>
+                <a:srgbClr val="2B2B2B"/>
+              </a:solidFill>
+              <a:effectLst/>
+              <a:latin typeface="Roboto" panose="02000000000000000000" pitchFamily="2" charset="0"/>
+            </a:endParaRPr>
+          </a:p>
+          <a:p>
+            <a:endParaRPr lang="en-US" dirty="0"/>
+          </a:p>
+          <a:p>
+            <a:endParaRPr lang="en-US" dirty="0"/>
+          </a:p>
+        </p:txBody>
+      </p:sp>
+    </p:spTree>
+    <p:extLst>
+      <p:ext uri="{BB962C8B-B14F-4D97-AF65-F5344CB8AC3E}">
+        <p14:creationId xmlns:p14="http://schemas.microsoft.com/office/powerpoint/2010/main" val="551105099"/>
+      </p:ext>
+    </p:extLst>
+  </p:cSld>
+  <p:clrMapOvr>
+    <a:masterClrMapping/>
+  </p:clrMapOvr>
+</p:sld>
+</file>
+
 <file path=ppt/slides/slide2.xml><?xml version="1.0" encoding="utf-8"?>
 <p:sld xmlns:a="http://schemas.openxmlformats.org/drawingml/2006/main" xmlns:r="http://schemas.openxmlformats.org/officeDocument/2006/relationships" xmlns:p="http://schemas.openxmlformats.org/presentationml/2006/main">
   <p:cSld>
+    <p:bg>
+      <p:bgPr>
+        <a:solidFill>
+          <a:schemeClr val="bg1"/>
+        </a:solidFill>
+        <a:effectLst/>
+      </p:bgPr>
+    </p:bg>
     <p:spTree>
       <p:nvGrpSpPr>
         <p:cNvPr id="1" name=""/>
@@ -6749,39 +7020,85 @@
         </p:nvSpPr>
         <p:spPr>
           <a:xfrm>
-            <a:off x="838200" y="1447800"/>
-            <a:ext cx="10515600" cy="4729163"/>
+            <a:off x="558281" y="1558211"/>
+            <a:ext cx="10515600" cy="2920579"/>
           </a:xfrm>
         </p:spPr>
         <p:txBody>
           <a:bodyPr>
-            <a:normAutofit/>
+            <a:noAutofit/>
           </a:bodyPr>
           <a:lstStyle/>
           <a:p>
-            <a:r>
-              <a:rPr lang="en-US" b="0" i="0" dirty="0">
+            <a:pPr>
+              <a:lnSpc>
+                <a:spcPct val="100000"/>
+              </a:lnSpc>
+              <a:spcBef>
+                <a:spcPts val="0"/>
+              </a:spcBef>
+            </a:pPr>
+            <a:r>
+              <a:rPr lang="en-US" sz="2400" i="0" dirty="0">
                 <a:effectLst/>
-                <a:latin typeface="-apple-system"/>
               </a:rPr>
               <a:t>Coronavirus disease (COVID-19) is an infectious disease caused by a newly discovered coronavirus. Most people infected with COVID-19 virus will experience mild to moderate respiratory illness and recover without requiring special treatment. Older people, and those with underlying medical problems like cardiovascular disease, diabetes, chronic respiratory disease, and cancer are more likely to develop serious illness.</a:t>
             </a:r>
-            <a:endParaRPr lang="en-US" dirty="0"/>
-          </a:p>
-          <a:p>
-            <a:r>
-              <a:rPr lang="en-US" b="0" i="0" dirty="0">
+          </a:p>
+          <a:p>
+            <a:pPr>
+              <a:lnSpc>
+                <a:spcPct val="100000"/>
+              </a:lnSpc>
+              <a:spcBef>
+                <a:spcPts val="0"/>
+              </a:spcBef>
+            </a:pPr>
+            <a:endParaRPr lang="en-US" sz="2400" i="0" dirty="0">
+              <a:effectLst/>
+            </a:endParaRPr>
+          </a:p>
+          <a:p>
+            <a:pPr>
+              <a:lnSpc>
+                <a:spcPct val="100000"/>
+              </a:lnSpc>
+              <a:spcBef>
+                <a:spcPts val="0"/>
+              </a:spcBef>
+            </a:pPr>
+            <a:r>
+              <a:rPr lang="en-US" sz="2400" i="0" dirty="0">
+                <a:solidFill>
+                  <a:srgbClr val="24292F"/>
+                </a:solidFill>
                 <a:effectLst/>
-                <a:latin typeface="-apple-system"/>
               </a:rPr>
-              <a:t>The main goal of this project is to build a machine learning model that, given a Covid-19 patient's current symptom, status, and medical history, will predict whether the patient is in high risk or not.</a:t>
-            </a:r>
-          </a:p>
-          <a:p>
-            <a:endParaRPr lang="en-US" dirty="0"/>
-          </a:p>
-          <a:p>
-            <a:endParaRPr lang="en-US" dirty="0"/>
+              <a:t>The main goal of this project is to build a machine learning model that, given a Covid-19 patient's current symptom, status, and medical history, will predict whether the patient is in high risk or not. We decided to focus on Covid-19 due to its continued impact on the world's population. While deaths have declined, we are still interested in the factors that lead to severe complications.</a:t>
+            </a:r>
+          </a:p>
+          <a:p>
+            <a:pPr>
+              <a:lnSpc>
+                <a:spcPct val="100000"/>
+              </a:lnSpc>
+              <a:spcBef>
+                <a:spcPts val="0"/>
+              </a:spcBef>
+            </a:pPr>
+            <a:endParaRPr lang="en-US" sz="2400" dirty="0"/>
+          </a:p>
+          <a:p>
+            <a:endParaRPr lang="en-US" sz="2400" b="0" i="0" dirty="0">
+              <a:effectLst/>
+              <a:latin typeface="-apple-system"/>
+            </a:endParaRPr>
+          </a:p>
+          <a:p>
+            <a:endParaRPr lang="en-US" sz="2400" dirty="0"/>
+          </a:p>
+          <a:p>
+            <a:endParaRPr lang="en-US" sz="2400" dirty="0"/>
           </a:p>
         </p:txBody>
       </p:sp>
@@ -6817,10 +7134,10 @@
       </p:grpSpPr>
       <p:sp>
         <p:nvSpPr>
-          <p:cNvPr id="7" name="Title 6">
+          <p:cNvPr id="2" name="Title 1">
             <a:extLst>
               <a:ext uri="{FF2B5EF4-FFF2-40B4-BE49-F238E27FC236}">
-                <a16:creationId xmlns:a16="http://schemas.microsoft.com/office/drawing/2014/main" id="{2F7F5846-25E6-F42B-FEB1-115EFE3899A2}"/>
+                <a16:creationId xmlns:a16="http://schemas.microsoft.com/office/drawing/2014/main" id="{3427CB91-95D8-B5E0-E09C-5D88ACCB5781}"/>
               </a:ext>
             </a:extLst>
           </p:cNvPr>
@@ -6836,16 +7153,19 @@
           <a:bodyPr/>
           <a:lstStyle/>
           <a:p>
-            <a:endParaRPr lang="en-US" dirty="0"/>
+            <a:r>
+              <a:rPr lang="en-US" dirty="0"/>
+              <a:t>Goals:</a:t>
+            </a:r>
           </a:p>
         </p:txBody>
       </p:sp>
       <p:sp>
         <p:nvSpPr>
-          <p:cNvPr id="5" name="Content Placeholder 4">
+          <p:cNvPr id="3" name="Content Placeholder 2">
             <a:extLst>
               <a:ext uri="{FF2B5EF4-FFF2-40B4-BE49-F238E27FC236}">
-                <a16:creationId xmlns:a16="http://schemas.microsoft.com/office/drawing/2014/main" id="{002A98A5-2767-8F11-F86F-27524B2967D5}"/>
+                <a16:creationId xmlns:a16="http://schemas.microsoft.com/office/drawing/2014/main" id="{24999366-9B87-BDFC-4EF8-B3FBF4CA9A6A}"/>
               </a:ext>
             </a:extLst>
           </p:cNvPr>
@@ -6853,56 +7173,107 @@
             <a:spLocks noGrp="1"/>
           </p:cNvSpPr>
           <p:nvPr>
-            <p:ph sz="half" idx="1"/>
+            <p:ph idx="1"/>
           </p:nvPr>
         </p:nvSpPr>
-        <p:spPr/>
+        <p:spPr>
+          <a:xfrm>
+            <a:off x="838200" y="1458307"/>
+            <a:ext cx="10515600" cy="4351338"/>
+          </a:xfrm>
+        </p:spPr>
         <p:txBody>
           <a:bodyPr/>
           <a:lstStyle/>
           <a:p>
-            <a:r>
-              <a:rPr lang="en-US" dirty="0"/>
-              <a:t>Age</a:t>
+            <a:pPr algn="l">
+              <a:buFont typeface="Arial" panose="020B0604020202020204" pitchFamily="34" charset="0"/>
+              <a:buChar char="•"/>
+            </a:pPr>
+            <a:r>
+              <a:rPr lang="en-US" b="0" i="0" dirty="0">
+                <a:solidFill>
+                  <a:srgbClr val="2B2B2B"/>
+                </a:solidFill>
+                <a:effectLst/>
+                <a:latin typeface="Roboto" panose="02000000000000000000" pitchFamily="2" charset="0"/>
+              </a:rPr>
+              <a:t>The selected topic and the reasoning for that selection. (6 points)</a:t>
+            </a:r>
+          </a:p>
+          <a:p>
+            <a:pPr algn="l">
+              <a:buFont typeface="Arial" panose="020B0604020202020204" pitchFamily="34" charset="0"/>
+              <a:buChar char="•"/>
+            </a:pPr>
+            <a:r>
+              <a:rPr lang="en-US" b="0" i="0" dirty="0">
+                <a:solidFill>
+                  <a:srgbClr val="2B2B2B"/>
+                </a:solidFill>
+                <a:effectLst/>
+                <a:latin typeface="Roboto" panose="02000000000000000000" pitchFamily="2" charset="0"/>
+              </a:rPr>
+              <a:t>A description of the data source. (6 points)</a:t>
+            </a:r>
+          </a:p>
+          <a:p>
+            <a:pPr algn="l">
+              <a:buFont typeface="Arial" panose="020B0604020202020204" pitchFamily="34" charset="0"/>
+              <a:buChar char="•"/>
+            </a:pPr>
+            <a:r>
+              <a:rPr lang="en-US" b="0" i="0" dirty="0">
+                <a:solidFill>
+                  <a:srgbClr val="2B2B2B"/>
+                </a:solidFill>
+                <a:effectLst/>
+                <a:latin typeface="Roboto" panose="02000000000000000000" pitchFamily="2" charset="0"/>
+              </a:rPr>
+              <a:t>The questions that the team planned to answer with the data. (6 points)</a:t>
+            </a:r>
+          </a:p>
+          <a:p>
+            <a:pPr algn="l">
+              <a:buFont typeface="Arial" panose="020B0604020202020204" pitchFamily="34" charset="0"/>
+              <a:buChar char="•"/>
+            </a:pPr>
+            <a:r>
+              <a:rPr lang="en-US" b="0" i="0" dirty="0">
+                <a:solidFill>
+                  <a:srgbClr val="2B2B2B"/>
+                </a:solidFill>
+                <a:effectLst/>
+                <a:latin typeface="Roboto" panose="02000000000000000000" pitchFamily="2" charset="0"/>
+              </a:rPr>
+              <a:t>A description of the data exploration phase of the project. (6 points)</a:t>
+            </a:r>
+          </a:p>
+          <a:p>
+            <a:pPr algn="l">
+              <a:buFont typeface="Arial" panose="020B0604020202020204" pitchFamily="34" charset="0"/>
+              <a:buChar char="•"/>
+            </a:pPr>
+            <a:r>
+              <a:rPr lang="en-US" b="0" i="0" dirty="0">
+                <a:solidFill>
+                  <a:srgbClr val="2B2B2B"/>
+                </a:solidFill>
+                <a:effectLst/>
+                <a:latin typeface="Roboto" panose="02000000000000000000" pitchFamily="2" charset="0"/>
+              </a:rPr>
+              <a:t>A description of the analysis phase of the project. (6 points)</a:t>
             </a:r>
           </a:p>
           <a:p>
             <a:endParaRPr lang="en-US" dirty="0"/>
-          </a:p>
-        </p:txBody>
-      </p:sp>
-      <p:sp>
-        <p:nvSpPr>
-          <p:cNvPr id="6" name="Content Placeholder 5">
-            <a:extLst>
-              <a:ext uri="{FF2B5EF4-FFF2-40B4-BE49-F238E27FC236}">
-                <a16:creationId xmlns:a16="http://schemas.microsoft.com/office/drawing/2014/main" id="{122BAAC1-D745-D12A-725C-1086B6479FA6}"/>
-              </a:ext>
-            </a:extLst>
-          </p:cNvPr>
-          <p:cNvSpPr>
-            <a:spLocks noGrp="1"/>
-          </p:cNvSpPr>
-          <p:nvPr>
-            <p:ph sz="half" idx="2"/>
-          </p:nvPr>
-        </p:nvSpPr>
-        <p:spPr/>
-        <p:txBody>
-          <a:bodyPr/>
-          <a:lstStyle/>
-          <a:p>
-            <a:r>
-              <a:rPr lang="en-US" dirty="0"/>
-              <a:t>Gender</a:t>
-            </a:r>
           </a:p>
         </p:txBody>
       </p:sp>
     </p:spTree>
     <p:extLst>
       <p:ext uri="{BB962C8B-B14F-4D97-AF65-F5344CB8AC3E}">
-        <p14:creationId xmlns:p14="http://schemas.microsoft.com/office/powerpoint/2010/main" val="3419682641"/>
+        <p14:creationId xmlns:p14="http://schemas.microsoft.com/office/powerpoint/2010/main" val="414719986"/>
       </p:ext>
     </p:extLst>
   </p:cSld>
@@ -6913,6 +7284,169 @@
 </file>
 
 <file path=ppt/slides/slide4.xml><?xml version="1.0" encoding="utf-8"?>
+<p:sld xmlns:a="http://schemas.openxmlformats.org/drawingml/2006/main" xmlns:r="http://schemas.openxmlformats.org/officeDocument/2006/relationships" xmlns:p="http://schemas.openxmlformats.org/presentationml/2006/main">
+  <p:cSld>
+    <p:spTree>
+      <p:nvGrpSpPr>
+        <p:cNvPr id="1" name=""/>
+        <p:cNvGrpSpPr/>
+        <p:nvPr/>
+      </p:nvGrpSpPr>
+      <p:grpSpPr>
+        <a:xfrm>
+          <a:off x="0" y="0"/>
+          <a:ext cx="0" cy="0"/>
+          <a:chOff x="0" y="0"/>
+          <a:chExt cx="0" cy="0"/>
+        </a:xfrm>
+      </p:grpSpPr>
+      <p:sp>
+        <p:nvSpPr>
+          <p:cNvPr id="2" name="Title 1">
+            <a:extLst>
+              <a:ext uri="{FF2B5EF4-FFF2-40B4-BE49-F238E27FC236}">
+                <a16:creationId xmlns:a16="http://schemas.microsoft.com/office/drawing/2014/main" id="{F9F30F2A-B401-09CF-4568-3EB747BB9970}"/>
+              </a:ext>
+            </a:extLst>
+          </p:cNvPr>
+          <p:cNvSpPr>
+            <a:spLocks noGrp="1"/>
+          </p:cNvSpPr>
+          <p:nvPr>
+            <p:ph type="title"/>
+          </p:nvPr>
+        </p:nvSpPr>
+        <p:spPr/>
+        <p:txBody>
+          <a:bodyPr/>
+          <a:lstStyle/>
+          <a:p>
+            <a:r>
+              <a:rPr lang="en-US" dirty="0"/>
+              <a:t>Data Exploration:</a:t>
+            </a:r>
+          </a:p>
+        </p:txBody>
+      </p:sp>
+      <p:sp>
+        <p:nvSpPr>
+          <p:cNvPr id="3" name="Content Placeholder 2">
+            <a:extLst>
+              <a:ext uri="{FF2B5EF4-FFF2-40B4-BE49-F238E27FC236}">
+                <a16:creationId xmlns:a16="http://schemas.microsoft.com/office/drawing/2014/main" id="{05C980F3-05A8-CC6D-DDFE-3846B86D9584}"/>
+              </a:ext>
+            </a:extLst>
+          </p:cNvPr>
+          <p:cNvSpPr>
+            <a:spLocks noGrp="1"/>
+          </p:cNvSpPr>
+          <p:nvPr>
+            <p:ph idx="1"/>
+          </p:nvPr>
+        </p:nvSpPr>
+        <p:spPr>
+          <a:xfrm>
+            <a:off x="838200" y="1620352"/>
+            <a:ext cx="10515600" cy="4351338"/>
+          </a:xfrm>
+        </p:spPr>
+        <p:txBody>
+          <a:bodyPr>
+            <a:normAutofit/>
+          </a:bodyPr>
+          <a:lstStyle/>
+          <a:p>
+            <a:pPr algn="l">
+              <a:buFont typeface="Arial" panose="020B0604020202020204" pitchFamily="34" charset="0"/>
+              <a:buChar char="•"/>
+            </a:pPr>
+            <a:r>
+              <a:rPr lang="en-US" b="0" dirty="0">
+                <a:solidFill>
+                  <a:srgbClr val="24292F"/>
+                </a:solidFill>
+                <a:effectLst/>
+              </a:rPr>
+              <a:t>Predicting a person’s likelihood to contract Covid death vs mortality based Supervised ML</a:t>
+            </a:r>
+            <a:br>
+              <a:rPr lang="en-US" b="0" dirty="0">
+                <a:solidFill>
+                  <a:srgbClr val="24292F"/>
+                </a:solidFill>
+                <a:effectLst/>
+              </a:rPr>
+            </a:br>
+            <a:endParaRPr lang="en-US" b="0" dirty="0">
+              <a:solidFill>
+                <a:srgbClr val="24292F"/>
+              </a:solidFill>
+              <a:effectLst/>
+            </a:endParaRPr>
+          </a:p>
+          <a:p>
+            <a:pPr algn="l">
+              <a:buFont typeface="Arial" panose="020B0604020202020204" pitchFamily="34" charset="0"/>
+              <a:buChar char="•"/>
+            </a:pPr>
+            <a:r>
+              <a:rPr lang="en-US" b="0" dirty="0">
+                <a:solidFill>
+                  <a:srgbClr val="24292F"/>
+                </a:solidFill>
+                <a:effectLst/>
+              </a:rPr>
+              <a:t>Use six different machine learning models</a:t>
+            </a:r>
+            <a:br>
+              <a:rPr lang="en-US" b="0" dirty="0">
+                <a:solidFill>
+                  <a:srgbClr val="24292F"/>
+                </a:solidFill>
+                <a:effectLst/>
+              </a:rPr>
+            </a:br>
+            <a:endParaRPr lang="en-US" b="0" dirty="0">
+              <a:solidFill>
+                <a:srgbClr val="24292F"/>
+              </a:solidFill>
+              <a:effectLst/>
+            </a:endParaRPr>
+          </a:p>
+          <a:p>
+            <a:pPr algn="l">
+              <a:buFont typeface="Arial" panose="020B0604020202020204" pitchFamily="34" charset="0"/>
+              <a:buChar char="•"/>
+            </a:pPr>
+            <a:r>
+              <a:rPr lang="en-US" b="0" dirty="0">
+                <a:solidFill>
+                  <a:srgbClr val="24292F"/>
+                </a:solidFill>
+                <a:effectLst/>
+              </a:rPr>
+              <a:t>Use a checklist of existing conditions -&gt; correlation to % of Covid mortality</a:t>
+            </a:r>
+          </a:p>
+          <a:p>
+            <a:endParaRPr lang="en-US" dirty="0"/>
+          </a:p>
+        </p:txBody>
+      </p:sp>
+    </p:spTree>
+    <p:extLst>
+      <p:ext uri="{BB962C8B-B14F-4D97-AF65-F5344CB8AC3E}">
+        <p14:creationId xmlns:p14="http://schemas.microsoft.com/office/powerpoint/2010/main" val="118895543"/>
+      </p:ext>
+    </p:extLst>
+  </p:cSld>
+  <p:clrMapOvr>
+    <a:masterClrMapping/>
+  </p:clrMapOvr>
+</p:sld>
+</file>
+
+<file path=ppt/slides/slide5.xml><?xml version="1.0" encoding="utf-8"?>
 <p:sld xmlns:a="http://schemas.openxmlformats.org/drawingml/2006/main" xmlns:r="http://schemas.openxmlformats.org/officeDocument/2006/relationships" xmlns:p="http://schemas.openxmlformats.org/presentationml/2006/main">
   <p:cSld>
     <p:spTree>
@@ -6952,58 +7486,267 @@
           <a:p>
             <a:r>
               <a:rPr lang="en-US" dirty="0"/>
-              <a:t>Underlying Conditions</a:t>
+              <a:t>Pre-existing Diseases or Conditions</a:t>
             </a:r>
           </a:p>
         </p:txBody>
       </p:sp>
-      <p:sp>
-        <p:nvSpPr>
-          <p:cNvPr id="3" name="Content Placeholder 2">
+      <p:pic>
+        <p:nvPicPr>
+          <p:cNvPr id="19" name="Content Placeholder 18">
             <a:extLst>
               <a:ext uri="{FF2B5EF4-FFF2-40B4-BE49-F238E27FC236}">
-                <a16:creationId xmlns:a16="http://schemas.microsoft.com/office/drawing/2014/main" id="{8FD6D2B2-3CB3-B6D9-B166-1237F1CCCE07}"/>
+                <a16:creationId xmlns:a16="http://schemas.microsoft.com/office/drawing/2014/main" id="{DC431DCC-A76C-6983-FCE1-360BEA95AFD7}"/>
               </a:ext>
             </a:extLst>
           </p:cNvPr>
-          <p:cNvSpPr>
-            <a:spLocks noGrp="1"/>
-          </p:cNvSpPr>
+          <p:cNvPicPr>
+            <a:picLocks noGrp="1" noChangeAspect="1"/>
+          </p:cNvPicPr>
           <p:nvPr>
             <p:ph sz="half" idx="1"/>
           </p:nvPr>
-        </p:nvSpPr>
-        <p:spPr/>
-        <p:txBody>
-          <a:bodyPr/>
-          <a:lstStyle/>
-          <a:p>
-            <a:endParaRPr lang="en-US" dirty="0"/>
-          </a:p>
-        </p:txBody>
-      </p:sp>
+        </p:nvPicPr>
+        <p:blipFill rotWithShape="1">
+          <a:blip r:embed="rId2">
+            <a:extLst>
+              <a:ext uri="{28A0092B-C50C-407E-A947-70E740481C1C}">
+                <a14:useLocalDpi xmlns:a14="http://schemas.microsoft.com/office/drawing/2010/main" val="0"/>
+              </a:ext>
+              <a:ext uri="{837473B0-CC2E-450A-ABE3-18F120FF3D39}">
+                <a1611:picAttrSrcUrl xmlns:a1611="http://schemas.microsoft.com/office/drawing/2016/11/main" r:id="rId3"/>
+              </a:ext>
+            </a:extLst>
+          </a:blip>
+          <a:srcRect t="-3447" r="42847" b="-1"/>
+          <a:stretch/>
+        </p:blipFill>
+        <p:spPr>
+          <a:xfrm>
+            <a:off x="349270" y="1575127"/>
+            <a:ext cx="2869791" cy="3462919"/>
+          </a:xfrm>
+        </p:spPr>
+      </p:pic>
       <p:sp>
         <p:nvSpPr>
-          <p:cNvPr id="4" name="Content Placeholder 3">
+          <p:cNvPr id="20" name="TextBox 19">
             <a:extLst>
               <a:ext uri="{FF2B5EF4-FFF2-40B4-BE49-F238E27FC236}">
-                <a16:creationId xmlns:a16="http://schemas.microsoft.com/office/drawing/2014/main" id="{A648C0FE-2600-CBED-2549-426C36536413}"/>
+                <a16:creationId xmlns:a16="http://schemas.microsoft.com/office/drawing/2014/main" id="{553445FF-F3B4-6E3E-51C1-96DE5C2F73FE}"/>
               </a:ext>
             </a:extLst>
           </p:cNvPr>
-          <p:cNvSpPr>
-            <a:spLocks noGrp="1"/>
-          </p:cNvSpPr>
-          <p:nvPr>
-            <p:ph sz="half" idx="2"/>
-          </p:nvPr>
+          <p:cNvSpPr txBox="1"/>
+          <p:nvPr/>
         </p:nvSpPr>
-        <p:spPr/>
+        <p:spPr>
+          <a:xfrm>
+            <a:off x="349270" y="5052041"/>
+            <a:ext cx="5181600" cy="230832"/>
+          </a:xfrm>
+          <a:prstGeom prst="rect">
+            <a:avLst/>
+          </a:prstGeom>
+          <a:noFill/>
+        </p:spPr>
         <p:txBody>
-          <a:bodyPr/>
+          <a:bodyPr wrap="square" rtlCol="0">
+            <a:spAutoFit/>
+          </a:bodyPr>
           <a:lstStyle/>
           <a:p>
-            <a:endParaRPr lang="en-US"/>
+            <a:r>
+              <a:rPr lang="en-US" sz="900" dirty="0">
+                <a:hlinkClick r:id="rId3" tooltip="https://researchoutreach.org/articles/laboratory-lungs-implications-lung-organoids-health-disease/"/>
+              </a:rPr>
+              <a:t>This Photo</a:t>
+            </a:r>
+            <a:r>
+              <a:rPr lang="en-US" sz="900" dirty="0"/>
+              <a:t> by Unknown Author is licensed under </a:t>
+            </a:r>
+            <a:r>
+              <a:rPr lang="en-US" sz="900" dirty="0">
+                <a:hlinkClick r:id="rId4" tooltip="https://creativecommons.org/licenses/by-nc-nd/3.0/"/>
+              </a:rPr>
+              <a:t>CC BY-NC-ND</a:t>
+            </a:r>
+            <a:endParaRPr lang="en-US" sz="900" dirty="0"/>
+          </a:p>
+        </p:txBody>
+      </p:sp>
+      <p:pic>
+        <p:nvPicPr>
+          <p:cNvPr id="22" name="Picture 21">
+            <a:extLst>
+              <a:ext uri="{FF2B5EF4-FFF2-40B4-BE49-F238E27FC236}">
+                <a16:creationId xmlns:a16="http://schemas.microsoft.com/office/drawing/2014/main" id="{4D56A99C-0D2A-325F-9CBC-92025999F82D}"/>
+              </a:ext>
+            </a:extLst>
+          </p:cNvPr>
+          <p:cNvPicPr>
+            <a:picLocks noChangeAspect="1"/>
+          </p:cNvPicPr>
+          <p:nvPr/>
+        </p:nvPicPr>
+        <p:blipFill>
+          <a:blip r:embed="rId5">
+            <a:extLst>
+              <a:ext uri="{28A0092B-C50C-407E-A947-70E740481C1C}">
+                <a14:useLocalDpi xmlns:a14="http://schemas.microsoft.com/office/drawing/2010/main" val="0"/>
+              </a:ext>
+              <a:ext uri="{837473B0-CC2E-450A-ABE3-18F120FF3D39}">
+                <a1611:picAttrSrcUrl xmlns:a1611="http://schemas.microsoft.com/office/drawing/2016/11/main" r:id="rId6"/>
+              </a:ext>
+            </a:extLst>
+          </a:blip>
+          <a:stretch>
+            <a:fillRect/>
+          </a:stretch>
+        </p:blipFill>
+        <p:spPr>
+          <a:xfrm>
+            <a:off x="7950200" y="1638872"/>
+            <a:ext cx="3784600" cy="3035300"/>
+          </a:xfrm>
+          <a:prstGeom prst="rect">
+            <a:avLst/>
+          </a:prstGeom>
+        </p:spPr>
+      </p:pic>
+      <p:sp>
+        <p:nvSpPr>
+          <p:cNvPr id="23" name="TextBox 22">
+            <a:extLst>
+              <a:ext uri="{FF2B5EF4-FFF2-40B4-BE49-F238E27FC236}">
+                <a16:creationId xmlns:a16="http://schemas.microsoft.com/office/drawing/2014/main" id="{73955EE9-0447-BEFF-0331-DF519CDB2C4C}"/>
+              </a:ext>
+            </a:extLst>
+          </p:cNvPr>
+          <p:cNvSpPr txBox="1"/>
+          <p:nvPr/>
+        </p:nvSpPr>
+        <p:spPr>
+          <a:xfrm>
+            <a:off x="8786845" y="4734526"/>
+            <a:ext cx="2584061" cy="369332"/>
+          </a:xfrm>
+          <a:prstGeom prst="rect">
+            <a:avLst/>
+          </a:prstGeom>
+          <a:noFill/>
+        </p:spPr>
+        <p:txBody>
+          <a:bodyPr wrap="square" rtlCol="0">
+            <a:spAutoFit/>
+          </a:bodyPr>
+          <a:lstStyle/>
+          <a:p>
+            <a:r>
+              <a:rPr lang="en-US" sz="900" dirty="0">
+                <a:hlinkClick r:id="rId6" tooltip="https://www.oercommons.org/courseware/lesson/10511"/>
+              </a:rPr>
+              <a:t>This Photo</a:t>
+            </a:r>
+            <a:r>
+              <a:rPr lang="en-US" sz="900" dirty="0"/>
+              <a:t> by Unknown Author is licensed under </a:t>
+            </a:r>
+            <a:r>
+              <a:rPr lang="en-US" sz="900" dirty="0">
+                <a:hlinkClick r:id="rId4" tooltip="https://creativecommons.org/licenses/by-nc-nd/3.0/"/>
+              </a:rPr>
+              <a:t>CC BY-NC-ND</a:t>
+            </a:r>
+            <a:endParaRPr lang="en-US" sz="900" dirty="0"/>
+          </a:p>
+        </p:txBody>
+      </p:sp>
+      <p:pic>
+        <p:nvPicPr>
+          <p:cNvPr id="29" name="Picture 28">
+            <a:extLst>
+              <a:ext uri="{FF2B5EF4-FFF2-40B4-BE49-F238E27FC236}">
+                <a16:creationId xmlns:a16="http://schemas.microsoft.com/office/drawing/2014/main" id="{188FDEEB-65D7-05B5-1CC1-FFCCDEC1D336}"/>
+              </a:ext>
+            </a:extLst>
+          </p:cNvPr>
+          <p:cNvPicPr>
+            <a:picLocks noChangeAspect="1"/>
+          </p:cNvPicPr>
+          <p:nvPr/>
+        </p:nvPicPr>
+        <p:blipFill>
+          <a:blip r:embed="rId7">
+            <a:extLst>
+              <a:ext uri="{28A0092B-C50C-407E-A947-70E740481C1C}">
+                <a14:useLocalDpi xmlns:a14="http://schemas.microsoft.com/office/drawing/2010/main" val="0"/>
+              </a:ext>
+              <a:ext uri="{837473B0-CC2E-450A-ABE3-18F120FF3D39}">
+                <a1611:picAttrSrcUrl xmlns:a1611="http://schemas.microsoft.com/office/drawing/2016/11/main" r:id="rId8"/>
+              </a:ext>
+            </a:extLst>
+          </a:blip>
+          <a:stretch>
+            <a:fillRect/>
+          </a:stretch>
+        </p:blipFill>
+        <p:spPr>
+          <a:xfrm>
+            <a:off x="3821091" y="1690688"/>
+            <a:ext cx="3452326" cy="2302675"/>
+          </a:xfrm>
+          <a:prstGeom prst="rect">
+            <a:avLst/>
+          </a:prstGeom>
+        </p:spPr>
+      </p:pic>
+      <p:sp>
+        <p:nvSpPr>
+          <p:cNvPr id="30" name="TextBox 29">
+            <a:extLst>
+              <a:ext uri="{FF2B5EF4-FFF2-40B4-BE49-F238E27FC236}">
+                <a16:creationId xmlns:a16="http://schemas.microsoft.com/office/drawing/2014/main" id="{9DDB6113-3E49-4FA2-2819-A1DAFBDC3D88}"/>
+              </a:ext>
+            </a:extLst>
+          </p:cNvPr>
+          <p:cNvSpPr txBox="1"/>
+          <p:nvPr/>
+        </p:nvSpPr>
+        <p:spPr>
+          <a:xfrm>
+            <a:off x="3821091" y="4183800"/>
+            <a:ext cx="3452326" cy="230832"/>
+          </a:xfrm>
+          <a:prstGeom prst="rect">
+            <a:avLst/>
+          </a:prstGeom>
+          <a:noFill/>
+        </p:spPr>
+        <p:txBody>
+          <a:bodyPr wrap="square" rtlCol="0">
+            <a:spAutoFit/>
+          </a:bodyPr>
+          <a:lstStyle/>
+          <a:p>
+            <a:r>
+              <a:rPr lang="en-US" sz="900">
+                <a:hlinkClick r:id="rId8" tooltip="http://flickr.com/photos/vinothchandar/8530944828"/>
+              </a:rPr>
+              <a:t>This Photo</a:t>
+            </a:r>
+            <a:r>
+              <a:rPr lang="en-US" sz="900"/>
+              <a:t> by Unknown Author is licensed under </a:t>
+            </a:r>
+            <a:r>
+              <a:rPr lang="en-US" sz="900">
+                <a:hlinkClick r:id="rId9" tooltip="https://creativecommons.org/licenses/by/3.0/"/>
+              </a:rPr>
+              <a:t>CC BY</a:t>
+            </a:r>
+            <a:endParaRPr lang="en-US" sz="900"/>
           </a:p>
         </p:txBody>
       </p:sp>
@@ -7020,7 +7763,7 @@
 </p:sld>
 </file>
 
-<file path=ppt/slides/slide5.xml><?xml version="1.0" encoding="utf-8"?>
+<file path=ppt/slides/slide6.xml><?xml version="1.0" encoding="utf-8"?>
 <p:sld xmlns:a="http://schemas.openxmlformats.org/drawingml/2006/main" xmlns:r="http://schemas.openxmlformats.org/officeDocument/2006/relationships" xmlns:p="http://schemas.openxmlformats.org/presentationml/2006/main">
   <p:cSld>
     <p:spTree>
@@ -7055,7 +7798,9 @@
         </p:nvSpPr>
         <p:spPr/>
         <p:txBody>
-          <a:bodyPr/>
+          <a:bodyPr>
+            <a:normAutofit/>
+          </a:bodyPr>
           <a:lstStyle/>
           <a:p>
             <a:r>
@@ -7081,7 +7826,7 @@
             <p:ph idx="1"/>
             <p:extLst>
               <p:ext uri="{D42A27DB-BD31-4B8C-83A1-F6EECF244321}">
-                <p14:modId xmlns:p14="http://schemas.microsoft.com/office/powerpoint/2010/main" val="2507204801"/>
+                <p14:modId xmlns:p14="http://schemas.microsoft.com/office/powerpoint/2010/main" val="1785740654"/>
               </p:ext>
             </p:extLst>
           </p:nvPr>
@@ -7109,7 +7854,7 @@
 </p:sld>
 </file>
 
-<file path=ppt/slides/slide6.xml><?xml version="1.0" encoding="utf-8"?>
+<file path=ppt/slides/slide7.xml><?xml version="1.0" encoding="utf-8"?>
 <p:sld xmlns:a="http://schemas.openxmlformats.org/drawingml/2006/main" xmlns:r="http://schemas.openxmlformats.org/officeDocument/2006/relationships" xmlns:p="http://schemas.openxmlformats.org/presentationml/2006/main">
   <p:cSld>
     <p:spTree>
@@ -7144,38 +7889,658 @@
         </p:nvSpPr>
         <p:spPr/>
         <p:txBody>
-          <a:bodyPr/>
+          <a:bodyPr>
+            <a:normAutofit/>
+          </a:bodyPr>
           <a:lstStyle/>
           <a:p>
             <a:r>
               <a:rPr lang="en-US" dirty="0"/>
-              <a:t>Features/Accuracy</a:t>
+              <a:t>Accuracies of Different ML Models</a:t>
             </a:r>
           </a:p>
         </p:txBody>
       </p:sp>
-      <p:sp>
-        <p:nvSpPr>
-          <p:cNvPr id="3" name="Content Placeholder 2">
+      <p:graphicFrame>
+        <p:nvGraphicFramePr>
+          <p:cNvPr id="4" name="Table 4">
             <a:extLst>
               <a:ext uri="{FF2B5EF4-FFF2-40B4-BE49-F238E27FC236}">
-                <a16:creationId xmlns:a16="http://schemas.microsoft.com/office/drawing/2014/main" id="{C64933BF-475E-83DF-E8DC-9209EC436B73}"/>
+                <a16:creationId xmlns:a16="http://schemas.microsoft.com/office/drawing/2014/main" id="{AF16E245-1238-8EBD-41B6-23B5A52BF652}"/>
               </a:ext>
             </a:extLst>
           </p:cNvPr>
-          <p:cNvSpPr>
-            <a:spLocks noGrp="1"/>
-          </p:cNvSpPr>
+          <p:cNvGraphicFramePr>
+            <a:graphicFrameLocks noGrp="1"/>
+          </p:cNvGraphicFramePr>
           <p:nvPr>
             <p:ph idx="1"/>
+            <p:extLst>
+              <p:ext uri="{D42A27DB-BD31-4B8C-83A1-F6EECF244321}">
+                <p14:modId xmlns:p14="http://schemas.microsoft.com/office/powerpoint/2010/main" val="2863269688"/>
+              </p:ext>
+            </p:extLst>
           </p:nvPr>
+        </p:nvGraphicFramePr>
+        <p:xfrm>
+          <a:off x="747733" y="1772695"/>
+          <a:ext cx="10280872" cy="3282302"/>
+        </p:xfrm>
+        <a:graphic>
+          <a:graphicData uri="http://schemas.openxmlformats.org/drawingml/2006/table">
+            <a:tbl>
+              <a:tblPr firstRow="1" bandRow="1">
+                <a:tableStyleId>{5C22544A-7EE6-4342-B048-85BDC9FD1C3A}</a:tableStyleId>
+              </a:tblPr>
+              <a:tblGrid>
+                <a:gridCol w="1468696">
+                  <a:extLst>
+                    <a:ext uri="{9D8B030D-6E8A-4147-A177-3AD203B41FA5}">
+                      <a16:colId xmlns:a16="http://schemas.microsoft.com/office/drawing/2014/main" val="1615546408"/>
+                    </a:ext>
+                  </a:extLst>
+                </a:gridCol>
+                <a:gridCol w="1468696">
+                  <a:extLst>
+                    <a:ext uri="{9D8B030D-6E8A-4147-A177-3AD203B41FA5}">
+                      <a16:colId xmlns:a16="http://schemas.microsoft.com/office/drawing/2014/main" val="3540987589"/>
+                    </a:ext>
+                  </a:extLst>
+                </a:gridCol>
+                <a:gridCol w="1468696">
+                  <a:extLst>
+                    <a:ext uri="{9D8B030D-6E8A-4147-A177-3AD203B41FA5}">
+                      <a16:colId xmlns:a16="http://schemas.microsoft.com/office/drawing/2014/main" val="1638274081"/>
+                    </a:ext>
+                  </a:extLst>
+                </a:gridCol>
+                <a:gridCol w="1468696">
+                  <a:extLst>
+                    <a:ext uri="{9D8B030D-6E8A-4147-A177-3AD203B41FA5}">
+                      <a16:colId xmlns:a16="http://schemas.microsoft.com/office/drawing/2014/main" val="3870064255"/>
+                    </a:ext>
+                  </a:extLst>
+                </a:gridCol>
+                <a:gridCol w="1468696">
+                  <a:extLst>
+                    <a:ext uri="{9D8B030D-6E8A-4147-A177-3AD203B41FA5}">
+                      <a16:colId xmlns:a16="http://schemas.microsoft.com/office/drawing/2014/main" val="4164197742"/>
+                    </a:ext>
+                  </a:extLst>
+                </a:gridCol>
+                <a:gridCol w="1468696">
+                  <a:extLst>
+                    <a:ext uri="{9D8B030D-6E8A-4147-A177-3AD203B41FA5}">
+                      <a16:colId xmlns:a16="http://schemas.microsoft.com/office/drawing/2014/main" val="3040331975"/>
+                    </a:ext>
+                  </a:extLst>
+                </a:gridCol>
+                <a:gridCol w="1468696">
+                  <a:extLst>
+                    <a:ext uri="{9D8B030D-6E8A-4147-A177-3AD203B41FA5}">
+                      <a16:colId xmlns:a16="http://schemas.microsoft.com/office/drawing/2014/main" val="302277599"/>
+                    </a:ext>
+                  </a:extLst>
+                </a:gridCol>
+              </a:tblGrid>
+              <a:tr h="904862">
+                <a:tc>
+                  <a:txBody>
+                    <a:bodyPr/>
+                    <a:lstStyle/>
+                    <a:p>
+                      <a:pPr lvl="0"/>
+                      <a:endParaRPr lang="en-US" sz="1800" dirty="0"/>
+                    </a:p>
+                  </a:txBody>
+                  <a:tcPr/>
+                </a:tc>
+                <a:tc>
+                  <a:txBody>
+                    <a:bodyPr/>
+                    <a:lstStyle/>
+                    <a:p>
+                      <a:pPr marL="0" marR="0" lvl="0" indent="0" algn="ctr" defTabSz="914400" rtl="0" eaLnBrk="1" fontAlgn="auto" latinLnBrk="0" hangingPunct="1">
+                        <a:lnSpc>
+                          <a:spcPct val="100000"/>
+                        </a:lnSpc>
+                        <a:spcBef>
+                          <a:spcPts val="0"/>
+                        </a:spcBef>
+                        <a:spcAft>
+                          <a:spcPts val="0"/>
+                        </a:spcAft>
+                        <a:buClrTx/>
+                        <a:buSzTx/>
+                        <a:buFontTx/>
+                        <a:buNone/>
+                        <a:tabLst/>
+                        <a:defRPr/>
+                      </a:pPr>
+                      <a:r>
+                        <a:rPr lang="en-US" sz="1800" dirty="0"/>
+                        <a:t>Logistic Regression</a:t>
+                      </a:r>
+                    </a:p>
+                  </a:txBody>
+                  <a:tcPr/>
+                </a:tc>
+                <a:tc>
+                  <a:txBody>
+                    <a:bodyPr/>
+                    <a:lstStyle/>
+                    <a:p>
+                      <a:pPr marL="0" marR="0" lvl="0" indent="0" algn="ctr" defTabSz="914400" rtl="0" eaLnBrk="1" fontAlgn="auto" latinLnBrk="0" hangingPunct="1">
+                        <a:lnSpc>
+                          <a:spcPct val="100000"/>
+                        </a:lnSpc>
+                        <a:spcBef>
+                          <a:spcPts val="0"/>
+                        </a:spcBef>
+                        <a:spcAft>
+                          <a:spcPts val="0"/>
+                        </a:spcAft>
+                        <a:buClrTx/>
+                        <a:buSzTx/>
+                        <a:buFontTx/>
+                        <a:buNone/>
+                        <a:tabLst/>
+                        <a:defRPr/>
+                      </a:pPr>
+                      <a:r>
+                        <a:rPr lang="en-US" sz="1800" dirty="0"/>
+                        <a:t>Random Forest</a:t>
+                      </a:r>
+                    </a:p>
+                    <a:p>
+                      <a:pPr marL="0" marR="0" lvl="0" indent="0" algn="ctr" defTabSz="914400" rtl="0" eaLnBrk="1" fontAlgn="auto" latinLnBrk="0" hangingPunct="1">
+                        <a:lnSpc>
+                          <a:spcPct val="100000"/>
+                        </a:lnSpc>
+                        <a:spcBef>
+                          <a:spcPts val="0"/>
+                        </a:spcBef>
+                        <a:spcAft>
+                          <a:spcPts val="0"/>
+                        </a:spcAft>
+                        <a:buClrTx/>
+                        <a:buSzTx/>
+                        <a:buFontTx/>
+                        <a:buNone/>
+                        <a:tabLst/>
+                        <a:defRPr/>
+                      </a:pPr>
+                      <a:endParaRPr lang="en-US" sz="1800" b="1" i="0" kern="1200" dirty="0">
+                        <a:solidFill>
+                          <a:schemeClr val="lt1"/>
+                        </a:solidFill>
+                        <a:effectLst/>
+                        <a:latin typeface="+mn-lt"/>
+                        <a:ea typeface="+mn-ea"/>
+                        <a:cs typeface="+mn-cs"/>
+                      </a:endParaRPr>
+                    </a:p>
+                  </a:txBody>
+                  <a:tcPr/>
+                </a:tc>
+                <a:tc>
+                  <a:txBody>
+                    <a:bodyPr/>
+                    <a:lstStyle/>
+                    <a:p>
+                      <a:pPr marL="0" marR="0" lvl="0" indent="0" algn="ctr" defTabSz="914400" rtl="0" eaLnBrk="1" fontAlgn="auto" latinLnBrk="0" hangingPunct="1">
+                        <a:lnSpc>
+                          <a:spcPct val="100000"/>
+                        </a:lnSpc>
+                        <a:spcBef>
+                          <a:spcPts val="0"/>
+                        </a:spcBef>
+                        <a:spcAft>
+                          <a:spcPts val="0"/>
+                        </a:spcAft>
+                        <a:buClrTx/>
+                        <a:buSzTx/>
+                        <a:buFontTx/>
+                        <a:buNone/>
+                        <a:tabLst/>
+                        <a:defRPr/>
+                      </a:pPr>
+                      <a:r>
+                        <a:rPr lang="en-US" sz="1800" dirty="0"/>
+                        <a:t>Gradient Boosted Classifier </a:t>
+                      </a:r>
+                    </a:p>
+                    <a:p>
+                      <a:pPr marL="0" marR="0" lvl="0" indent="0" algn="ctr" defTabSz="914400" rtl="0" eaLnBrk="1" fontAlgn="auto" latinLnBrk="0" hangingPunct="1">
+                        <a:lnSpc>
+                          <a:spcPct val="100000"/>
+                        </a:lnSpc>
+                        <a:spcBef>
+                          <a:spcPts val="0"/>
+                        </a:spcBef>
+                        <a:spcAft>
+                          <a:spcPts val="0"/>
+                        </a:spcAft>
+                        <a:buClrTx/>
+                        <a:buSzTx/>
+                        <a:buFontTx/>
+                        <a:buNone/>
+                        <a:tabLst/>
+                        <a:defRPr/>
+                      </a:pPr>
+                      <a:endParaRPr lang="en-US" sz="1800" dirty="0"/>
+                    </a:p>
+                  </a:txBody>
+                  <a:tcPr/>
+                </a:tc>
+                <a:tc>
+                  <a:txBody>
+                    <a:bodyPr/>
+                    <a:lstStyle/>
+                    <a:p>
+                      <a:pPr marL="0" marR="0" lvl="0" indent="0" algn="ctr" defTabSz="914400" rtl="0" eaLnBrk="1" fontAlgn="auto" latinLnBrk="0" hangingPunct="1">
+                        <a:lnSpc>
+                          <a:spcPct val="100000"/>
+                        </a:lnSpc>
+                        <a:spcBef>
+                          <a:spcPts val="0"/>
+                        </a:spcBef>
+                        <a:spcAft>
+                          <a:spcPts val="0"/>
+                        </a:spcAft>
+                        <a:buClrTx/>
+                        <a:buSzTx/>
+                        <a:buFontTx/>
+                        <a:buNone/>
+                        <a:tabLst/>
+                        <a:defRPr/>
+                      </a:pPr>
+                      <a:r>
+                        <a:rPr lang="en-US" sz="1800" dirty="0"/>
+                        <a:t>Easy Ensemble AdaBoost</a:t>
+                      </a:r>
+                    </a:p>
+                    <a:p>
+                      <a:pPr marL="0" marR="0" lvl="0" indent="0" algn="ctr" defTabSz="914400" rtl="0" eaLnBrk="1" fontAlgn="auto" latinLnBrk="0" hangingPunct="1">
+                        <a:lnSpc>
+                          <a:spcPct val="100000"/>
+                        </a:lnSpc>
+                        <a:spcBef>
+                          <a:spcPts val="0"/>
+                        </a:spcBef>
+                        <a:spcAft>
+                          <a:spcPts val="0"/>
+                        </a:spcAft>
+                        <a:buClrTx/>
+                        <a:buSzTx/>
+                        <a:buFontTx/>
+                        <a:buNone/>
+                        <a:tabLst/>
+                        <a:defRPr/>
+                      </a:pPr>
+                      <a:r>
+                        <a:rPr lang="en-US" sz="1800" b="1" i="0" kern="1200" dirty="0">
+                          <a:solidFill>
+                            <a:schemeClr val="lt1"/>
+                          </a:solidFill>
+                          <a:effectLst/>
+                          <a:latin typeface="+mn-lt"/>
+                          <a:ea typeface="+mn-ea"/>
+                          <a:cs typeface="+mn-cs"/>
+                        </a:rPr>
+                        <a:t>Classifier</a:t>
+                      </a:r>
+                    </a:p>
+                    <a:p>
+                      <a:pPr algn="ctr"/>
+                      <a:endParaRPr lang="en-US" dirty="0"/>
+                    </a:p>
+                  </a:txBody>
+                  <a:tcPr/>
+                </a:tc>
+                <a:tc>
+                  <a:txBody>
+                    <a:bodyPr/>
+                    <a:lstStyle/>
+                    <a:p>
+                      <a:pPr marL="0" marR="0" lvl="0" indent="0" algn="ctr" defTabSz="914400" rtl="0" eaLnBrk="1" fontAlgn="auto" latinLnBrk="0" hangingPunct="1">
+                        <a:lnSpc>
+                          <a:spcPct val="100000"/>
+                        </a:lnSpc>
+                        <a:spcBef>
+                          <a:spcPts val="0"/>
+                        </a:spcBef>
+                        <a:spcAft>
+                          <a:spcPts val="0"/>
+                        </a:spcAft>
+                        <a:buClrTx/>
+                        <a:buSzTx/>
+                        <a:buFontTx/>
+                        <a:buNone/>
+                        <a:tabLst/>
+                        <a:defRPr/>
+                      </a:pPr>
+                      <a:r>
+                        <a:rPr lang="en-US" dirty="0"/>
+                        <a:t>Support Vector Machine</a:t>
+                      </a:r>
+                    </a:p>
+                    <a:p>
+                      <a:pPr marL="0" marR="0" lvl="0" indent="0" algn="ctr" defTabSz="914400" rtl="0" eaLnBrk="1" fontAlgn="auto" latinLnBrk="0" hangingPunct="1">
+                        <a:lnSpc>
+                          <a:spcPct val="100000"/>
+                        </a:lnSpc>
+                        <a:spcBef>
+                          <a:spcPts val="0"/>
+                        </a:spcBef>
+                        <a:spcAft>
+                          <a:spcPts val="0"/>
+                        </a:spcAft>
+                        <a:buClrTx/>
+                        <a:buSzTx/>
+                        <a:buFontTx/>
+                        <a:buNone/>
+                        <a:tabLst/>
+                        <a:defRPr/>
+                      </a:pPr>
+                      <a:endParaRPr lang="en-US" sz="1800" dirty="0"/>
+                    </a:p>
+                  </a:txBody>
+                  <a:tcPr/>
+                </a:tc>
+                <a:tc>
+                  <a:txBody>
+                    <a:bodyPr/>
+                    <a:lstStyle/>
+                    <a:p>
+                      <a:pPr marL="0" marR="0" lvl="0" indent="0" algn="ctr" defTabSz="914400" rtl="0" eaLnBrk="1" fontAlgn="auto" latinLnBrk="0" hangingPunct="1">
+                        <a:lnSpc>
+                          <a:spcPct val="100000"/>
+                        </a:lnSpc>
+                        <a:spcBef>
+                          <a:spcPts val="0"/>
+                        </a:spcBef>
+                        <a:spcAft>
+                          <a:spcPts val="0"/>
+                        </a:spcAft>
+                        <a:buClrTx/>
+                        <a:buSzTx/>
+                        <a:buFontTx/>
+                        <a:buNone/>
+                        <a:tabLst/>
+                        <a:defRPr/>
+                      </a:pPr>
+                      <a:r>
+                        <a:rPr lang="en-US" sz="1800" dirty="0"/>
+                        <a:t>Deep Learning</a:t>
+                      </a:r>
+                    </a:p>
+                  </a:txBody>
+                  <a:tcPr/>
+                </a:tc>
+                <a:extLst>
+                  <a:ext uri="{0D108BD9-81ED-4DB2-BD59-A6C34878D82A}">
+                    <a16:rowId xmlns:a16="http://schemas.microsoft.com/office/drawing/2014/main" val="1009436775"/>
+                  </a:ext>
+                </a:extLst>
+              </a:tr>
+              <a:tr h="633403">
+                <a:tc>
+                  <a:txBody>
+                    <a:bodyPr/>
+                    <a:lstStyle/>
+                    <a:p>
+                      <a:r>
+                        <a:rPr lang="en-US" dirty="0"/>
+                        <a:t>Training Data Accuracy Score</a:t>
+                      </a:r>
+                    </a:p>
+                  </a:txBody>
+                  <a:tcPr/>
+                </a:tc>
+                <a:tc>
+                  <a:txBody>
+                    <a:bodyPr/>
+                    <a:lstStyle/>
+                    <a:p>
+                      <a:pPr algn="ctr"/>
+                      <a:r>
+                        <a:rPr lang="en-US" b="1" dirty="0">
+                          <a:solidFill>
+                            <a:srgbClr val="FF0000"/>
+                          </a:solidFill>
+                        </a:rPr>
+                        <a:t>0.914</a:t>
+                      </a:r>
+                    </a:p>
+                  </a:txBody>
+                  <a:tcPr/>
+                </a:tc>
+                <a:tc>
+                  <a:txBody>
+                    <a:bodyPr/>
+                    <a:lstStyle/>
+                    <a:p>
+                      <a:pPr algn="ctr"/>
+                      <a:r>
+                        <a:rPr lang="en-US" dirty="0"/>
+                        <a:t>0.896</a:t>
+                      </a:r>
+                    </a:p>
+                  </a:txBody>
+                  <a:tcPr/>
+                </a:tc>
+                <a:tc>
+                  <a:txBody>
+                    <a:bodyPr/>
+                    <a:lstStyle/>
+                    <a:p>
+                      <a:pPr algn="ctr"/>
+                      <a:r>
+                        <a:rPr lang="en-US" dirty="0"/>
+                        <a:t>0.896</a:t>
+                      </a:r>
+                    </a:p>
+                  </a:txBody>
+                  <a:tcPr/>
+                </a:tc>
+                <a:tc>
+                  <a:txBody>
+                    <a:bodyPr/>
+                    <a:lstStyle/>
+                    <a:p>
+                      <a:pPr algn="ctr"/>
+                      <a:r>
+                        <a:rPr lang="en-US" dirty="0"/>
+                        <a:t>0.849</a:t>
+                      </a:r>
+                    </a:p>
+                  </a:txBody>
+                  <a:tcPr/>
+                </a:tc>
+                <a:tc>
+                  <a:txBody>
+                    <a:bodyPr/>
+                    <a:lstStyle/>
+                    <a:p>
+                      <a:pPr algn="ctr"/>
+                      <a:r>
+                        <a:rPr lang="en-US" b="1" dirty="0">
+                          <a:solidFill>
+                            <a:srgbClr val="FF0000"/>
+                          </a:solidFill>
+                        </a:rPr>
+                        <a:t>0.913</a:t>
+                      </a:r>
+                    </a:p>
+                  </a:txBody>
+                  <a:tcPr/>
+                </a:tc>
+                <a:tc>
+                  <a:txBody>
+                    <a:bodyPr/>
+                    <a:lstStyle/>
+                    <a:p>
+                      <a:pPr algn="ctr"/>
+                      <a:endParaRPr lang="en-US" dirty="0"/>
+                    </a:p>
+                  </a:txBody>
+                  <a:tcPr/>
+                </a:tc>
+                <a:extLst>
+                  <a:ext uri="{0D108BD9-81ED-4DB2-BD59-A6C34878D82A}">
+                    <a16:rowId xmlns:a16="http://schemas.microsoft.com/office/drawing/2014/main" val="466452152"/>
+                  </a:ext>
+                </a:extLst>
+              </a:tr>
+              <a:tr h="904862">
+                <a:tc>
+                  <a:txBody>
+                    <a:bodyPr/>
+                    <a:lstStyle/>
+                    <a:p>
+                      <a:r>
+                        <a:rPr lang="en-US" dirty="0"/>
+                        <a:t>Accuracy Score</a:t>
+                      </a:r>
+                    </a:p>
+                  </a:txBody>
+                  <a:tcPr/>
+                </a:tc>
+                <a:tc>
+                  <a:txBody>
+                    <a:bodyPr/>
+                    <a:lstStyle/>
+                    <a:p>
+                      <a:pPr algn="ctr"/>
+                      <a:r>
+                        <a:rPr lang="en-US" b="1" dirty="0">
+                          <a:solidFill>
+                            <a:srgbClr val="FF0000"/>
+                          </a:solidFill>
+                        </a:rPr>
+                        <a:t>0.912</a:t>
+                      </a:r>
+                    </a:p>
+                  </a:txBody>
+                  <a:tcPr/>
+                </a:tc>
+                <a:tc>
+                  <a:txBody>
+                    <a:bodyPr/>
+                    <a:lstStyle/>
+                    <a:p>
+                      <a:pPr algn="ctr"/>
+                      <a:r>
+                        <a:rPr lang="en-US" dirty="0"/>
+                        <a:t>0.911</a:t>
+                      </a:r>
+                    </a:p>
+                  </a:txBody>
+                  <a:tcPr/>
+                </a:tc>
+                <a:tc>
+                  <a:txBody>
+                    <a:bodyPr/>
+                    <a:lstStyle/>
+                    <a:p>
+                      <a:pPr algn="ctr"/>
+                      <a:r>
+                        <a:rPr lang="en-US" dirty="0"/>
+                        <a:t>0.912</a:t>
+                      </a:r>
+                    </a:p>
+                  </a:txBody>
+                  <a:tcPr/>
+                </a:tc>
+                <a:tc>
+                  <a:txBody>
+                    <a:bodyPr/>
+                    <a:lstStyle/>
+                    <a:p>
+                      <a:pPr algn="ctr"/>
+                      <a:r>
+                        <a:rPr lang="en-US" dirty="0"/>
+                        <a:t>0.845</a:t>
+                      </a:r>
+                    </a:p>
+                  </a:txBody>
+                  <a:tcPr/>
+                </a:tc>
+                <a:tc>
+                  <a:txBody>
+                    <a:bodyPr/>
+                    <a:lstStyle/>
+                    <a:p>
+                      <a:pPr algn="ctr"/>
+                      <a:r>
+                        <a:rPr lang="en-US" dirty="0"/>
+                        <a:t>0.104</a:t>
+                      </a:r>
+                    </a:p>
+                  </a:txBody>
+                  <a:tcPr/>
+                </a:tc>
+                <a:tc>
+                  <a:txBody>
+                    <a:bodyPr/>
+                    <a:lstStyle/>
+                    <a:p>
+                      <a:pPr algn="ctr"/>
+                      <a:r>
+                        <a:rPr lang="en-US" b="1" dirty="0">
+                          <a:solidFill>
+                            <a:srgbClr val="FF0000"/>
+                          </a:solidFill>
+                        </a:rPr>
+                        <a:t>0.912</a:t>
+                      </a:r>
+                    </a:p>
+                  </a:txBody>
+                  <a:tcPr/>
+                </a:tc>
+                <a:extLst>
+                  <a:ext uri="{0D108BD9-81ED-4DB2-BD59-A6C34878D82A}">
+                    <a16:rowId xmlns:a16="http://schemas.microsoft.com/office/drawing/2014/main" val="1921966841"/>
+                  </a:ext>
+                </a:extLst>
+              </a:tr>
+            </a:tbl>
+          </a:graphicData>
+        </a:graphic>
+      </p:graphicFrame>
+      <p:sp>
+        <p:nvSpPr>
+          <p:cNvPr id="3" name="TextBox 2">
+            <a:extLst>
+              <a:ext uri="{FF2B5EF4-FFF2-40B4-BE49-F238E27FC236}">
+                <a16:creationId xmlns:a16="http://schemas.microsoft.com/office/drawing/2014/main" id="{3C20A958-CB06-570E-8FC9-7814B7FBCC59}"/>
+              </a:ext>
+            </a:extLst>
+          </p:cNvPr>
+          <p:cNvSpPr txBox="1"/>
+          <p:nvPr/>
         </p:nvSpPr>
-        <p:spPr/>
+        <p:spPr>
+          <a:xfrm>
+            <a:off x="1556883" y="5302387"/>
+            <a:ext cx="10280873" cy="646331"/>
+          </a:xfrm>
+          <a:prstGeom prst="rect">
+            <a:avLst/>
+          </a:prstGeom>
+          <a:noFill/>
+        </p:spPr>
         <p:txBody>
-          <a:bodyPr/>
+          <a:bodyPr wrap="square" rtlCol="0">
+            <a:spAutoFit/>
+          </a:bodyPr>
           <a:lstStyle/>
           <a:p>
-            <a:endParaRPr lang="en-US"/>
+            <a:r>
+              <a:rPr lang="en-US" dirty="0"/>
+              <a:t>Accuracy Score =  % of Covid patients with underlying disease having a high risk to develop severe Covid leading to fatality </a:t>
+            </a:r>
           </a:p>
         </p:txBody>
       </p:sp>
@@ -7183,114 +8548,6 @@
     <p:extLst>
       <p:ext uri="{BB962C8B-B14F-4D97-AF65-F5344CB8AC3E}">
         <p14:creationId xmlns:p14="http://schemas.microsoft.com/office/powerpoint/2010/main" val="818752882"/>
-      </p:ext>
-    </p:extLst>
-  </p:cSld>
-  <p:clrMapOvr>
-    <a:masterClrMapping/>
-  </p:clrMapOvr>
-</p:sld>
-</file>
-
-<file path=ppt/slides/slide7.xml><?xml version="1.0" encoding="utf-8"?>
-<p:sld xmlns:a="http://schemas.openxmlformats.org/drawingml/2006/main" xmlns:r="http://schemas.openxmlformats.org/officeDocument/2006/relationships" xmlns:p="http://schemas.openxmlformats.org/presentationml/2006/main">
-  <p:cSld>
-    <p:spTree>
-      <p:nvGrpSpPr>
-        <p:cNvPr id="1" name=""/>
-        <p:cNvGrpSpPr/>
-        <p:nvPr/>
-      </p:nvGrpSpPr>
-      <p:grpSpPr>
-        <a:xfrm>
-          <a:off x="0" y="0"/>
-          <a:ext cx="0" cy="0"/>
-          <a:chOff x="0" y="0"/>
-          <a:chExt cx="0" cy="0"/>
-        </a:xfrm>
-      </p:grpSpPr>
-      <p:sp>
-        <p:nvSpPr>
-          <p:cNvPr id="2" name="Title 1">
-            <a:extLst>
-              <a:ext uri="{FF2B5EF4-FFF2-40B4-BE49-F238E27FC236}">
-                <a16:creationId xmlns:a16="http://schemas.microsoft.com/office/drawing/2014/main" id="{59E579E5-3F2F-D1E0-6A27-132194ADAE30}"/>
-              </a:ext>
-            </a:extLst>
-          </p:cNvPr>
-          <p:cNvSpPr>
-            <a:spLocks noGrp="1"/>
-          </p:cNvSpPr>
-          <p:nvPr>
-            <p:ph type="title"/>
-          </p:nvPr>
-        </p:nvSpPr>
-        <p:spPr/>
-        <p:txBody>
-          <a:bodyPr/>
-          <a:lstStyle/>
-          <a:p>
-            <a:r>
-              <a:rPr lang="en-US" dirty="0"/>
-              <a:t>Additional resources</a:t>
-            </a:r>
-          </a:p>
-        </p:txBody>
-      </p:sp>
-      <p:sp>
-        <p:nvSpPr>
-          <p:cNvPr id="3" name="Content Placeholder 2">
-            <a:extLst>
-              <a:ext uri="{FF2B5EF4-FFF2-40B4-BE49-F238E27FC236}">
-                <a16:creationId xmlns:a16="http://schemas.microsoft.com/office/drawing/2014/main" id="{83E728D4-9335-BD58-CE88-ABA936A74C97}"/>
-              </a:ext>
-            </a:extLst>
-          </p:cNvPr>
-          <p:cNvSpPr>
-            <a:spLocks noGrp="1"/>
-          </p:cNvSpPr>
-          <p:nvPr>
-            <p:ph idx="1"/>
-          </p:nvPr>
-        </p:nvSpPr>
-        <p:spPr/>
-        <p:txBody>
-          <a:bodyPr/>
-          <a:lstStyle/>
-          <a:p>
-            <a:r>
-              <a:rPr lang="en-US" dirty="0"/>
-              <a:t>Tableau - </a:t>
-            </a:r>
-            <a:r>
-              <a:rPr lang="en-US" b="0" i="0" u="none" strike="noStrike" dirty="0">
-                <a:effectLst/>
-                <a:latin typeface="Slack-Lato"/>
-                <a:hlinkClick r:id="rId2"/>
-              </a:rPr>
-              <a:t>https://public.tableau.com/app/profile/jialin.huang3459/viz/CovidmortalitygroupprojectMar-2023/Story1</a:t>
-            </a:r>
-            <a:endParaRPr lang="en-US" dirty="0"/>
-          </a:p>
-          <a:p>
-            <a:r>
-              <a:rPr lang="en-US" dirty="0" err="1"/>
-              <a:t>Github</a:t>
-            </a:r>
-            <a:endParaRPr lang="en-US" dirty="0"/>
-          </a:p>
-          <a:p>
-            <a:r>
-              <a:rPr lang="en-US" dirty="0"/>
-              <a:t>Website</a:t>
-            </a:r>
-          </a:p>
-        </p:txBody>
-      </p:sp>
-    </p:spTree>
-    <p:extLst>
-      <p:ext uri="{BB962C8B-B14F-4D97-AF65-F5344CB8AC3E}">
-        <p14:creationId xmlns:p14="http://schemas.microsoft.com/office/powerpoint/2010/main" val="3110597434"/>
       </p:ext>
     </p:extLst>
   </p:cSld>
@@ -7322,7 +8579,7 @@
           <p:cNvPr id="2" name="Title 1">
             <a:extLst>
               <a:ext uri="{FF2B5EF4-FFF2-40B4-BE49-F238E27FC236}">
-                <a16:creationId xmlns:a16="http://schemas.microsoft.com/office/drawing/2014/main" id="{4795C51E-2C92-671C-39F3-025BBEC2D2BC}"/>
+                <a16:creationId xmlns:a16="http://schemas.microsoft.com/office/drawing/2014/main" id="{8367AEAF-1153-9C27-2FB0-B00C4F6F4F21}"/>
               </a:ext>
             </a:extLst>
           </p:cNvPr>
@@ -7340,7 +8597,7 @@
           <a:p>
             <a:r>
               <a:rPr lang="en-US" dirty="0"/>
-              <a:t>Credits</a:t>
+              <a:t>Summary of Prediction Results</a:t>
             </a:r>
           </a:p>
         </p:txBody>
@@ -7350,7 +8607,7 @@
           <p:cNvPr id="3" name="Content Placeholder 2">
             <a:extLst>
               <a:ext uri="{FF2B5EF4-FFF2-40B4-BE49-F238E27FC236}">
-                <a16:creationId xmlns:a16="http://schemas.microsoft.com/office/drawing/2014/main" id="{25FEC1FB-3A27-9B1C-1E42-3AABAE33938A}"/>
+                <a16:creationId xmlns:a16="http://schemas.microsoft.com/office/drawing/2014/main" id="{943583F3-EDB8-3527-D2BC-F1F4276474FD}"/>
               </a:ext>
             </a:extLst>
           </p:cNvPr>
@@ -7363,23 +8620,39 @@
         </p:nvSpPr>
         <p:spPr>
           <a:xfrm>
-            <a:off x="838200" y="1476462"/>
-            <a:ext cx="10515600" cy="4700501"/>
+            <a:off x="625151" y="1825625"/>
+            <a:ext cx="10728649" cy="4351338"/>
           </a:xfrm>
         </p:spPr>
         <p:txBody>
-          <a:bodyPr/>
+          <a:bodyPr>
+            <a:normAutofit fontScale="92500" lnSpcReduction="10000"/>
+          </a:bodyPr>
           <a:lstStyle/>
           <a:p>
-            <a:r>
-              <a:rPr lang="en-US" dirty="0"/>
-              <a:t>Source of data</a:t>
-            </a:r>
-          </a:p>
-          <a:p>
-            <a:r>
-              <a:rPr lang="en-US" dirty="0"/>
-              <a:t>Software/Tool used:</a:t>
+            <a:pPr algn="l">
+              <a:buFont typeface="Arial" panose="020B0604020202020204" pitchFamily="34" charset="0"/>
+              <a:buChar char="•"/>
+            </a:pPr>
+            <a:r>
+              <a:rPr lang="en-US" b="0" i="0" dirty="0">
+                <a:effectLst/>
+                <a:latin typeface="-apple-system"/>
+              </a:rPr>
+              <a:t>Different ML models were trained on top of these 14 features to predict patients' mortality or discharge outcomes. From different ML models (e.g., Logistic Regression, random forest, Gradient Boosting Classifier, support vector machine, AdaBoost, and neural network), the logistic Regression model performance better with an accuracy of 91.4% followed by SVM (91.3%) and Deep learning (91.2%).</a:t>
+            </a:r>
+          </a:p>
+          <a:p>
+            <a:pPr algn="l">
+              <a:buFont typeface="Arial" panose="020B0604020202020204" pitchFamily="34" charset="0"/>
+              <a:buChar char="•"/>
+            </a:pPr>
+            <a:r>
+              <a:rPr lang="en-US" b="0" i="0" dirty="0">
+                <a:effectLst/>
+                <a:latin typeface="-apple-system"/>
+              </a:rPr>
+              <a:t>The trained models were then tested on the test dataset. Again, four models (Logistic Regression, Gradient Boosting Classifier, neural network) had the best performance with an accuracy of 91.2%, followed by random forest (91.1%) accuracy rate. SVM has the least accuracy rate of 10.4%. Easy Ensemble AdaBoost Classifier model is the only model with high sensitivity rate of 84% .</a:t>
             </a:r>
           </a:p>
           <a:p>
@@ -7390,7 +8663,166 @@
     </p:spTree>
     <p:extLst>
       <p:ext uri="{BB962C8B-B14F-4D97-AF65-F5344CB8AC3E}">
-        <p14:creationId xmlns:p14="http://schemas.microsoft.com/office/powerpoint/2010/main" val="551105099"/>
+        <p14:creationId xmlns:p14="http://schemas.microsoft.com/office/powerpoint/2010/main" val="2886328022"/>
+      </p:ext>
+    </p:extLst>
+  </p:cSld>
+  <p:clrMapOvr>
+    <a:masterClrMapping/>
+  </p:clrMapOvr>
+</p:sld>
+</file>
+
+<file path=ppt/slides/slide9.xml><?xml version="1.0" encoding="utf-8"?>
+<p:sld xmlns:a="http://schemas.openxmlformats.org/drawingml/2006/main" xmlns:r="http://schemas.openxmlformats.org/officeDocument/2006/relationships" xmlns:p="http://schemas.openxmlformats.org/presentationml/2006/main">
+  <p:cSld>
+    <p:spTree>
+      <p:nvGrpSpPr>
+        <p:cNvPr id="1" name=""/>
+        <p:cNvGrpSpPr/>
+        <p:nvPr/>
+      </p:nvGrpSpPr>
+      <p:grpSpPr>
+        <a:xfrm>
+          <a:off x="0" y="0"/>
+          <a:ext cx="0" cy="0"/>
+          <a:chOff x="0" y="0"/>
+          <a:chExt cx="0" cy="0"/>
+        </a:xfrm>
+      </p:grpSpPr>
+      <p:sp>
+        <p:nvSpPr>
+          <p:cNvPr id="2" name="Title 1">
+            <a:extLst>
+              <a:ext uri="{FF2B5EF4-FFF2-40B4-BE49-F238E27FC236}">
+                <a16:creationId xmlns:a16="http://schemas.microsoft.com/office/drawing/2014/main" id="{14D12F7E-DDE7-86D6-6E76-54F939F75F53}"/>
+              </a:ext>
+            </a:extLst>
+          </p:cNvPr>
+          <p:cNvSpPr>
+            <a:spLocks noGrp="1"/>
+          </p:cNvSpPr>
+          <p:nvPr>
+            <p:ph type="title"/>
+          </p:nvPr>
+        </p:nvSpPr>
+        <p:spPr>
+          <a:xfrm>
+            <a:off x="544584" y="314792"/>
+            <a:ext cx="11072027" cy="1325563"/>
+          </a:xfrm>
+        </p:spPr>
+        <p:txBody>
+          <a:bodyPr>
+            <a:normAutofit/>
+          </a:bodyPr>
+          <a:lstStyle/>
+          <a:p>
+            <a:r>
+              <a:rPr lang="en-US" dirty="0"/>
+              <a:t>Feature Importance for Random Forest</a:t>
+            </a:r>
+          </a:p>
+        </p:txBody>
+      </p:sp>
+      <p:pic>
+        <p:nvPicPr>
+          <p:cNvPr id="5" name="Content Placeholder 4">
+            <a:extLst>
+              <a:ext uri="{FF2B5EF4-FFF2-40B4-BE49-F238E27FC236}">
+                <a16:creationId xmlns:a16="http://schemas.microsoft.com/office/drawing/2014/main" id="{36A7952A-8752-D985-CAC9-C0FF34E94AD7}"/>
+              </a:ext>
+            </a:extLst>
+          </p:cNvPr>
+          <p:cNvPicPr>
+            <a:picLocks noGrp="1" noChangeAspect="1"/>
+          </p:cNvPicPr>
+          <p:nvPr>
+            <p:ph idx="1"/>
+          </p:nvPr>
+        </p:nvPicPr>
+        <p:blipFill>
+          <a:blip r:embed="rId2"/>
+          <a:stretch>
+            <a:fillRect/>
+          </a:stretch>
+        </p:blipFill>
+        <p:spPr>
+          <a:xfrm>
+            <a:off x="6080597" y="1203703"/>
+            <a:ext cx="5941859" cy="5339505"/>
+          </a:xfrm>
+        </p:spPr>
+      </p:pic>
+      <p:sp>
+        <p:nvSpPr>
+          <p:cNvPr id="6" name="TextBox 5">
+            <a:extLst>
+              <a:ext uri="{FF2B5EF4-FFF2-40B4-BE49-F238E27FC236}">
+                <a16:creationId xmlns:a16="http://schemas.microsoft.com/office/drawing/2014/main" id="{05302C16-421D-6392-C8E0-3AA5218E7615}"/>
+              </a:ext>
+            </a:extLst>
+          </p:cNvPr>
+          <p:cNvSpPr txBox="1"/>
+          <p:nvPr/>
+        </p:nvSpPr>
+        <p:spPr>
+          <a:xfrm>
+            <a:off x="544584" y="1792384"/>
+            <a:ext cx="4960477" cy="1477328"/>
+          </a:xfrm>
+          <a:prstGeom prst="rect">
+            <a:avLst/>
+          </a:prstGeom>
+          <a:noFill/>
+        </p:spPr>
+        <p:txBody>
+          <a:bodyPr wrap="square" rtlCol="0">
+            <a:spAutoFit/>
+          </a:bodyPr>
+          <a:lstStyle/>
+          <a:p>
+            <a:pPr marL="285750" indent="-285750">
+              <a:buFont typeface="Arial" panose="020B0604020202020204" pitchFamily="34" charset="0"/>
+              <a:buChar char="•"/>
+            </a:pPr>
+            <a:r>
+              <a:rPr lang="en-US" dirty="0"/>
+              <a:t>Pneumonia contributes the most to decision tree model of ML prediction</a:t>
+            </a:r>
+          </a:p>
+          <a:p>
+            <a:pPr marL="285750" indent="-285750">
+              <a:buFont typeface="Arial" panose="020B0604020202020204" pitchFamily="34" charset="0"/>
+              <a:buChar char="•"/>
+            </a:pPr>
+            <a:r>
+              <a:rPr lang="en-US" dirty="0"/>
+              <a:t>Age group (under and over 65)</a:t>
+            </a:r>
+          </a:p>
+          <a:p>
+            <a:pPr marL="285750" indent="-285750">
+              <a:buFont typeface="Arial" panose="020B0604020202020204" pitchFamily="34" charset="0"/>
+              <a:buChar char="•"/>
+            </a:pPr>
+            <a:r>
+              <a:rPr lang="en-US" dirty="0"/>
+              <a:t>Hypertension </a:t>
+            </a:r>
+          </a:p>
+          <a:p>
+            <a:r>
+              <a:rPr lang="en-US" dirty="0"/>
+              <a:t>- New chart with age groups split into 2</a:t>
+            </a:r>
+          </a:p>
+        </p:txBody>
+      </p:sp>
+    </p:spTree>
+    <p:extLst>
+      <p:ext uri="{BB962C8B-B14F-4D97-AF65-F5344CB8AC3E}">
+        <p14:creationId xmlns:p14="http://schemas.microsoft.com/office/powerpoint/2010/main" val="3907890540"/>
       </p:ext>
     </p:extLst>
   </p:cSld>
@@ -7403,7 +8835,7 @@
 <file path=ppt/theme/theme1.xml><?xml version="1.0" encoding="utf-8"?>
 <a:theme xmlns:a="http://schemas.openxmlformats.org/drawingml/2006/main" name="Office Theme">
   <a:themeElements>
-    <a:clrScheme name="Office">
+    <a:clrScheme name="Office Theme">
       <a:dk1>
         <a:sysClr val="windowText" lastClr="000000"/>
       </a:dk1>
@@ -7441,7 +8873,7 @@
         <a:srgbClr val="954F72"/>
       </a:folHlink>
     </a:clrScheme>
-    <a:fontScheme name="Office">
+    <a:fontScheme name="Office Theme">
       <a:majorFont>
         <a:latin typeface="Calibri Light" panose="020F0302020204030204"/>
         <a:ea typeface=""/>
@@ -7476,23 +8908,6 @@
         <a:font script="Viet" typeface="Times New Roman"/>
         <a:font script="Uigh" typeface="Microsoft Uighur"/>
         <a:font script="Geor" typeface="Sylfaen"/>
-        <a:font script="Armn" typeface="Arial"/>
-        <a:font script="Bugi" typeface="Leelawadee UI"/>
-        <a:font script="Bopo" typeface="Microsoft JhengHei"/>
-        <a:font script="Java" typeface="Javanese Text"/>
-        <a:font script="Lisu" typeface="Segoe UI"/>
-        <a:font script="Mymr" typeface="Myanmar Text"/>
-        <a:font script="Nkoo" typeface="Ebrima"/>
-        <a:font script="Olck" typeface="Nirmala UI"/>
-        <a:font script="Osma" typeface="Ebrima"/>
-        <a:font script="Phag" typeface="Phagspa"/>
-        <a:font script="Syrn" typeface="Estrangelo Edessa"/>
-        <a:font script="Syrj" typeface="Estrangelo Edessa"/>
-        <a:font script="Syre" typeface="Estrangelo Edessa"/>
-        <a:font script="Sora" typeface="Nirmala UI"/>
-        <a:font script="Tale" typeface="Microsoft Tai Le"/>
-        <a:font script="Talu" typeface="Microsoft New Tai Lue"/>
-        <a:font script="Tfng" typeface="Ebrima"/>
       </a:majorFont>
       <a:minorFont>
         <a:latin typeface="Calibri" panose="020F0502020204030204"/>
@@ -7528,26 +8943,9 @@
         <a:font script="Viet" typeface="Arial"/>
         <a:font script="Uigh" typeface="Microsoft Uighur"/>
         <a:font script="Geor" typeface="Sylfaen"/>
-        <a:font script="Armn" typeface="Arial"/>
-        <a:font script="Bugi" typeface="Leelawadee UI"/>
-        <a:font script="Bopo" typeface="Microsoft JhengHei"/>
-        <a:font script="Java" typeface="Javanese Text"/>
-        <a:font script="Lisu" typeface="Segoe UI"/>
-        <a:font script="Mymr" typeface="Myanmar Text"/>
-        <a:font script="Nkoo" typeface="Ebrima"/>
-        <a:font script="Olck" typeface="Nirmala UI"/>
-        <a:font script="Osma" typeface="Ebrima"/>
-        <a:font script="Phag" typeface="Phagspa"/>
-        <a:font script="Syrn" typeface="Estrangelo Edessa"/>
-        <a:font script="Syrj" typeface="Estrangelo Edessa"/>
-        <a:font script="Syre" typeface="Estrangelo Edessa"/>
-        <a:font script="Sora" typeface="Nirmala UI"/>
-        <a:font script="Tale" typeface="Microsoft Tai Le"/>
-        <a:font script="Talu" typeface="Microsoft New Tai Lue"/>
-        <a:font script="Tfng" typeface="Ebrima"/>
       </a:minorFont>
     </a:fontScheme>
-    <a:fmtScheme name="Office">
+    <a:fmtScheme name="Office Theme">
       <a:fillStyleLst>
         <a:solidFill>
           <a:schemeClr val="phClr"/>
@@ -7689,7 +9087,7 @@
   <a:extraClrSchemeLst/>
   <a:extLst>
     <a:ext uri="{05A4C25C-085E-4340-85A3-A5531E510DB2}">
-      <thm15:themeFamily xmlns:thm15="http://schemas.microsoft.com/office/thememl/2012/main" name="Office Theme" id="{62F939B6-93AF-4DB8-9C6B-D6C7DFDC589F}" vid="{4A3C46E8-61CC-4603-A589-7422A47A8E4A}"/>
+      <thm15:themeFamily xmlns:thm15="http://schemas.microsoft.com/office/thememl/2012/main" name="Office Theme 2013 - 2022" id="{62F939B6-93AF-4DB8-9C6B-D6C7DFDC589F}" vid="{4A3C46E8-61CC-4603-A589-7422A47A8E4A}"/>
     </a:ext>
   </a:extLst>
 </a:theme>
